--- a/web_scrape_ppt_jwattier – How NFL teams spend.pptx
+++ b/web_scrape_ppt_jwattier – How NFL teams spend.pptx
@@ -17,10 +17,11 @@
     <p:sldId id="267" r:id="rId11"/>
     <p:sldId id="268" r:id="rId12"/>
     <p:sldId id="266" r:id="rId13"/>
-    <p:sldId id="269" r:id="rId14"/>
-    <p:sldId id="272" r:id="rId15"/>
-    <p:sldId id="270" r:id="rId16"/>
-    <p:sldId id="258" r:id="rId17"/>
+    <p:sldId id="273" r:id="rId14"/>
+    <p:sldId id="269" r:id="rId15"/>
+    <p:sldId id="272" r:id="rId16"/>
+    <p:sldId id="270" r:id="rId17"/>
+    <p:sldId id="258" r:id="rId18"/>
   </p:sldIdLst>
   <p:sldSz cx="12192000" cy="6858000"/>
   <p:notesSz cx="6858000" cy="9144000"/>
@@ -130,7 +131,7 @@
 <file path=ppt/revisionInfo.xml><?xml version="1.0" encoding="utf-8"?>
 <p1510:revInfo xmlns:a="http://schemas.openxmlformats.org/drawingml/2006/main" xmlns:r="http://schemas.openxmlformats.org/officeDocument/2006/relationships" xmlns:p1510="http://schemas.microsoft.com/office/powerpoint/2015/10/main">
   <p1510:revLst>
-    <p1510:client id="{09AA20D1-44B4-498A-B3A7-1B1574B9F222}" v="33" dt="2020-01-26T20:50:15.481"/>
+    <p1510:client id="{09AA20D1-44B4-498A-B3A7-1B1574B9F222}" v="39" dt="2020-01-27T02:20:56.183"/>
   </p1510:revLst>
 </p1510:revInfo>
 </file>
@@ -2851,10 +2852,9 @@
           </a:lstStyle>
           <a:p>
             <a:r>
-              <a:rPr lang="en-US"/>
+              <a:rPr lang="en-US" dirty="0"/>
               <a:t>Click icon to add picture</a:t>
             </a:r>
-            <a:endParaRPr lang="en-US" dirty="0"/>
           </a:p>
         </p:txBody>
       </p:sp>
@@ -3842,7 +3842,7 @@
           <a:lstStyle/>
           <a:p>
             <a:pPr algn="ctr"/>
-            <a:endParaRPr lang="en-US"/>
+            <a:endParaRPr lang="en-US" dirty="0"/>
           </a:p>
         </p:txBody>
       </p:sp>
@@ -3876,7 +3876,7 @@
           <a:p>
             <a:r>
               <a:rPr lang="en-US" sz="8000" dirty="0"/>
-              <a:t>Dollar and Cents – </a:t>
+              <a:t>Dollars and Cents – </a:t>
             </a:r>
             <a:r>
               <a:rPr lang="en-US" sz="6000" i="1" dirty="0"/>
@@ -3923,51 +3923,7 @@
                   </a:schemeClr>
                 </a:solidFill>
               </a:rPr>
-              <a:t>Jason </a:t>
-            </a:r>
-            <a:r>
-              <a:rPr lang="en-US" dirty="0" err="1">
-                <a:solidFill>
-                  <a:schemeClr val="tx1">
-                    <a:lumMod val="85000"/>
-                    <a:lumOff val="15000"/>
-                  </a:schemeClr>
-                </a:solidFill>
-              </a:rPr>
-              <a:t>wattier</a:t>
-            </a:r>
-            <a:r>
-              <a:rPr lang="en-US" dirty="0">
-                <a:solidFill>
-                  <a:schemeClr val="tx1">
-                    <a:lumMod val="85000"/>
-                    <a:lumOff val="15000"/>
-                  </a:schemeClr>
-                </a:solidFill>
-              </a:rPr>
-              <a:t> – </a:t>
-            </a:r>
-            <a:r>
-              <a:rPr lang="en-US" dirty="0" err="1">
-                <a:solidFill>
-                  <a:schemeClr val="tx1">
-                    <a:lumMod val="85000"/>
-                    <a:lumOff val="15000"/>
-                  </a:schemeClr>
-                </a:solidFill>
-              </a:rPr>
-              <a:t>Nycdsa</a:t>
-            </a:r>
-            <a:r>
-              <a:rPr lang="en-US" dirty="0">
-                <a:solidFill>
-                  <a:schemeClr val="tx1">
-                    <a:lumMod val="85000"/>
-                    <a:lumOff val="15000"/>
-                  </a:schemeClr>
-                </a:solidFill>
-              </a:rPr>
-              <a:t> web scraping project</a:t>
+              <a:t>Jason wattier – Nycdsa web scraping project</a:t>
             </a:r>
             <a:endParaRPr lang="en-US" sz="2400" dirty="0">
               <a:solidFill>
@@ -4180,14 +4136,14 @@
           <p:nvPr>
             <p:extLst>
               <p:ext uri="{D42A27DB-BD31-4B8C-83A1-F6EECF244321}">
-                <p14:modId xmlns:p14="http://schemas.microsoft.com/office/powerpoint/2010/main" val="3072507815"/>
+                <p14:modId xmlns:p14="http://schemas.microsoft.com/office/powerpoint/2010/main" val="3790993492"/>
               </p:ext>
             </p:extLst>
           </p:nvPr>
         </p:nvGraphicFramePr>
         <p:xfrm>
-          <a:off x="2737337" y="2356337"/>
-          <a:ext cx="6717325" cy="1969480"/>
+          <a:off x="1097280" y="2108202"/>
+          <a:ext cx="9997441" cy="3760890"/>
         </p:xfrm>
         <a:graphic>
           <a:graphicData uri="http://schemas.openxmlformats.org/drawingml/2006/table">
@@ -4196,49 +4152,49 @@
                 <a:tableStyleId>{5C22544A-7EE6-4342-B048-85BDC9FD1C3A}</a:tableStyleId>
               </a:tblPr>
               <a:tblGrid>
-                <a:gridCol w="2066869">
+                <a:gridCol w="3076135">
                   <a:extLst>
                     <a:ext uri="{9D8B030D-6E8A-4147-A177-3AD203B41FA5}">
                       <a16:colId xmlns:a16="http://schemas.microsoft.com/office/drawing/2014/main" val="2998220633"/>
                     </a:ext>
                   </a:extLst>
                 </a:gridCol>
-                <a:gridCol w="775076">
+                <a:gridCol w="1153551">
                   <a:extLst>
                     <a:ext uri="{9D8B030D-6E8A-4147-A177-3AD203B41FA5}">
                       <a16:colId xmlns:a16="http://schemas.microsoft.com/office/drawing/2014/main" val="2589166848"/>
                     </a:ext>
                   </a:extLst>
                 </a:gridCol>
-                <a:gridCol w="775076">
+                <a:gridCol w="1153551">
                   <a:extLst>
                     <a:ext uri="{9D8B030D-6E8A-4147-A177-3AD203B41FA5}">
                       <a16:colId xmlns:a16="http://schemas.microsoft.com/office/drawing/2014/main" val="3503351473"/>
                     </a:ext>
                   </a:extLst>
                 </a:gridCol>
-                <a:gridCol w="775076">
+                <a:gridCol w="1153551">
                   <a:extLst>
                     <a:ext uri="{9D8B030D-6E8A-4147-A177-3AD203B41FA5}">
                       <a16:colId xmlns:a16="http://schemas.microsoft.com/office/drawing/2014/main" val="2709023322"/>
                     </a:ext>
                   </a:extLst>
                 </a:gridCol>
-                <a:gridCol w="775076">
+                <a:gridCol w="1153551">
                   <a:extLst>
                     <a:ext uri="{9D8B030D-6E8A-4147-A177-3AD203B41FA5}">
                       <a16:colId xmlns:a16="http://schemas.microsoft.com/office/drawing/2014/main" val="1023396034"/>
                     </a:ext>
                   </a:extLst>
                 </a:gridCol>
-                <a:gridCol w="775076">
+                <a:gridCol w="1153551">
                   <a:extLst>
                     <a:ext uri="{9D8B030D-6E8A-4147-A177-3AD203B41FA5}">
                       <a16:colId xmlns:a16="http://schemas.microsoft.com/office/drawing/2014/main" val="1680344114"/>
                     </a:ext>
                   </a:extLst>
                 </a:gridCol>
-                <a:gridCol w="775076">
+                <a:gridCol w="1153551">
                   <a:extLst>
                     <a:ext uri="{9D8B030D-6E8A-4147-A177-3AD203B41FA5}">
                       <a16:colId xmlns:a16="http://schemas.microsoft.com/office/drawing/2014/main" val="4242648734"/>
@@ -4246,7 +4202,7 @@
                   </a:extLst>
                 </a:gridCol>
               </a:tblGrid>
-              <a:tr h="393896">
+              <a:tr h="752178">
                 <a:tc>
                   <a:txBody>
                     <a:bodyPr/>
@@ -4254,12 +4210,12 @@
                     <a:p>
                       <a:pPr algn="ctr" fontAlgn="b"/>
                       <a:r>
-                        <a:rPr lang="en-US" sz="1100" b="1" u="none" strike="noStrike" dirty="0">
+                        <a:rPr lang="en-US" sz="1400" b="1" u="none" strike="noStrike" dirty="0">
                           <a:effectLst/>
                         </a:rPr>
                         <a:t>Year-Team</a:t>
                       </a:r>
-                      <a:endParaRPr lang="en-US" sz="1100" b="1" i="0" u="none" strike="noStrike" dirty="0">
+                      <a:endParaRPr lang="en-US" sz="1400" b="1" i="0" u="none" strike="noStrike" dirty="0">
                         <a:solidFill>
                           <a:srgbClr val="000000"/>
                         </a:solidFill>
@@ -4317,12 +4273,12 @@
                     <a:p>
                       <a:pPr algn="ctr" fontAlgn="b"/>
                       <a:r>
-                        <a:rPr lang="en-US" sz="1100" b="1" u="none" strike="noStrike" dirty="0">
+                        <a:rPr lang="en-US" sz="1400" b="1" u="none" strike="noStrike" dirty="0">
                           <a:effectLst/>
                         </a:rPr>
                         <a:t>Offense %</a:t>
                       </a:r>
-                      <a:endParaRPr lang="en-US" sz="1100" b="1" i="0" u="none" strike="noStrike" dirty="0">
+                      <a:endParaRPr lang="en-US" sz="1400" b="1" i="0" u="none" strike="noStrike" dirty="0">
                         <a:solidFill>
                           <a:srgbClr val="000000"/>
                         </a:solidFill>
@@ -4380,12 +4336,12 @@
                     <a:p>
                       <a:pPr algn="ctr" fontAlgn="b"/>
                       <a:r>
-                        <a:rPr lang="en-US" sz="1100" b="1" u="none" strike="noStrike" dirty="0">
+                        <a:rPr lang="en-US" sz="1400" b="1" u="none" strike="noStrike" dirty="0">
                           <a:effectLst/>
                         </a:rPr>
                         <a:t>Defense %</a:t>
                       </a:r>
-                      <a:endParaRPr lang="en-US" sz="1100" b="1" i="0" u="none" strike="noStrike" dirty="0">
+                      <a:endParaRPr lang="en-US" sz="1400" b="1" i="0" u="none" strike="noStrike" dirty="0">
                         <a:solidFill>
                           <a:srgbClr val="000000"/>
                         </a:solidFill>
@@ -4443,12 +4399,12 @@
                     <a:p>
                       <a:pPr algn="ctr" fontAlgn="b"/>
                       <a:r>
-                        <a:rPr lang="en-US" sz="1100" b="1" u="none" strike="noStrike" dirty="0">
+                        <a:rPr lang="en-US" sz="1400" b="1" u="none" strike="noStrike" dirty="0">
                           <a:effectLst/>
                         </a:rPr>
                         <a:t>Specialty %</a:t>
                       </a:r>
-                      <a:endParaRPr lang="en-US" sz="1100" b="1" i="0" u="none" strike="noStrike" dirty="0">
+                      <a:endParaRPr lang="en-US" sz="1400" b="1" i="0" u="none" strike="noStrike" dirty="0">
                         <a:solidFill>
                           <a:srgbClr val="000000"/>
                         </a:solidFill>
@@ -4506,12 +4462,12 @@
                     <a:p>
                       <a:pPr algn="ctr" fontAlgn="b"/>
                       <a:r>
-                        <a:rPr lang="en-US" sz="1100" b="1" u="none" strike="noStrike" dirty="0">
+                        <a:rPr lang="en-US" sz="1400" b="1" u="none" strike="noStrike" dirty="0">
                           <a:effectLst/>
                         </a:rPr>
                         <a:t>Injured %</a:t>
                       </a:r>
-                      <a:endParaRPr lang="en-US" sz="1100" b="1" i="0" u="none" strike="noStrike" dirty="0">
+                      <a:endParaRPr lang="en-US" sz="1400" b="1" i="0" u="none" strike="noStrike" dirty="0">
                         <a:solidFill>
                           <a:srgbClr val="000000"/>
                         </a:solidFill>
@@ -4569,12 +4525,12 @@
                     <a:p>
                       <a:pPr algn="ctr" fontAlgn="b"/>
                       <a:r>
-                        <a:rPr lang="en-US" sz="1100" b="1" u="none" strike="noStrike" dirty="0">
+                        <a:rPr lang="en-US" sz="1400" b="1" u="none" strike="noStrike" dirty="0">
                           <a:effectLst/>
                         </a:rPr>
                         <a:t>Dead Cap %</a:t>
                       </a:r>
-                      <a:endParaRPr lang="en-US" sz="1100" b="1" i="0" u="none" strike="noStrike" dirty="0">
+                      <a:endParaRPr lang="en-US" sz="1400" b="1" i="0" u="none" strike="noStrike" dirty="0">
                         <a:solidFill>
                           <a:srgbClr val="000000"/>
                         </a:solidFill>
@@ -4632,12 +4588,12 @@
                     <a:p>
                       <a:pPr algn="ctr" fontAlgn="b"/>
                       <a:r>
-                        <a:rPr lang="en-US" sz="1100" b="1" u="none" strike="noStrike" dirty="0">
+                        <a:rPr lang="en-US" sz="1400" b="1" u="none" strike="noStrike" dirty="0">
                           <a:effectLst/>
                         </a:rPr>
                         <a:t>Wins</a:t>
                       </a:r>
-                      <a:endParaRPr lang="en-US" sz="1100" b="1" i="0" u="none" strike="noStrike" dirty="0">
+                      <a:endParaRPr lang="en-US" sz="1400" b="1" i="0" u="none" strike="noStrike" dirty="0">
                         <a:solidFill>
                           <a:srgbClr val="000000"/>
                         </a:solidFill>
@@ -4694,7 +4650,7 @@
                   </a:ext>
                 </a:extLst>
               </a:tr>
-              <a:tr h="393896">
+              <a:tr h="752178">
                 <a:tc>
                   <a:txBody>
                     <a:bodyPr/>
@@ -4702,12 +4658,12 @@
                     <a:p>
                       <a:pPr algn="l" fontAlgn="b"/>
                       <a:r>
-                        <a:rPr lang="en-US" sz="1100" u="none" strike="noStrike" dirty="0">
+                        <a:rPr lang="en-US" sz="1400" u="none" strike="noStrike" dirty="0">
                           <a:effectLst/>
                         </a:rPr>
                         <a:t>2019_san-francisco-49ers</a:t>
                       </a:r>
-                      <a:endParaRPr lang="en-US" sz="1100" b="0" i="0" u="none" strike="noStrike" dirty="0">
+                      <a:endParaRPr lang="en-US" sz="1400" b="0" i="0" u="none" strike="noStrike" dirty="0">
                         <a:solidFill>
                           <a:srgbClr val="000000"/>
                         </a:solidFill>
@@ -4762,12 +4718,12 @@
                     <a:p>
                       <a:pPr algn="r" fontAlgn="b"/>
                       <a:r>
-                        <a:rPr lang="en-US" sz="1100" u="none" strike="noStrike" dirty="0">
+                        <a:rPr lang="en-US" sz="1400" u="none" strike="noStrike" dirty="0">
                           <a:effectLst/>
                         </a:rPr>
                         <a:t>33.0%</a:t>
                       </a:r>
-                      <a:endParaRPr lang="en-US" sz="1100" b="0" i="0" u="none" strike="noStrike" dirty="0">
+                      <a:endParaRPr lang="en-US" sz="1400" b="0" i="0" u="none" strike="noStrike" dirty="0">
                         <a:solidFill>
                           <a:srgbClr val="000000"/>
                         </a:solidFill>
@@ -4822,12 +4778,12 @@
                     <a:p>
                       <a:pPr algn="r" fontAlgn="b"/>
                       <a:r>
-                        <a:rPr lang="en-US" sz="1100" u="none" strike="noStrike" dirty="0">
+                        <a:rPr lang="en-US" sz="1400" u="none" strike="noStrike" dirty="0">
                           <a:effectLst/>
                         </a:rPr>
                         <a:t>34.8%</a:t>
                       </a:r>
-                      <a:endParaRPr lang="en-US" sz="1100" b="0" i="0" u="none" strike="noStrike" dirty="0">
+                      <a:endParaRPr lang="en-US" sz="1400" b="0" i="0" u="none" strike="noStrike" dirty="0">
                         <a:solidFill>
                           <a:srgbClr val="000000"/>
                         </a:solidFill>
@@ -4882,12 +4838,12 @@
                     <a:p>
                       <a:pPr algn="r" fontAlgn="b"/>
                       <a:r>
-                        <a:rPr lang="en-US" sz="1100" u="none" strike="noStrike" dirty="0">
+                        <a:rPr lang="en-US" sz="1400" u="none" strike="noStrike" dirty="0">
                           <a:effectLst/>
                         </a:rPr>
                         <a:t>2.5%</a:t>
                       </a:r>
-                      <a:endParaRPr lang="en-US" sz="1100" b="0" i="0" u="none" strike="noStrike" dirty="0">
+                      <a:endParaRPr lang="en-US" sz="1400" b="0" i="0" u="none" strike="noStrike" dirty="0">
                         <a:solidFill>
                           <a:srgbClr val="000000"/>
                         </a:solidFill>
@@ -4942,12 +4898,12 @@
                     <a:p>
                       <a:pPr algn="r" fontAlgn="b"/>
                       <a:r>
-                        <a:rPr lang="en-US" sz="1100" u="none" strike="noStrike" dirty="0">
+                        <a:rPr lang="en-US" sz="1400" u="none" strike="noStrike" dirty="0">
                           <a:effectLst/>
                         </a:rPr>
                         <a:t>18.0%</a:t>
                       </a:r>
-                      <a:endParaRPr lang="en-US" sz="1100" b="0" i="0" u="none" strike="noStrike" dirty="0">
+                      <a:endParaRPr lang="en-US" sz="1400" b="0" i="0" u="none" strike="noStrike" dirty="0">
                         <a:solidFill>
                           <a:srgbClr val="000000"/>
                         </a:solidFill>
@@ -5002,12 +4958,12 @@
                     <a:p>
                       <a:pPr algn="r" fontAlgn="b"/>
                       <a:r>
-                        <a:rPr lang="en-US" sz="1100" u="none" strike="noStrike" dirty="0">
+                        <a:rPr lang="en-US" sz="1400" u="none" strike="noStrike" dirty="0">
                           <a:effectLst/>
                         </a:rPr>
                         <a:t>11.7%</a:t>
                       </a:r>
-                      <a:endParaRPr lang="en-US" sz="1100" b="0" i="0" u="none" strike="noStrike" dirty="0">
+                      <a:endParaRPr lang="en-US" sz="1400" b="0" i="0" u="none" strike="noStrike" dirty="0">
                         <a:solidFill>
                           <a:srgbClr val="000000"/>
                         </a:solidFill>
@@ -5062,12 +5018,12 @@
                     <a:p>
                       <a:pPr algn="r" fontAlgn="b"/>
                       <a:r>
-                        <a:rPr lang="en-US" sz="1100" u="none" strike="noStrike" dirty="0">
+                        <a:rPr lang="en-US" sz="1400" u="none" strike="noStrike" dirty="0">
                           <a:effectLst/>
                         </a:rPr>
                         <a:t>13</a:t>
                       </a:r>
-                      <a:endParaRPr lang="en-US" sz="1100" b="0" i="0" u="none" strike="noStrike" dirty="0">
+                      <a:endParaRPr lang="en-US" sz="1400" b="0" i="0" u="none" strike="noStrike" dirty="0">
                         <a:solidFill>
                           <a:srgbClr val="000000"/>
                         </a:solidFill>
@@ -5121,7 +5077,7 @@
                   </a:ext>
                 </a:extLst>
               </a:tr>
-              <a:tr h="393896">
+              <a:tr h="752178">
                 <a:tc>
                   <a:txBody>
                     <a:bodyPr/>
@@ -5129,12 +5085,12 @@
                     <a:p>
                       <a:pPr algn="l" fontAlgn="b"/>
                       <a:r>
-                        <a:rPr lang="en-US" sz="1100" u="none" strike="noStrike" dirty="0">
+                        <a:rPr lang="en-US" sz="1400" u="none" strike="noStrike" dirty="0">
                           <a:effectLst/>
                         </a:rPr>
                         <a:t>2019_kansas-city-chiefs</a:t>
                       </a:r>
-                      <a:endParaRPr lang="en-US" sz="1100" b="0" i="0" u="none" strike="noStrike" dirty="0">
+                      <a:endParaRPr lang="en-US" sz="1400" b="0" i="0" u="none" strike="noStrike" dirty="0">
                         <a:solidFill>
                           <a:srgbClr val="000000"/>
                         </a:solidFill>
@@ -5189,12 +5145,12 @@
                     <a:p>
                       <a:pPr algn="r" fontAlgn="b"/>
                       <a:r>
-                        <a:rPr lang="en-US" sz="1100" u="none" strike="noStrike" dirty="0">
+                        <a:rPr lang="en-US" sz="1400" u="none" strike="noStrike" dirty="0">
                           <a:effectLst/>
                         </a:rPr>
                         <a:t>48.7%</a:t>
                       </a:r>
-                      <a:endParaRPr lang="en-US" sz="1100" b="0" i="0" u="none" strike="noStrike" dirty="0">
+                      <a:endParaRPr lang="en-US" sz="1400" b="0" i="0" u="none" strike="noStrike" dirty="0">
                         <a:solidFill>
                           <a:srgbClr val="000000"/>
                         </a:solidFill>
@@ -5249,12 +5205,12 @@
                     <a:p>
                       <a:pPr algn="r" fontAlgn="b"/>
                       <a:r>
-                        <a:rPr lang="en-US" sz="1100" u="none" strike="noStrike" dirty="0">
+                        <a:rPr lang="en-US" sz="1400" u="none" strike="noStrike" dirty="0">
                           <a:effectLst/>
                         </a:rPr>
                         <a:t>29.7%</a:t>
                       </a:r>
-                      <a:endParaRPr lang="en-US" sz="1100" b="0" i="0" u="none" strike="noStrike" dirty="0">
+                      <a:endParaRPr lang="en-US" sz="1400" b="0" i="0" u="none" strike="noStrike" dirty="0">
                         <a:solidFill>
                           <a:srgbClr val="000000"/>
                         </a:solidFill>
@@ -5309,12 +5265,12 @@
                     <a:p>
                       <a:pPr algn="r" fontAlgn="b"/>
                       <a:r>
-                        <a:rPr lang="en-US" sz="1100" u="none" strike="noStrike">
+                        <a:rPr lang="en-US" sz="1400" u="none" strike="noStrike" dirty="0">
                           <a:effectLst/>
                         </a:rPr>
                         <a:t>3.2%</a:t>
                       </a:r>
-                      <a:endParaRPr lang="en-US" sz="1100" b="0" i="0" u="none" strike="noStrike">
+                      <a:endParaRPr lang="en-US" sz="1400" b="0" i="0" u="none" strike="noStrike" dirty="0">
                         <a:solidFill>
                           <a:srgbClr val="000000"/>
                         </a:solidFill>
@@ -5369,12 +5325,12 @@
                     <a:p>
                       <a:pPr algn="r" fontAlgn="b"/>
                       <a:r>
-                        <a:rPr lang="en-US" sz="1100" u="none" strike="noStrike">
+                        <a:rPr lang="en-US" sz="1400" u="none" strike="noStrike" dirty="0">
                           <a:effectLst/>
                         </a:rPr>
                         <a:t>6.4%</a:t>
                       </a:r>
-                      <a:endParaRPr lang="en-US" sz="1100" b="0" i="0" u="none" strike="noStrike">
+                      <a:endParaRPr lang="en-US" sz="1400" b="0" i="0" u="none" strike="noStrike" dirty="0">
                         <a:solidFill>
                           <a:srgbClr val="000000"/>
                         </a:solidFill>
@@ -5429,12 +5385,12 @@
                     <a:p>
                       <a:pPr algn="r" fontAlgn="b"/>
                       <a:r>
-                        <a:rPr lang="en-US" sz="1100" u="none" strike="noStrike">
+                        <a:rPr lang="en-US" sz="1400" u="none" strike="noStrike" dirty="0">
                           <a:effectLst/>
                         </a:rPr>
                         <a:t>12.1%</a:t>
                       </a:r>
-                      <a:endParaRPr lang="en-US" sz="1100" b="0" i="0" u="none" strike="noStrike">
+                      <a:endParaRPr lang="en-US" sz="1400" b="0" i="0" u="none" strike="noStrike" dirty="0">
                         <a:solidFill>
                           <a:srgbClr val="000000"/>
                         </a:solidFill>
@@ -5489,12 +5445,12 @@
                     <a:p>
                       <a:pPr algn="r" fontAlgn="b"/>
                       <a:r>
-                        <a:rPr lang="en-US" sz="1100" u="none" strike="noStrike">
+                        <a:rPr lang="en-US" sz="1400" u="none" strike="noStrike" dirty="0">
                           <a:effectLst/>
                         </a:rPr>
                         <a:t>12</a:t>
                       </a:r>
-                      <a:endParaRPr lang="en-US" sz="1100" b="0" i="0" u="none" strike="noStrike">
+                      <a:endParaRPr lang="en-US" sz="1400" b="0" i="0" u="none" strike="noStrike" dirty="0">
                         <a:solidFill>
                           <a:srgbClr val="000000"/>
                         </a:solidFill>
@@ -5548,7 +5504,7 @@
                   </a:ext>
                 </a:extLst>
               </a:tr>
-              <a:tr h="393896">
+              <a:tr h="752178">
                 <a:tc>
                   <a:txBody>
                     <a:bodyPr/>
@@ -5556,12 +5512,12 @@
                     <a:p>
                       <a:pPr algn="l" fontAlgn="b"/>
                       <a:r>
-                        <a:rPr lang="en-US" sz="1100" u="none" strike="noStrike">
+                        <a:rPr lang="en-US" sz="1400" u="none" strike="noStrike" dirty="0">
                           <a:effectLst/>
                         </a:rPr>
                         <a:t>2019_washington-redskins</a:t>
                       </a:r>
-                      <a:endParaRPr lang="en-US" sz="1100" b="0" i="0" u="none" strike="noStrike">
+                      <a:endParaRPr lang="en-US" sz="1400" b="0" i="0" u="none" strike="noStrike" dirty="0">
                         <a:solidFill>
                           <a:srgbClr val="000000"/>
                         </a:solidFill>
@@ -5616,12 +5572,12 @@
                     <a:p>
                       <a:pPr algn="r" fontAlgn="b"/>
                       <a:r>
-                        <a:rPr lang="en-US" sz="1100" u="none" strike="noStrike">
+                        <a:rPr lang="en-US" sz="1400" u="none" strike="noStrike" dirty="0">
                           <a:effectLst/>
                         </a:rPr>
                         <a:t>20.5%</a:t>
                       </a:r>
-                      <a:endParaRPr lang="en-US" sz="1100" b="0" i="0" u="none" strike="noStrike">
+                      <a:endParaRPr lang="en-US" sz="1400" b="0" i="0" u="none" strike="noStrike" dirty="0">
                         <a:solidFill>
                           <a:srgbClr val="000000"/>
                         </a:solidFill>
@@ -5676,12 +5632,12 @@
                     <a:p>
                       <a:pPr algn="r" fontAlgn="b"/>
                       <a:r>
-                        <a:rPr lang="en-US" sz="1100" u="none" strike="noStrike" dirty="0">
+                        <a:rPr lang="en-US" sz="1400" u="none" strike="noStrike" dirty="0">
                           <a:effectLst/>
                         </a:rPr>
                         <a:t>21.5%</a:t>
                       </a:r>
-                      <a:endParaRPr lang="en-US" sz="1100" b="0" i="0" u="none" strike="noStrike" dirty="0">
+                      <a:endParaRPr lang="en-US" sz="1400" b="0" i="0" u="none" strike="noStrike" dirty="0">
                         <a:solidFill>
                           <a:srgbClr val="000000"/>
                         </a:solidFill>
@@ -5736,12 +5692,12 @@
                     <a:p>
                       <a:pPr algn="r" fontAlgn="b"/>
                       <a:r>
-                        <a:rPr lang="en-US" sz="1100" u="none" strike="noStrike" dirty="0">
+                        <a:rPr lang="en-US" sz="1400" u="none" strike="noStrike" dirty="0">
                           <a:effectLst/>
                         </a:rPr>
                         <a:t>3.6%</a:t>
                       </a:r>
-                      <a:endParaRPr lang="en-US" sz="1100" b="0" i="0" u="none" strike="noStrike" dirty="0">
+                      <a:endParaRPr lang="en-US" sz="1400" b="0" i="0" u="none" strike="noStrike" dirty="0">
                         <a:solidFill>
                           <a:srgbClr val="000000"/>
                         </a:solidFill>
@@ -5796,12 +5752,12 @@
                     <a:p>
                       <a:pPr algn="r" fontAlgn="b"/>
                       <a:r>
-                        <a:rPr lang="en-US" sz="1100" u="none" strike="noStrike" dirty="0">
+                        <a:rPr lang="en-US" sz="1400" u="none" strike="noStrike" dirty="0">
                           <a:effectLst/>
                         </a:rPr>
                         <a:t>46.6%</a:t>
                       </a:r>
-                      <a:endParaRPr lang="en-US" sz="1100" b="0" i="0" u="none" strike="noStrike" dirty="0">
+                      <a:endParaRPr lang="en-US" sz="1400" b="0" i="0" u="none" strike="noStrike" dirty="0">
                         <a:solidFill>
                           <a:srgbClr val="000000"/>
                         </a:solidFill>
@@ -5856,12 +5812,12 @@
                     <a:p>
                       <a:pPr algn="r" fontAlgn="b"/>
                       <a:r>
-                        <a:rPr lang="en-US" sz="1100" u="none" strike="noStrike">
+                        <a:rPr lang="en-US" sz="1400" u="none" strike="noStrike" dirty="0">
                           <a:effectLst/>
                         </a:rPr>
                         <a:t>7.7%</a:t>
                       </a:r>
-                      <a:endParaRPr lang="en-US" sz="1100" b="0" i="0" u="none" strike="noStrike">
+                      <a:endParaRPr lang="en-US" sz="1400" b="0" i="0" u="none" strike="noStrike" dirty="0">
                         <a:solidFill>
                           <a:srgbClr val="000000"/>
                         </a:solidFill>
@@ -5916,12 +5872,12 @@
                     <a:p>
                       <a:pPr algn="r" fontAlgn="b"/>
                       <a:r>
-                        <a:rPr lang="en-US" sz="1100" u="none" strike="noStrike">
+                        <a:rPr lang="en-US" sz="1400" u="none" strike="noStrike" dirty="0">
                           <a:effectLst/>
                         </a:rPr>
                         <a:t>3</a:t>
                       </a:r>
-                      <a:endParaRPr lang="en-US" sz="1100" b="0" i="0" u="none" strike="noStrike">
+                      <a:endParaRPr lang="en-US" sz="1400" b="0" i="0" u="none" strike="noStrike" dirty="0">
                         <a:solidFill>
                           <a:srgbClr val="000000"/>
                         </a:solidFill>
@@ -5975,7 +5931,7 @@
                   </a:ext>
                 </a:extLst>
               </a:tr>
-              <a:tr h="393896">
+              <a:tr h="752178">
                 <a:tc>
                   <a:txBody>
                     <a:bodyPr/>
@@ -5983,12 +5939,12 @@
                     <a:p>
                       <a:pPr algn="l" fontAlgn="b"/>
                       <a:r>
-                        <a:rPr lang="en-US" sz="1100" u="none" strike="noStrike">
+                        <a:rPr lang="en-US" sz="1400" u="none" strike="noStrike" dirty="0">
                           <a:effectLst/>
                         </a:rPr>
                         <a:t>2019_cincinnati-bengals</a:t>
                       </a:r>
-                      <a:endParaRPr lang="en-US" sz="1100" b="0" i="0" u="none" strike="noStrike">
+                      <a:endParaRPr lang="en-US" sz="1400" b="0" i="0" u="none" strike="noStrike" dirty="0">
                         <a:solidFill>
                           <a:srgbClr val="000000"/>
                         </a:solidFill>
@@ -6043,12 +5999,12 @@
                     <a:p>
                       <a:pPr algn="r" fontAlgn="b"/>
                       <a:r>
-                        <a:rPr lang="en-US" sz="1100" u="none" strike="noStrike">
+                        <a:rPr lang="en-US" sz="1400" u="none" strike="noStrike" dirty="0">
                           <a:effectLst/>
                         </a:rPr>
                         <a:t>42.7%</a:t>
                       </a:r>
-                      <a:endParaRPr lang="en-US" sz="1100" b="0" i="0" u="none" strike="noStrike">
+                      <a:endParaRPr lang="en-US" sz="1400" b="0" i="0" u="none" strike="noStrike" dirty="0">
                         <a:solidFill>
                           <a:srgbClr val="000000"/>
                         </a:solidFill>
@@ -6103,12 +6059,12 @@
                     <a:p>
                       <a:pPr algn="r" fontAlgn="b"/>
                       <a:r>
-                        <a:rPr lang="en-US" sz="1100" u="none" strike="noStrike">
+                        <a:rPr lang="en-US" sz="1400" u="none" strike="noStrike" dirty="0">
                           <a:effectLst/>
                         </a:rPr>
                         <a:t>27.0%</a:t>
                       </a:r>
-                      <a:endParaRPr lang="en-US" sz="1100" b="0" i="0" u="none" strike="noStrike">
+                      <a:endParaRPr lang="en-US" sz="1400" b="0" i="0" u="none" strike="noStrike" dirty="0">
                         <a:solidFill>
                           <a:srgbClr val="000000"/>
                         </a:solidFill>
@@ -6163,12 +6119,12 @@
                     <a:p>
                       <a:pPr algn="r" fontAlgn="b"/>
                       <a:r>
-                        <a:rPr lang="en-US" sz="1100" u="none" strike="noStrike">
+                        <a:rPr lang="en-US" sz="1400" u="none" strike="noStrike" dirty="0">
                           <a:effectLst/>
                         </a:rPr>
                         <a:t>3.1%</a:t>
                       </a:r>
-                      <a:endParaRPr lang="en-US" sz="1100" b="0" i="0" u="none" strike="noStrike">
+                      <a:endParaRPr lang="en-US" sz="1400" b="0" i="0" u="none" strike="noStrike" dirty="0">
                         <a:solidFill>
                           <a:srgbClr val="000000"/>
                         </a:solidFill>
@@ -6223,12 +6179,12 @@
                     <a:p>
                       <a:pPr algn="r" fontAlgn="b"/>
                       <a:r>
-                        <a:rPr lang="en-US" sz="1100" u="none" strike="noStrike" dirty="0">
+                        <a:rPr lang="en-US" sz="1400" u="none" strike="noStrike" dirty="0">
                           <a:effectLst/>
                         </a:rPr>
                         <a:t>19.5%</a:t>
                       </a:r>
-                      <a:endParaRPr lang="en-US" sz="1100" b="0" i="0" u="none" strike="noStrike" dirty="0">
+                      <a:endParaRPr lang="en-US" sz="1400" b="0" i="0" u="none" strike="noStrike" dirty="0">
                         <a:solidFill>
                           <a:srgbClr val="000000"/>
                         </a:solidFill>
@@ -6283,12 +6239,12 @@
                     <a:p>
                       <a:pPr algn="r" fontAlgn="b"/>
                       <a:r>
-                        <a:rPr lang="en-US" sz="1100" u="none" strike="noStrike" dirty="0">
+                        <a:rPr lang="en-US" sz="1400" u="none" strike="noStrike" dirty="0">
                           <a:effectLst/>
                         </a:rPr>
                         <a:t>7.7%</a:t>
                       </a:r>
-                      <a:endParaRPr lang="en-US" sz="1100" b="0" i="0" u="none" strike="noStrike" dirty="0">
+                      <a:endParaRPr lang="en-US" sz="1400" b="0" i="0" u="none" strike="noStrike" dirty="0">
                         <a:solidFill>
                           <a:srgbClr val="000000"/>
                         </a:solidFill>
@@ -6343,12 +6299,12 @@
                     <a:p>
                       <a:pPr algn="r" fontAlgn="b"/>
                       <a:r>
-                        <a:rPr lang="en-US" sz="1100" u="none" strike="noStrike" dirty="0">
+                        <a:rPr lang="en-US" sz="1400" u="none" strike="noStrike" dirty="0">
                           <a:effectLst/>
                         </a:rPr>
                         <a:t>2</a:t>
                       </a:r>
-                      <a:endParaRPr lang="en-US" sz="1100" b="0" i="0" u="none" strike="noStrike" dirty="0">
+                      <a:endParaRPr lang="en-US" sz="1400" b="0" i="0" u="none" strike="noStrike" dirty="0">
                         <a:solidFill>
                           <a:srgbClr val="000000"/>
                         </a:solidFill>
@@ -6512,8 +6468,8 @@
         </p:blipFill>
         <p:spPr>
           <a:xfrm>
-            <a:off x="5458984" y="1484063"/>
-            <a:ext cx="5928344" cy="3952228"/>
+            <a:off x="5089369" y="786383"/>
+            <a:ext cx="6984023" cy="4656014"/>
           </a:xfrm>
           <a:prstGeom prst="rect">
             <a:avLst/>
@@ -6625,8 +6581,8 @@
         </p:blipFill>
         <p:spPr>
           <a:xfrm>
-            <a:off x="5775777" y="812799"/>
-            <a:ext cx="5294757" cy="5294757"/>
+            <a:off x="5770880" y="702733"/>
+            <a:ext cx="5452534" cy="5452534"/>
           </a:xfrm>
           <a:prstGeom prst="rect">
             <a:avLst/>
@@ -6668,7 +6624,7 @@
             <a:pPr marL="0" indent="0">
               <a:buNone/>
             </a:pPr>
-            <a:endParaRPr lang="en-US" b="1" i="1"/>
+            <a:endParaRPr lang="en-US" b="1" i="1" dirty="0"/>
           </a:p>
           <a:p>
             <a:pPr>
@@ -6693,6 +6649,163 @@
 </file>
 
 <file path=ppt/slides/slide13.xml><?xml version="1.0" encoding="utf-8"?>
+<p:sld xmlns:a="http://schemas.openxmlformats.org/drawingml/2006/main" xmlns:r="http://schemas.openxmlformats.org/officeDocument/2006/relationships" xmlns:p="http://schemas.openxmlformats.org/presentationml/2006/main">
+  <p:cSld>
+    <p:bg>
+      <p:bgPr>
+        <a:solidFill>
+          <a:schemeClr val="bg1"/>
+        </a:solidFill>
+        <a:effectLst/>
+      </p:bgPr>
+    </p:bg>
+    <p:spTree>
+      <p:nvGrpSpPr>
+        <p:cNvPr id="1" name=""/>
+        <p:cNvGrpSpPr/>
+        <p:nvPr/>
+      </p:nvGrpSpPr>
+      <p:grpSpPr>
+        <a:xfrm>
+          <a:off x="0" y="0"/>
+          <a:ext cx="0" cy="0"/>
+          <a:chOff x="0" y="0"/>
+          <a:chExt cx="0" cy="0"/>
+        </a:xfrm>
+      </p:grpSpPr>
+      <p:sp>
+        <p:nvSpPr>
+          <p:cNvPr id="2" name="Title 1">
+            <a:extLst>
+              <a:ext uri="{FF2B5EF4-FFF2-40B4-BE49-F238E27FC236}">
+                <a16:creationId xmlns:a16="http://schemas.microsoft.com/office/drawing/2014/main" id="{C2097BC2-450F-4AC7-9F0B-DE87927BF323}"/>
+              </a:ext>
+            </a:extLst>
+          </p:cNvPr>
+          <p:cNvSpPr>
+            <a:spLocks noGrp="1"/>
+          </p:cNvSpPr>
+          <p:nvPr>
+            <p:ph type="title"/>
+          </p:nvPr>
+        </p:nvSpPr>
+        <p:spPr>
+          <a:xfrm>
+            <a:off x="643466" y="786383"/>
+            <a:ext cx="3517567" cy="2093975"/>
+          </a:xfrm>
+          <a:prstGeom prst="rect">
+            <a:avLst/>
+          </a:prstGeom>
+        </p:spPr>
+        <p:txBody>
+          <a:bodyPr anchor="b">
+            <a:normAutofit/>
+          </a:bodyPr>
+          <a:lstStyle/>
+          <a:p>
+            <a:r>
+              <a:rPr lang="en-US" dirty="0"/>
+              <a:t>Results – Split Histogram of Wins</a:t>
+            </a:r>
+          </a:p>
+        </p:txBody>
+      </p:sp>
+      <p:sp>
+        <p:nvSpPr>
+          <p:cNvPr id="3" name="Content Placeholder 2">
+            <a:extLst>
+              <a:ext uri="{FF2B5EF4-FFF2-40B4-BE49-F238E27FC236}">
+                <a16:creationId xmlns:a16="http://schemas.microsoft.com/office/drawing/2014/main" id="{117D8784-177D-4E95-830E-A6791C6654B0}"/>
+              </a:ext>
+            </a:extLst>
+          </p:cNvPr>
+          <p:cNvSpPr>
+            <a:spLocks noGrp="1"/>
+          </p:cNvSpPr>
+          <p:nvPr>
+            <p:ph type="body" sz="half" idx="2"/>
+          </p:nvPr>
+        </p:nvSpPr>
+        <p:spPr>
+          <a:xfrm>
+            <a:off x="643465" y="3043050"/>
+            <a:ext cx="3517567" cy="3064505"/>
+          </a:xfrm>
+          <a:prstGeom prst="rect">
+            <a:avLst/>
+          </a:prstGeom>
+        </p:spPr>
+        <p:txBody>
+          <a:bodyPr>
+            <a:normAutofit/>
+          </a:bodyPr>
+          <a:lstStyle/>
+          <a:p>
+            <a:pPr marL="0" indent="0">
+              <a:buNone/>
+            </a:pPr>
+            <a:endParaRPr lang="en-US" b="1" i="1" dirty="0"/>
+          </a:p>
+          <a:p>
+            <a:pPr>
+              <a:buFont typeface="Wingdings" panose="05000000000000000000" pitchFamily="2" charset="2"/>
+              <a:buChar char="Ø"/>
+            </a:pPr>
+            <a:endParaRPr lang="en-US" dirty="0"/>
+          </a:p>
+        </p:txBody>
+      </p:sp>
+      <p:pic>
+        <p:nvPicPr>
+          <p:cNvPr id="8" name="Picture 7" descr="A close up of text on a white background&#10;&#10;Description automatically generated">
+            <a:extLst>
+              <a:ext uri="{FF2B5EF4-FFF2-40B4-BE49-F238E27FC236}">
+                <a16:creationId xmlns:a16="http://schemas.microsoft.com/office/drawing/2014/main" id="{EF324C42-9529-426E-9E8E-1AC48E4B38B6}"/>
+              </a:ext>
+            </a:extLst>
+          </p:cNvPr>
+          <p:cNvPicPr>
+            <a:picLocks noChangeAspect="1"/>
+          </p:cNvPicPr>
+          <p:nvPr/>
+        </p:nvPicPr>
+        <p:blipFill>
+          <a:blip r:embed="rId2">
+            <a:extLst>
+              <a:ext uri="{28A0092B-C50C-407E-A947-70E740481C1C}">
+                <a14:useLocalDpi xmlns:a14="http://schemas.microsoft.com/office/drawing/2010/main" val="0"/>
+              </a:ext>
+            </a:extLst>
+          </a:blip>
+          <a:stretch>
+            <a:fillRect/>
+          </a:stretch>
+        </p:blipFill>
+        <p:spPr>
+          <a:xfrm>
+            <a:off x="4875133" y="786383"/>
+            <a:ext cx="7316867" cy="5030346"/>
+          </a:xfrm>
+          <a:prstGeom prst="rect">
+            <a:avLst/>
+          </a:prstGeom>
+        </p:spPr>
+      </p:pic>
+    </p:spTree>
+    <p:extLst>
+      <p:ext uri="{BB962C8B-B14F-4D97-AF65-F5344CB8AC3E}">
+        <p14:creationId xmlns:p14="http://schemas.microsoft.com/office/powerpoint/2010/main" val="232960447"/>
+      </p:ext>
+    </p:extLst>
+  </p:cSld>
+  <p:clrMapOvr>
+    <a:masterClrMapping/>
+  </p:clrMapOvr>
+</p:sld>
+</file>
+
+<file path=ppt/slides/slide14.xml><?xml version="1.0" encoding="utf-8"?>
 <p:sld xmlns:a="http://schemas.openxmlformats.org/drawingml/2006/main" xmlns:r="http://schemas.openxmlformats.org/officeDocument/2006/relationships" xmlns:p="http://schemas.openxmlformats.org/presentationml/2006/main">
   <p:cSld>
     <p:spTree>
@@ -6753,13 +6866,13 @@
             <p:ph idx="1"/>
             <p:extLst>
               <p:ext uri="{D42A27DB-BD31-4B8C-83A1-F6EECF244321}">
-                <p14:modId xmlns:p14="http://schemas.microsoft.com/office/powerpoint/2010/main" val="165267046"/>
+                <p14:modId xmlns:p14="http://schemas.microsoft.com/office/powerpoint/2010/main" val="1944220259"/>
               </p:ext>
             </p:extLst>
           </p:nvPr>
         </p:nvGraphicFramePr>
         <p:xfrm>
-          <a:off x="6325772" y="2866292"/>
+          <a:off x="6325772" y="3061296"/>
           <a:ext cx="4829908" cy="2145325"/>
         </p:xfrm>
         <a:graphic>
@@ -7062,12 +7175,12 @@
                     <a:p>
                       <a:pPr algn="l" fontAlgn="b"/>
                       <a:r>
-                        <a:rPr lang="en-US" sz="1200" i="1" u="none" strike="noStrike">
+                        <a:rPr lang="en-US" sz="1200" i="1" u="none" strike="noStrike" dirty="0">
                           <a:effectLst/>
                         </a:rPr>
                         <a:t>Dead Cap</a:t>
                       </a:r>
-                      <a:endParaRPr lang="en-US" sz="1200" b="0" i="1" u="none" strike="noStrike">
+                      <a:endParaRPr lang="en-US" sz="1200" b="0" i="1" u="none" strike="noStrike" dirty="0">
                         <a:solidFill>
                           <a:srgbClr val="000000"/>
                         </a:solidFill>
@@ -7556,12 +7669,12 @@
                     <a:p>
                       <a:pPr algn="l" fontAlgn="b"/>
                       <a:r>
-                        <a:rPr lang="en-US" sz="1200" i="1" u="none" strike="noStrike">
+                        <a:rPr lang="en-US" sz="1200" i="1" u="none" strike="noStrike" dirty="0">
                           <a:effectLst/>
                         </a:rPr>
                         <a:t>Offense</a:t>
                       </a:r>
-                      <a:endParaRPr lang="en-US" sz="1200" b="0" i="1" u="none" strike="noStrike">
+                      <a:endParaRPr lang="en-US" sz="1200" b="0" i="1" u="none" strike="noStrike" dirty="0">
                         <a:solidFill>
                           <a:srgbClr val="000000"/>
                         </a:solidFill>
@@ -7616,12 +7729,12 @@
                     <a:p>
                       <a:pPr algn="r" fontAlgn="b"/>
                       <a:r>
-                        <a:rPr lang="en-US" sz="1400" u="none" strike="noStrike">
+                        <a:rPr lang="en-US" sz="1400" u="none" strike="noStrike" dirty="0">
                           <a:effectLst/>
                         </a:rPr>
                         <a:t>1.74</a:t>
                       </a:r>
-                      <a:endParaRPr lang="en-US" sz="1400" b="0" i="0" u="none" strike="noStrike">
+                      <a:endParaRPr lang="en-US" sz="1400" b="0" i="0" u="none" strike="noStrike" dirty="0">
                         <a:solidFill>
                           <a:srgbClr val="000000"/>
                         </a:solidFill>
@@ -7863,12 +7976,12 @@
                     <a:p>
                       <a:pPr algn="r" fontAlgn="b"/>
                       <a:r>
-                        <a:rPr lang="en-US" sz="1400" u="none" strike="noStrike">
+                        <a:rPr lang="en-US" sz="1400" u="none" strike="noStrike" dirty="0">
                           <a:effectLst/>
                         </a:rPr>
                         <a:t>22.63</a:t>
                       </a:r>
-                      <a:endParaRPr lang="en-US" sz="1400" b="0" i="0" u="none" strike="noStrike">
+                      <a:endParaRPr lang="en-US" sz="1400" b="0" i="0" u="none" strike="noStrike" dirty="0">
                         <a:solidFill>
                           <a:srgbClr val="000000"/>
                         </a:solidFill>
@@ -7923,12 +8036,12 @@
                     <a:p>
                       <a:pPr algn="r" fontAlgn="b"/>
                       <a:r>
-                        <a:rPr lang="en-US" sz="1400" u="none" strike="noStrike">
+                        <a:rPr lang="en-US" sz="1400" u="none" strike="noStrike" dirty="0">
                           <a:effectLst/>
                         </a:rPr>
                         <a:t>0.165</a:t>
                       </a:r>
-                      <a:endParaRPr lang="en-US" sz="1400" b="0" i="0" u="none" strike="noStrike">
+                      <a:endParaRPr lang="en-US" sz="1400" b="0" i="0" u="none" strike="noStrike" dirty="0">
                         <a:solidFill>
                           <a:srgbClr val="000000"/>
                         </a:solidFill>
@@ -8061,13 +8174,13 @@
           <p:nvPr>
             <p:extLst>
               <p:ext uri="{D42A27DB-BD31-4B8C-83A1-F6EECF244321}">
-                <p14:modId xmlns:p14="http://schemas.microsoft.com/office/powerpoint/2010/main" val="926279048"/>
+                <p14:modId xmlns:p14="http://schemas.microsoft.com/office/powerpoint/2010/main" val="1367668787"/>
               </p:ext>
             </p:extLst>
           </p:nvPr>
         </p:nvGraphicFramePr>
         <p:xfrm>
-          <a:off x="6325772" y="1978269"/>
+          <a:off x="6325772" y="2087293"/>
           <a:ext cx="4829908" cy="699849"/>
         </p:xfrm>
         <a:graphic>
@@ -8098,14 +8211,14 @@
                     <a:bodyPr/>
                     <a:lstStyle/>
                     <a:p>
-                      <a:pPr algn="l" fontAlgn="b"/>
+                      <a:pPr algn="ctr" fontAlgn="b"/>
                       <a:r>
-                        <a:rPr lang="en-US" sz="1400" b="1" u="sng" strike="noStrike" dirty="0">
+                        <a:rPr lang="en-US" sz="1400" b="1" u="none" strike="noStrike" dirty="0">
                           <a:effectLst/>
                         </a:rPr>
                         <a:t>Ordinary Least Squares Regression Results</a:t>
                       </a:r>
-                      <a:endParaRPr lang="en-US" sz="1400" b="1" i="1" u="sng" strike="noStrike" dirty="0">
+                      <a:endParaRPr lang="en-US" sz="1400" b="1" i="1" u="none" strike="noStrike" dirty="0">
                         <a:solidFill>
                           <a:srgbClr val="000000"/>
                         </a:solidFill>
@@ -8180,12 +8293,12 @@
                     <a:p>
                       <a:pPr algn="l" fontAlgn="b"/>
                       <a:r>
-                        <a:rPr lang="en-US" sz="1400" u="none" strike="noStrike">
+                        <a:rPr lang="en-US" sz="1400" u="none" strike="noStrike" dirty="0">
                           <a:effectLst/>
                         </a:rPr>
                         <a:t>R2</a:t>
                       </a:r>
-                      <a:endParaRPr lang="en-US" sz="1400" b="0" i="1" u="none" strike="noStrike">
+                      <a:endParaRPr lang="en-US" sz="1400" b="0" i="1" u="none" strike="noStrike" dirty="0">
                         <a:solidFill>
                           <a:srgbClr val="000000"/>
                         </a:solidFill>
@@ -8445,7 +8558,7 @@
         <p:spPr>
           <a:xfrm>
             <a:off x="1266092" y="2087245"/>
-            <a:ext cx="3894993" cy="3416320"/>
+            <a:ext cx="3894993" cy="4093428"/>
           </a:xfrm>
           <a:prstGeom prst="rect">
             <a:avLst/>
@@ -8459,7 +8572,7 @@
           <a:lstStyle/>
           <a:p>
             <a:r>
-              <a:rPr lang="en-US" b="1" i="1" dirty="0"/>
+              <a:rPr lang="en-US" sz="2000" b="1" i="1" dirty="0"/>
               <a:t>Interpretation of Coefficients:</a:t>
             </a:r>
           </a:p>
@@ -8469,12 +8582,12 @@
               <a:buChar char="•"/>
             </a:pPr>
             <a:r>
-              <a:rPr lang="en-US" dirty="0"/>
+              <a:rPr lang="en-US" sz="2000" dirty="0"/>
               <a:t>A ten percent increase in the money associated with players that are injured and not on the active roster is associated with one and a half fewer wins.</a:t>
             </a:r>
           </a:p>
           <a:p>
-            <a:endParaRPr lang="en-US" dirty="0"/>
+            <a:endParaRPr lang="en-US" sz="2000" dirty="0"/>
           </a:p>
           <a:p>
             <a:pPr marL="285750" indent="-285750">
@@ -8482,7 +8595,7 @@
               <a:buChar char="•"/>
             </a:pPr>
             <a:r>
-              <a:rPr lang="en-US" dirty="0"/>
+              <a:rPr lang="en-US" sz="2000" dirty="0"/>
               <a:t>A lower p-value represents a more significant result. The general threshold for significance in statistics is a p-value lower than 5 percent (&lt;.05). </a:t>
             </a:r>
           </a:p>
@@ -8492,2600 +8605,6 @@
     <p:extLst>
       <p:ext uri="{BB962C8B-B14F-4D97-AF65-F5344CB8AC3E}">
         <p14:creationId xmlns:p14="http://schemas.microsoft.com/office/powerpoint/2010/main" val="169923513"/>
-      </p:ext>
-    </p:extLst>
-  </p:cSld>
-  <p:clrMapOvr>
-    <a:masterClrMapping/>
-  </p:clrMapOvr>
-</p:sld>
-</file>
-
-<file path=ppt/slides/slide14.xml><?xml version="1.0" encoding="utf-8"?>
-<p:sld xmlns:a="http://schemas.openxmlformats.org/drawingml/2006/main" xmlns:r="http://schemas.openxmlformats.org/officeDocument/2006/relationships" xmlns:p="http://schemas.openxmlformats.org/presentationml/2006/main">
-  <p:cSld>
-    <p:spTree>
-      <p:nvGrpSpPr>
-        <p:cNvPr id="1" name=""/>
-        <p:cNvGrpSpPr/>
-        <p:nvPr/>
-      </p:nvGrpSpPr>
-      <p:grpSpPr>
-        <a:xfrm>
-          <a:off x="0" y="0"/>
-          <a:ext cx="0" cy="0"/>
-          <a:chOff x="0" y="0"/>
-          <a:chExt cx="0" cy="0"/>
-        </a:xfrm>
-      </p:grpSpPr>
-      <p:sp>
-        <p:nvSpPr>
-          <p:cNvPr id="2" name="Title 1">
-            <a:extLst>
-              <a:ext uri="{FF2B5EF4-FFF2-40B4-BE49-F238E27FC236}">
-                <a16:creationId xmlns:a16="http://schemas.microsoft.com/office/drawing/2014/main" id="{C2097BC2-450F-4AC7-9F0B-DE87927BF323}"/>
-              </a:ext>
-            </a:extLst>
-          </p:cNvPr>
-          <p:cNvSpPr>
-            <a:spLocks noGrp="1"/>
-          </p:cNvSpPr>
-          <p:nvPr>
-            <p:ph type="title"/>
-          </p:nvPr>
-        </p:nvSpPr>
-        <p:spPr/>
-        <p:txBody>
-          <a:bodyPr/>
-          <a:lstStyle/>
-          <a:p>
-            <a:r>
-              <a:rPr lang="en-US" dirty="0"/>
-              <a:t>Results –Linear Regression (cont.)</a:t>
-            </a:r>
-          </a:p>
-        </p:txBody>
-      </p:sp>
-      <p:graphicFrame>
-        <p:nvGraphicFramePr>
-          <p:cNvPr id="8" name="Table 7">
-            <a:extLst>
-              <a:ext uri="{FF2B5EF4-FFF2-40B4-BE49-F238E27FC236}">
-                <a16:creationId xmlns:a16="http://schemas.microsoft.com/office/drawing/2014/main" id="{364D9821-0A46-4414-9A0C-20D36077396B}"/>
-              </a:ext>
-            </a:extLst>
-          </p:cNvPr>
-          <p:cNvGraphicFramePr>
-            <a:graphicFrameLocks noGrp="1"/>
-          </p:cNvGraphicFramePr>
-          <p:nvPr>
-            <p:extLst>
-              <p:ext uri="{D42A27DB-BD31-4B8C-83A1-F6EECF244321}">
-                <p14:modId xmlns:p14="http://schemas.microsoft.com/office/powerpoint/2010/main" val="1162992919"/>
-              </p:ext>
-            </p:extLst>
-          </p:nvPr>
-        </p:nvGraphicFramePr>
-        <p:xfrm>
-          <a:off x="2224303" y="2202472"/>
-          <a:ext cx="7743393" cy="2470640"/>
-        </p:xfrm>
-        <a:graphic>
-          <a:graphicData uri="http://schemas.openxmlformats.org/drawingml/2006/table">
-            <a:tbl>
-              <a:tblPr>
-                <a:tableStyleId>{5C22544A-7EE6-4342-B048-85BDC9FD1C3A}</a:tableStyleId>
-              </a:tblPr>
-              <a:tblGrid>
-                <a:gridCol w="2150931">
-                  <a:extLst>
-                    <a:ext uri="{9D8B030D-6E8A-4147-A177-3AD203B41FA5}">
-                      <a16:colId xmlns:a16="http://schemas.microsoft.com/office/drawing/2014/main" val="2998220633"/>
-                    </a:ext>
-                  </a:extLst>
-                </a:gridCol>
-                <a:gridCol w="806599">
-                  <a:extLst>
-                    <a:ext uri="{9D8B030D-6E8A-4147-A177-3AD203B41FA5}">
-                      <a16:colId xmlns:a16="http://schemas.microsoft.com/office/drawing/2014/main" val="2589166848"/>
-                    </a:ext>
-                  </a:extLst>
-                </a:gridCol>
-                <a:gridCol w="806599">
-                  <a:extLst>
-                    <a:ext uri="{9D8B030D-6E8A-4147-A177-3AD203B41FA5}">
-                      <a16:colId xmlns:a16="http://schemas.microsoft.com/office/drawing/2014/main" val="3503351473"/>
-                    </a:ext>
-                  </a:extLst>
-                </a:gridCol>
-                <a:gridCol w="806599">
-                  <a:extLst>
-                    <a:ext uri="{9D8B030D-6E8A-4147-A177-3AD203B41FA5}">
-                      <a16:colId xmlns:a16="http://schemas.microsoft.com/office/drawing/2014/main" val="2709023322"/>
-                    </a:ext>
-                  </a:extLst>
-                </a:gridCol>
-                <a:gridCol w="806599">
-                  <a:extLst>
-                    <a:ext uri="{9D8B030D-6E8A-4147-A177-3AD203B41FA5}">
-                      <a16:colId xmlns:a16="http://schemas.microsoft.com/office/drawing/2014/main" val="1023396034"/>
-                    </a:ext>
-                  </a:extLst>
-                </a:gridCol>
-                <a:gridCol w="821607">
-                  <a:extLst>
-                    <a:ext uri="{9D8B030D-6E8A-4147-A177-3AD203B41FA5}">
-                      <a16:colId xmlns:a16="http://schemas.microsoft.com/office/drawing/2014/main" val="1680344114"/>
-                    </a:ext>
-                  </a:extLst>
-                </a:gridCol>
-                <a:gridCol w="737860">
-                  <a:extLst>
-                    <a:ext uri="{9D8B030D-6E8A-4147-A177-3AD203B41FA5}">
-                      <a16:colId xmlns:a16="http://schemas.microsoft.com/office/drawing/2014/main" val="4242648734"/>
-                    </a:ext>
-                  </a:extLst>
-                </a:gridCol>
-                <a:gridCol w="806599">
-                  <a:extLst>
-                    <a:ext uri="{9D8B030D-6E8A-4147-A177-3AD203B41FA5}">
-                      <a16:colId xmlns:a16="http://schemas.microsoft.com/office/drawing/2014/main" val="4001402377"/>
-                    </a:ext>
-                  </a:extLst>
-                </a:gridCol>
-              </a:tblGrid>
-              <a:tr h="494128">
-                <a:tc>
-                  <a:txBody>
-                    <a:bodyPr/>
-                    <a:lstStyle/>
-                    <a:p>
-                      <a:pPr algn="ctr" fontAlgn="b"/>
-                      <a:r>
-                        <a:rPr lang="en-US" sz="1100" b="1" u="none" strike="noStrike" dirty="0">
-                          <a:effectLst/>
-                        </a:rPr>
-                        <a:t>Year-Team</a:t>
-                      </a:r>
-                      <a:endParaRPr lang="en-US" sz="1100" b="1" i="0" u="none" strike="noStrike" dirty="0">
-                        <a:solidFill>
-                          <a:srgbClr val="000000"/>
-                        </a:solidFill>
-                        <a:effectLst/>
-                        <a:latin typeface="Calibri" panose="020F0502020204030204" pitchFamily="34" charset="0"/>
-                      </a:endParaRPr>
-                    </a:p>
-                  </a:txBody>
-                  <a:tcPr marL="6350" marR="6350" marT="6350" marB="0" anchor="b">
-                    <a:lnL w="12700" cap="flat" cmpd="sng" algn="ctr">
-                      <a:solidFill>
-                        <a:schemeClr val="tx1"/>
-                      </a:solidFill>
-                      <a:prstDash val="solid"/>
-                      <a:round/>
-                      <a:headEnd type="none" w="med" len="med"/>
-                      <a:tailEnd type="none" w="med" len="med"/>
-                    </a:lnL>
-                    <a:lnR w="12700" cap="flat" cmpd="sng" algn="ctr">
-                      <a:solidFill>
-                        <a:schemeClr val="tx1"/>
-                      </a:solidFill>
-                      <a:prstDash val="solid"/>
-                      <a:round/>
-                      <a:headEnd type="none" w="med" len="med"/>
-                      <a:tailEnd type="none" w="med" len="med"/>
-                    </a:lnR>
-                    <a:lnT w="12700" cap="flat" cmpd="sng" algn="ctr">
-                      <a:solidFill>
-                        <a:schemeClr val="tx1"/>
-                      </a:solidFill>
-                      <a:prstDash val="solid"/>
-                      <a:round/>
-                      <a:headEnd type="none" w="med" len="med"/>
-                      <a:tailEnd type="none" w="med" len="med"/>
-                    </a:lnT>
-                    <a:lnB w="12700" cap="flat" cmpd="sng" algn="ctr">
-                      <a:solidFill>
-                        <a:schemeClr val="tx1"/>
-                      </a:solidFill>
-                      <a:prstDash val="solid"/>
-                      <a:round/>
-                      <a:headEnd type="none" w="med" len="med"/>
-                      <a:tailEnd type="none" w="med" len="med"/>
-                    </a:lnB>
-                    <a:solidFill>
-                      <a:schemeClr val="accent1"/>
-                    </a:solidFill>
-                  </a:tcPr>
-                </a:tc>
-                <a:tc>
-                  <a:txBody>
-                    <a:bodyPr/>
-                    <a:lstStyle/>
-                    <a:p>
-                      <a:pPr algn="ctr" fontAlgn="b"/>
-                      <a:r>
-                        <a:rPr lang="en-US" sz="1100" b="1" u="none" strike="noStrike" dirty="0">
-                          <a:effectLst/>
-                        </a:rPr>
-                        <a:t>Offense %</a:t>
-                      </a:r>
-                      <a:endParaRPr lang="en-US" sz="1100" b="1" i="0" u="none" strike="noStrike" dirty="0">
-                        <a:solidFill>
-                          <a:srgbClr val="000000"/>
-                        </a:solidFill>
-                        <a:effectLst/>
-                        <a:latin typeface="Calibri" panose="020F0502020204030204" pitchFamily="34" charset="0"/>
-                      </a:endParaRPr>
-                    </a:p>
-                  </a:txBody>
-                  <a:tcPr marL="6350" marR="6350" marT="6350" marB="0" anchor="b">
-                    <a:lnL w="12700" cap="flat" cmpd="sng" algn="ctr">
-                      <a:solidFill>
-                        <a:schemeClr val="tx1"/>
-                      </a:solidFill>
-                      <a:prstDash val="solid"/>
-                      <a:round/>
-                      <a:headEnd type="none" w="med" len="med"/>
-                      <a:tailEnd type="none" w="med" len="med"/>
-                    </a:lnL>
-                    <a:lnR w="12700" cap="flat" cmpd="sng" algn="ctr">
-                      <a:solidFill>
-                        <a:schemeClr val="tx1"/>
-                      </a:solidFill>
-                      <a:prstDash val="solid"/>
-                      <a:round/>
-                      <a:headEnd type="none" w="med" len="med"/>
-                      <a:tailEnd type="none" w="med" len="med"/>
-                    </a:lnR>
-                    <a:lnT w="12700" cap="flat" cmpd="sng" algn="ctr">
-                      <a:solidFill>
-                        <a:schemeClr val="tx1"/>
-                      </a:solidFill>
-                      <a:prstDash val="solid"/>
-                      <a:round/>
-                      <a:headEnd type="none" w="med" len="med"/>
-                      <a:tailEnd type="none" w="med" len="med"/>
-                    </a:lnT>
-                    <a:lnB w="12700" cap="flat" cmpd="sng" algn="ctr">
-                      <a:solidFill>
-                        <a:schemeClr val="tx1"/>
-                      </a:solidFill>
-                      <a:prstDash val="solid"/>
-                      <a:round/>
-                      <a:headEnd type="none" w="med" len="med"/>
-                      <a:tailEnd type="none" w="med" len="med"/>
-                    </a:lnB>
-                    <a:solidFill>
-                      <a:schemeClr val="accent1"/>
-                    </a:solidFill>
-                  </a:tcPr>
-                </a:tc>
-                <a:tc>
-                  <a:txBody>
-                    <a:bodyPr/>
-                    <a:lstStyle/>
-                    <a:p>
-                      <a:pPr algn="ctr" fontAlgn="b"/>
-                      <a:r>
-                        <a:rPr lang="en-US" sz="1100" b="1" u="none" strike="noStrike" dirty="0">
-                          <a:effectLst/>
-                        </a:rPr>
-                        <a:t>Defense %</a:t>
-                      </a:r>
-                      <a:endParaRPr lang="en-US" sz="1100" b="1" i="0" u="none" strike="noStrike" dirty="0">
-                        <a:solidFill>
-                          <a:srgbClr val="000000"/>
-                        </a:solidFill>
-                        <a:effectLst/>
-                        <a:latin typeface="Calibri" panose="020F0502020204030204" pitchFamily="34" charset="0"/>
-                      </a:endParaRPr>
-                    </a:p>
-                  </a:txBody>
-                  <a:tcPr marL="6350" marR="6350" marT="6350" marB="0" anchor="b">
-                    <a:lnL w="12700" cap="flat" cmpd="sng" algn="ctr">
-                      <a:solidFill>
-                        <a:schemeClr val="tx1"/>
-                      </a:solidFill>
-                      <a:prstDash val="solid"/>
-                      <a:round/>
-                      <a:headEnd type="none" w="med" len="med"/>
-                      <a:tailEnd type="none" w="med" len="med"/>
-                    </a:lnL>
-                    <a:lnR w="12700" cap="flat" cmpd="sng" algn="ctr">
-                      <a:solidFill>
-                        <a:schemeClr val="tx1"/>
-                      </a:solidFill>
-                      <a:prstDash val="solid"/>
-                      <a:round/>
-                      <a:headEnd type="none" w="med" len="med"/>
-                      <a:tailEnd type="none" w="med" len="med"/>
-                    </a:lnR>
-                    <a:lnT w="12700" cap="flat" cmpd="sng" algn="ctr">
-                      <a:solidFill>
-                        <a:schemeClr val="tx1"/>
-                      </a:solidFill>
-                      <a:prstDash val="solid"/>
-                      <a:round/>
-                      <a:headEnd type="none" w="med" len="med"/>
-                      <a:tailEnd type="none" w="med" len="med"/>
-                    </a:lnT>
-                    <a:lnB w="12700" cap="flat" cmpd="sng" algn="ctr">
-                      <a:solidFill>
-                        <a:schemeClr val="tx1"/>
-                      </a:solidFill>
-                      <a:prstDash val="solid"/>
-                      <a:round/>
-                      <a:headEnd type="none" w="med" len="med"/>
-                      <a:tailEnd type="none" w="med" len="med"/>
-                    </a:lnB>
-                    <a:solidFill>
-                      <a:schemeClr val="accent1"/>
-                    </a:solidFill>
-                  </a:tcPr>
-                </a:tc>
-                <a:tc>
-                  <a:txBody>
-                    <a:bodyPr/>
-                    <a:lstStyle/>
-                    <a:p>
-                      <a:pPr algn="ctr" fontAlgn="b"/>
-                      <a:r>
-                        <a:rPr lang="en-US" sz="1100" b="1" u="none" strike="noStrike" dirty="0">
-                          <a:effectLst/>
-                        </a:rPr>
-                        <a:t>Specialty %</a:t>
-                      </a:r>
-                      <a:endParaRPr lang="en-US" sz="1100" b="1" i="0" u="none" strike="noStrike" dirty="0">
-                        <a:solidFill>
-                          <a:srgbClr val="000000"/>
-                        </a:solidFill>
-                        <a:effectLst/>
-                        <a:latin typeface="Calibri" panose="020F0502020204030204" pitchFamily="34" charset="0"/>
-                      </a:endParaRPr>
-                    </a:p>
-                  </a:txBody>
-                  <a:tcPr marL="6350" marR="6350" marT="6350" marB="0" anchor="b">
-                    <a:lnL w="12700" cap="flat" cmpd="sng" algn="ctr">
-                      <a:solidFill>
-                        <a:schemeClr val="tx1"/>
-                      </a:solidFill>
-                      <a:prstDash val="solid"/>
-                      <a:round/>
-                      <a:headEnd type="none" w="med" len="med"/>
-                      <a:tailEnd type="none" w="med" len="med"/>
-                    </a:lnL>
-                    <a:lnR w="12700" cap="flat" cmpd="sng" algn="ctr">
-                      <a:solidFill>
-                        <a:schemeClr val="tx1"/>
-                      </a:solidFill>
-                      <a:prstDash val="solid"/>
-                      <a:round/>
-                      <a:headEnd type="none" w="med" len="med"/>
-                      <a:tailEnd type="none" w="med" len="med"/>
-                    </a:lnR>
-                    <a:lnT w="12700" cap="flat" cmpd="sng" algn="ctr">
-                      <a:solidFill>
-                        <a:schemeClr val="tx1"/>
-                      </a:solidFill>
-                      <a:prstDash val="solid"/>
-                      <a:round/>
-                      <a:headEnd type="none" w="med" len="med"/>
-                      <a:tailEnd type="none" w="med" len="med"/>
-                    </a:lnT>
-                    <a:lnB w="12700" cap="flat" cmpd="sng" algn="ctr">
-                      <a:solidFill>
-                        <a:schemeClr val="tx1"/>
-                      </a:solidFill>
-                      <a:prstDash val="solid"/>
-                      <a:round/>
-                      <a:headEnd type="none" w="med" len="med"/>
-                      <a:tailEnd type="none" w="med" len="med"/>
-                    </a:lnB>
-                    <a:solidFill>
-                      <a:schemeClr val="accent1"/>
-                    </a:solidFill>
-                  </a:tcPr>
-                </a:tc>
-                <a:tc>
-                  <a:txBody>
-                    <a:bodyPr/>
-                    <a:lstStyle/>
-                    <a:p>
-                      <a:pPr algn="ctr" fontAlgn="b"/>
-                      <a:r>
-                        <a:rPr lang="en-US" sz="1100" b="1" u="none" strike="noStrike" dirty="0">
-                          <a:effectLst/>
-                        </a:rPr>
-                        <a:t>Injured %</a:t>
-                      </a:r>
-                      <a:endParaRPr lang="en-US" sz="1100" b="1" i="0" u="none" strike="noStrike" dirty="0">
-                        <a:solidFill>
-                          <a:srgbClr val="000000"/>
-                        </a:solidFill>
-                        <a:effectLst/>
-                        <a:latin typeface="Calibri" panose="020F0502020204030204" pitchFamily="34" charset="0"/>
-                      </a:endParaRPr>
-                    </a:p>
-                  </a:txBody>
-                  <a:tcPr marL="6350" marR="6350" marT="6350" marB="0" anchor="b">
-                    <a:lnL w="12700" cap="flat" cmpd="sng" algn="ctr">
-                      <a:solidFill>
-                        <a:schemeClr val="tx1"/>
-                      </a:solidFill>
-                      <a:prstDash val="solid"/>
-                      <a:round/>
-                      <a:headEnd type="none" w="med" len="med"/>
-                      <a:tailEnd type="none" w="med" len="med"/>
-                    </a:lnL>
-                    <a:lnR w="12700" cap="flat" cmpd="sng" algn="ctr">
-                      <a:solidFill>
-                        <a:schemeClr val="tx1"/>
-                      </a:solidFill>
-                      <a:prstDash val="solid"/>
-                      <a:round/>
-                      <a:headEnd type="none" w="med" len="med"/>
-                      <a:tailEnd type="none" w="med" len="med"/>
-                    </a:lnR>
-                    <a:lnT w="12700" cap="flat" cmpd="sng" algn="ctr">
-                      <a:solidFill>
-                        <a:schemeClr val="tx1"/>
-                      </a:solidFill>
-                      <a:prstDash val="solid"/>
-                      <a:round/>
-                      <a:headEnd type="none" w="med" len="med"/>
-                      <a:tailEnd type="none" w="med" len="med"/>
-                    </a:lnT>
-                    <a:lnB w="12700" cap="flat" cmpd="sng" algn="ctr">
-                      <a:solidFill>
-                        <a:schemeClr val="tx1"/>
-                      </a:solidFill>
-                      <a:prstDash val="solid"/>
-                      <a:round/>
-                      <a:headEnd type="none" w="med" len="med"/>
-                      <a:tailEnd type="none" w="med" len="med"/>
-                    </a:lnB>
-                    <a:solidFill>
-                      <a:schemeClr val="accent1"/>
-                    </a:solidFill>
-                  </a:tcPr>
-                </a:tc>
-                <a:tc>
-                  <a:txBody>
-                    <a:bodyPr/>
-                    <a:lstStyle/>
-                    <a:p>
-                      <a:pPr algn="ctr" fontAlgn="b"/>
-                      <a:r>
-                        <a:rPr lang="en-US" sz="1100" b="1" u="none" strike="noStrike" dirty="0">
-                          <a:effectLst/>
-                        </a:rPr>
-                        <a:t>Dead Cap %</a:t>
-                      </a:r>
-                      <a:endParaRPr lang="en-US" sz="1100" b="1" i="0" u="none" strike="noStrike" dirty="0">
-                        <a:solidFill>
-                          <a:srgbClr val="000000"/>
-                        </a:solidFill>
-                        <a:effectLst/>
-                        <a:latin typeface="Calibri" panose="020F0502020204030204" pitchFamily="34" charset="0"/>
-                      </a:endParaRPr>
-                    </a:p>
-                  </a:txBody>
-                  <a:tcPr marL="6350" marR="6350" marT="6350" marB="0" anchor="b">
-                    <a:lnL w="12700" cap="flat" cmpd="sng" algn="ctr">
-                      <a:solidFill>
-                        <a:schemeClr val="tx1"/>
-                      </a:solidFill>
-                      <a:prstDash val="solid"/>
-                      <a:round/>
-                      <a:headEnd type="none" w="med" len="med"/>
-                      <a:tailEnd type="none" w="med" len="med"/>
-                    </a:lnL>
-                    <a:lnR w="12700" cap="flat" cmpd="sng" algn="ctr">
-                      <a:solidFill>
-                        <a:schemeClr val="tx1"/>
-                      </a:solidFill>
-                      <a:prstDash val="solid"/>
-                      <a:round/>
-                      <a:headEnd type="none" w="med" len="med"/>
-                      <a:tailEnd type="none" w="med" len="med"/>
-                    </a:lnR>
-                    <a:lnT w="12700" cap="flat" cmpd="sng" algn="ctr">
-                      <a:solidFill>
-                        <a:schemeClr val="tx1"/>
-                      </a:solidFill>
-                      <a:prstDash val="solid"/>
-                      <a:round/>
-                      <a:headEnd type="none" w="med" len="med"/>
-                      <a:tailEnd type="none" w="med" len="med"/>
-                    </a:lnT>
-                    <a:lnB w="12700" cap="flat" cmpd="sng" algn="ctr">
-                      <a:solidFill>
-                        <a:schemeClr val="tx1"/>
-                      </a:solidFill>
-                      <a:prstDash val="solid"/>
-                      <a:round/>
-                      <a:headEnd type="none" w="med" len="med"/>
-                      <a:tailEnd type="none" w="med" len="med"/>
-                    </a:lnB>
-                    <a:solidFill>
-                      <a:schemeClr val="accent1"/>
-                    </a:solidFill>
-                  </a:tcPr>
-                </a:tc>
-                <a:tc>
-                  <a:txBody>
-                    <a:bodyPr/>
-                    <a:lstStyle/>
-                    <a:p>
-                      <a:pPr algn="ctr" fontAlgn="b"/>
-                      <a:r>
-                        <a:rPr lang="en-US" sz="1100" b="1" u="none" strike="noStrike" dirty="0">
-                          <a:effectLst/>
-                        </a:rPr>
-                        <a:t>Wins</a:t>
-                      </a:r>
-                      <a:endParaRPr lang="en-US" sz="1100" b="1" i="0" u="none" strike="noStrike" dirty="0">
-                        <a:solidFill>
-                          <a:srgbClr val="000000"/>
-                        </a:solidFill>
-                        <a:effectLst/>
-                        <a:latin typeface="Calibri" panose="020F0502020204030204" pitchFamily="34" charset="0"/>
-                      </a:endParaRPr>
-                    </a:p>
-                  </a:txBody>
-                  <a:tcPr marL="6350" marR="6350" marT="6350" marB="0" anchor="b">
-                    <a:lnL w="12700" cap="flat" cmpd="sng" algn="ctr">
-                      <a:solidFill>
-                        <a:schemeClr val="tx1"/>
-                      </a:solidFill>
-                      <a:prstDash val="solid"/>
-                      <a:round/>
-                      <a:headEnd type="none" w="med" len="med"/>
-                      <a:tailEnd type="none" w="med" len="med"/>
-                    </a:lnL>
-                    <a:lnR w="12700" cap="flat" cmpd="sng" algn="ctr">
-                      <a:solidFill>
-                        <a:schemeClr val="tx1"/>
-                      </a:solidFill>
-                      <a:prstDash val="solid"/>
-                      <a:round/>
-                      <a:headEnd type="none" w="med" len="med"/>
-                      <a:tailEnd type="none" w="med" len="med"/>
-                    </a:lnR>
-                    <a:lnT w="12700" cap="flat" cmpd="sng" algn="ctr">
-                      <a:solidFill>
-                        <a:schemeClr val="tx1"/>
-                      </a:solidFill>
-                      <a:prstDash val="solid"/>
-                      <a:round/>
-                      <a:headEnd type="none" w="med" len="med"/>
-                      <a:tailEnd type="none" w="med" len="med"/>
-                    </a:lnT>
-                    <a:lnB w="12700" cap="flat" cmpd="sng" algn="ctr">
-                      <a:solidFill>
-                        <a:schemeClr val="tx1"/>
-                      </a:solidFill>
-                      <a:prstDash val="solid"/>
-                      <a:round/>
-                      <a:headEnd type="none" w="med" len="med"/>
-                      <a:tailEnd type="none" w="med" len="med"/>
-                    </a:lnB>
-                    <a:solidFill>
-                      <a:schemeClr val="accent1"/>
-                    </a:solidFill>
-                  </a:tcPr>
-                </a:tc>
-                <a:tc>
-                  <a:txBody>
-                    <a:bodyPr/>
-                    <a:lstStyle/>
-                    <a:p>
-                      <a:pPr algn="ctr" fontAlgn="b"/>
-                      <a:r>
-                        <a:rPr lang="en-US" sz="1100" b="1" i="0" u="none" strike="noStrike" dirty="0">
-                          <a:solidFill>
-                            <a:srgbClr val="000000"/>
-                          </a:solidFill>
-                          <a:effectLst/>
-                          <a:latin typeface="Calibri" panose="020F0502020204030204" pitchFamily="34" charset="0"/>
-                        </a:rPr>
-                        <a:t>Predicated-Wins</a:t>
-                      </a:r>
-                    </a:p>
-                  </a:txBody>
-                  <a:tcPr marL="6350" marR="6350" marT="6350" marB="0" anchor="b">
-                    <a:lnL w="12700" cap="flat" cmpd="sng" algn="ctr">
-                      <a:solidFill>
-                        <a:schemeClr val="tx1"/>
-                      </a:solidFill>
-                      <a:prstDash val="solid"/>
-                      <a:round/>
-                      <a:headEnd type="none" w="med" len="med"/>
-                      <a:tailEnd type="none" w="med" len="med"/>
-                    </a:lnL>
-                    <a:lnR w="12700" cap="flat" cmpd="sng" algn="ctr">
-                      <a:solidFill>
-                        <a:schemeClr val="tx1"/>
-                      </a:solidFill>
-                      <a:prstDash val="solid"/>
-                      <a:round/>
-                      <a:headEnd type="none" w="med" len="med"/>
-                      <a:tailEnd type="none" w="med" len="med"/>
-                    </a:lnR>
-                    <a:lnT w="12700" cap="flat" cmpd="sng" algn="ctr">
-                      <a:solidFill>
-                        <a:schemeClr val="tx1"/>
-                      </a:solidFill>
-                      <a:prstDash val="solid"/>
-                      <a:round/>
-                      <a:headEnd type="none" w="med" len="med"/>
-                      <a:tailEnd type="none" w="med" len="med"/>
-                    </a:lnT>
-                    <a:lnB w="12700" cap="flat" cmpd="sng" algn="ctr">
-                      <a:solidFill>
-                        <a:schemeClr val="tx1"/>
-                      </a:solidFill>
-                      <a:prstDash val="solid"/>
-                      <a:round/>
-                      <a:headEnd type="none" w="med" len="med"/>
-                      <a:tailEnd type="none" w="med" len="med"/>
-                    </a:lnB>
-                    <a:solidFill>
-                      <a:schemeClr val="accent1"/>
-                    </a:solidFill>
-                  </a:tcPr>
-                </a:tc>
-                <a:extLst>
-                  <a:ext uri="{0D108BD9-81ED-4DB2-BD59-A6C34878D82A}">
-                    <a16:rowId xmlns:a16="http://schemas.microsoft.com/office/drawing/2014/main" val="2172870679"/>
-                  </a:ext>
-                </a:extLst>
-              </a:tr>
-              <a:tr h="494128">
-                <a:tc>
-                  <a:txBody>
-                    <a:bodyPr/>
-                    <a:lstStyle/>
-                    <a:p>
-                      <a:pPr algn="l" fontAlgn="b"/>
-                      <a:r>
-                        <a:rPr lang="en-US" sz="1100" u="none" strike="noStrike" dirty="0">
-                          <a:effectLst/>
-                        </a:rPr>
-                        <a:t>2019_san-francisco-49ers</a:t>
-                      </a:r>
-                      <a:endParaRPr lang="en-US" sz="1100" b="0" i="0" u="none" strike="noStrike" dirty="0">
-                        <a:solidFill>
-                          <a:srgbClr val="000000"/>
-                        </a:solidFill>
-                        <a:effectLst/>
-                        <a:latin typeface="Calibri" panose="020F0502020204030204" pitchFamily="34" charset="0"/>
-                      </a:endParaRPr>
-                    </a:p>
-                  </a:txBody>
-                  <a:tcPr marL="6350" marR="6350" marT="6350" marB="0" anchor="b">
-                    <a:lnL w="12700" cap="flat" cmpd="sng" algn="ctr">
-                      <a:solidFill>
-                        <a:schemeClr val="tx1"/>
-                      </a:solidFill>
-                      <a:prstDash val="solid"/>
-                      <a:round/>
-                      <a:headEnd type="none" w="med" len="med"/>
-                      <a:tailEnd type="none" w="med" len="med"/>
-                    </a:lnL>
-                    <a:lnR w="12700" cap="flat" cmpd="sng" algn="ctr">
-                      <a:solidFill>
-                        <a:schemeClr val="tx1"/>
-                      </a:solidFill>
-                      <a:prstDash val="solid"/>
-                      <a:round/>
-                      <a:headEnd type="none" w="med" len="med"/>
-                      <a:tailEnd type="none" w="med" len="med"/>
-                    </a:lnR>
-                    <a:lnT w="12700" cap="flat" cmpd="sng" algn="ctr">
-                      <a:solidFill>
-                        <a:schemeClr val="tx1"/>
-                      </a:solidFill>
-                      <a:prstDash val="solid"/>
-                      <a:round/>
-                      <a:headEnd type="none" w="med" len="med"/>
-                      <a:tailEnd type="none" w="med" len="med"/>
-                    </a:lnT>
-                    <a:lnB w="12700" cap="flat" cmpd="sng" algn="ctr">
-                      <a:solidFill>
-                        <a:schemeClr val="tx1"/>
-                      </a:solidFill>
-                      <a:prstDash val="solid"/>
-                      <a:round/>
-                      <a:headEnd type="none" w="med" len="med"/>
-                      <a:tailEnd type="none" w="med" len="med"/>
-                    </a:lnB>
-                  </a:tcPr>
-                </a:tc>
-                <a:tc>
-                  <a:txBody>
-                    <a:bodyPr/>
-                    <a:lstStyle/>
-                    <a:p>
-                      <a:pPr algn="r" fontAlgn="b"/>
-                      <a:r>
-                        <a:rPr lang="en-US" sz="1100" u="none" strike="noStrike" dirty="0">
-                          <a:effectLst/>
-                        </a:rPr>
-                        <a:t>33.0%</a:t>
-                      </a:r>
-                      <a:endParaRPr lang="en-US" sz="1100" b="0" i="0" u="none" strike="noStrike" dirty="0">
-                        <a:solidFill>
-                          <a:srgbClr val="000000"/>
-                        </a:solidFill>
-                        <a:effectLst/>
-                        <a:latin typeface="Calibri" panose="020F0502020204030204" pitchFamily="34" charset="0"/>
-                      </a:endParaRPr>
-                    </a:p>
-                  </a:txBody>
-                  <a:tcPr marL="6350" marR="6350" marT="6350" marB="0" anchor="b">
-                    <a:lnL w="12700" cap="flat" cmpd="sng" algn="ctr">
-                      <a:solidFill>
-                        <a:schemeClr val="tx1"/>
-                      </a:solidFill>
-                      <a:prstDash val="solid"/>
-                      <a:round/>
-                      <a:headEnd type="none" w="med" len="med"/>
-                      <a:tailEnd type="none" w="med" len="med"/>
-                    </a:lnL>
-                    <a:lnR w="12700" cap="flat" cmpd="sng" algn="ctr">
-                      <a:solidFill>
-                        <a:schemeClr val="tx1"/>
-                      </a:solidFill>
-                      <a:prstDash val="solid"/>
-                      <a:round/>
-                      <a:headEnd type="none" w="med" len="med"/>
-                      <a:tailEnd type="none" w="med" len="med"/>
-                    </a:lnR>
-                    <a:lnT w="12700" cap="flat" cmpd="sng" algn="ctr">
-                      <a:solidFill>
-                        <a:schemeClr val="tx1"/>
-                      </a:solidFill>
-                      <a:prstDash val="solid"/>
-                      <a:round/>
-                      <a:headEnd type="none" w="med" len="med"/>
-                      <a:tailEnd type="none" w="med" len="med"/>
-                    </a:lnT>
-                    <a:lnB w="12700" cap="flat" cmpd="sng" algn="ctr">
-                      <a:solidFill>
-                        <a:schemeClr val="tx1"/>
-                      </a:solidFill>
-                      <a:prstDash val="solid"/>
-                      <a:round/>
-                      <a:headEnd type="none" w="med" len="med"/>
-                      <a:tailEnd type="none" w="med" len="med"/>
-                    </a:lnB>
-                  </a:tcPr>
-                </a:tc>
-                <a:tc>
-                  <a:txBody>
-                    <a:bodyPr/>
-                    <a:lstStyle/>
-                    <a:p>
-                      <a:pPr algn="r" fontAlgn="b"/>
-                      <a:r>
-                        <a:rPr lang="en-US" sz="1100" u="none" strike="noStrike" dirty="0">
-                          <a:effectLst/>
-                        </a:rPr>
-                        <a:t>34.8%</a:t>
-                      </a:r>
-                      <a:endParaRPr lang="en-US" sz="1100" b="0" i="0" u="none" strike="noStrike" dirty="0">
-                        <a:solidFill>
-                          <a:srgbClr val="000000"/>
-                        </a:solidFill>
-                        <a:effectLst/>
-                        <a:latin typeface="Calibri" panose="020F0502020204030204" pitchFamily="34" charset="0"/>
-                      </a:endParaRPr>
-                    </a:p>
-                  </a:txBody>
-                  <a:tcPr marL="6350" marR="6350" marT="6350" marB="0" anchor="b">
-                    <a:lnL w="12700" cap="flat" cmpd="sng" algn="ctr">
-                      <a:solidFill>
-                        <a:schemeClr val="tx1"/>
-                      </a:solidFill>
-                      <a:prstDash val="solid"/>
-                      <a:round/>
-                      <a:headEnd type="none" w="med" len="med"/>
-                      <a:tailEnd type="none" w="med" len="med"/>
-                    </a:lnL>
-                    <a:lnR w="12700" cap="flat" cmpd="sng" algn="ctr">
-                      <a:solidFill>
-                        <a:schemeClr val="tx1"/>
-                      </a:solidFill>
-                      <a:prstDash val="solid"/>
-                      <a:round/>
-                      <a:headEnd type="none" w="med" len="med"/>
-                      <a:tailEnd type="none" w="med" len="med"/>
-                    </a:lnR>
-                    <a:lnT w="12700" cap="flat" cmpd="sng" algn="ctr">
-                      <a:solidFill>
-                        <a:schemeClr val="tx1"/>
-                      </a:solidFill>
-                      <a:prstDash val="solid"/>
-                      <a:round/>
-                      <a:headEnd type="none" w="med" len="med"/>
-                      <a:tailEnd type="none" w="med" len="med"/>
-                    </a:lnT>
-                    <a:lnB w="12700" cap="flat" cmpd="sng" algn="ctr">
-                      <a:solidFill>
-                        <a:schemeClr val="tx1"/>
-                      </a:solidFill>
-                      <a:prstDash val="solid"/>
-                      <a:round/>
-                      <a:headEnd type="none" w="med" len="med"/>
-                      <a:tailEnd type="none" w="med" len="med"/>
-                    </a:lnB>
-                  </a:tcPr>
-                </a:tc>
-                <a:tc>
-                  <a:txBody>
-                    <a:bodyPr/>
-                    <a:lstStyle/>
-                    <a:p>
-                      <a:pPr algn="r" fontAlgn="b"/>
-                      <a:r>
-                        <a:rPr lang="en-US" sz="1100" u="none" strike="noStrike" dirty="0">
-                          <a:effectLst/>
-                        </a:rPr>
-                        <a:t>2.5%</a:t>
-                      </a:r>
-                      <a:endParaRPr lang="en-US" sz="1100" b="0" i="0" u="none" strike="noStrike" dirty="0">
-                        <a:solidFill>
-                          <a:srgbClr val="000000"/>
-                        </a:solidFill>
-                        <a:effectLst/>
-                        <a:latin typeface="Calibri" panose="020F0502020204030204" pitchFamily="34" charset="0"/>
-                      </a:endParaRPr>
-                    </a:p>
-                  </a:txBody>
-                  <a:tcPr marL="6350" marR="6350" marT="6350" marB="0" anchor="b">
-                    <a:lnL w="12700" cap="flat" cmpd="sng" algn="ctr">
-                      <a:solidFill>
-                        <a:schemeClr val="tx1"/>
-                      </a:solidFill>
-                      <a:prstDash val="solid"/>
-                      <a:round/>
-                      <a:headEnd type="none" w="med" len="med"/>
-                      <a:tailEnd type="none" w="med" len="med"/>
-                    </a:lnL>
-                    <a:lnR w="12700" cap="flat" cmpd="sng" algn="ctr">
-                      <a:solidFill>
-                        <a:schemeClr val="tx1"/>
-                      </a:solidFill>
-                      <a:prstDash val="solid"/>
-                      <a:round/>
-                      <a:headEnd type="none" w="med" len="med"/>
-                      <a:tailEnd type="none" w="med" len="med"/>
-                    </a:lnR>
-                    <a:lnT w="12700" cap="flat" cmpd="sng" algn="ctr">
-                      <a:solidFill>
-                        <a:schemeClr val="tx1"/>
-                      </a:solidFill>
-                      <a:prstDash val="solid"/>
-                      <a:round/>
-                      <a:headEnd type="none" w="med" len="med"/>
-                      <a:tailEnd type="none" w="med" len="med"/>
-                    </a:lnT>
-                    <a:lnB w="12700" cap="flat" cmpd="sng" algn="ctr">
-                      <a:solidFill>
-                        <a:schemeClr val="tx1"/>
-                      </a:solidFill>
-                      <a:prstDash val="solid"/>
-                      <a:round/>
-                      <a:headEnd type="none" w="med" len="med"/>
-                      <a:tailEnd type="none" w="med" len="med"/>
-                    </a:lnB>
-                  </a:tcPr>
-                </a:tc>
-                <a:tc>
-                  <a:txBody>
-                    <a:bodyPr/>
-                    <a:lstStyle/>
-                    <a:p>
-                      <a:pPr algn="r" fontAlgn="b"/>
-                      <a:r>
-                        <a:rPr lang="en-US" sz="1100" u="none" strike="noStrike" dirty="0">
-                          <a:effectLst/>
-                        </a:rPr>
-                        <a:t>18.0%</a:t>
-                      </a:r>
-                      <a:endParaRPr lang="en-US" sz="1100" b="0" i="0" u="none" strike="noStrike" dirty="0">
-                        <a:solidFill>
-                          <a:srgbClr val="000000"/>
-                        </a:solidFill>
-                        <a:effectLst/>
-                        <a:latin typeface="Calibri" panose="020F0502020204030204" pitchFamily="34" charset="0"/>
-                      </a:endParaRPr>
-                    </a:p>
-                  </a:txBody>
-                  <a:tcPr marL="6350" marR="6350" marT="6350" marB="0" anchor="b">
-                    <a:lnL w="12700" cap="flat" cmpd="sng" algn="ctr">
-                      <a:solidFill>
-                        <a:schemeClr val="tx1"/>
-                      </a:solidFill>
-                      <a:prstDash val="solid"/>
-                      <a:round/>
-                      <a:headEnd type="none" w="med" len="med"/>
-                      <a:tailEnd type="none" w="med" len="med"/>
-                    </a:lnL>
-                    <a:lnR w="12700" cap="flat" cmpd="sng" algn="ctr">
-                      <a:solidFill>
-                        <a:schemeClr val="tx1"/>
-                      </a:solidFill>
-                      <a:prstDash val="solid"/>
-                      <a:round/>
-                      <a:headEnd type="none" w="med" len="med"/>
-                      <a:tailEnd type="none" w="med" len="med"/>
-                    </a:lnR>
-                    <a:lnT w="12700" cap="flat" cmpd="sng" algn="ctr">
-                      <a:solidFill>
-                        <a:schemeClr val="tx1"/>
-                      </a:solidFill>
-                      <a:prstDash val="solid"/>
-                      <a:round/>
-                      <a:headEnd type="none" w="med" len="med"/>
-                      <a:tailEnd type="none" w="med" len="med"/>
-                    </a:lnT>
-                    <a:lnB w="12700" cap="flat" cmpd="sng" algn="ctr">
-                      <a:solidFill>
-                        <a:schemeClr val="tx1"/>
-                      </a:solidFill>
-                      <a:prstDash val="solid"/>
-                      <a:round/>
-                      <a:headEnd type="none" w="med" len="med"/>
-                      <a:tailEnd type="none" w="med" len="med"/>
-                    </a:lnB>
-                  </a:tcPr>
-                </a:tc>
-                <a:tc>
-                  <a:txBody>
-                    <a:bodyPr/>
-                    <a:lstStyle/>
-                    <a:p>
-                      <a:pPr algn="r" fontAlgn="b"/>
-                      <a:r>
-                        <a:rPr lang="en-US" sz="1100" u="none" strike="noStrike" dirty="0">
-                          <a:effectLst/>
-                        </a:rPr>
-                        <a:t>11.7%</a:t>
-                      </a:r>
-                      <a:endParaRPr lang="en-US" sz="1100" b="0" i="0" u="none" strike="noStrike" dirty="0">
-                        <a:solidFill>
-                          <a:srgbClr val="000000"/>
-                        </a:solidFill>
-                        <a:effectLst/>
-                        <a:latin typeface="Calibri" panose="020F0502020204030204" pitchFamily="34" charset="0"/>
-                      </a:endParaRPr>
-                    </a:p>
-                  </a:txBody>
-                  <a:tcPr marL="6350" marR="6350" marT="6350" marB="0" anchor="b">
-                    <a:lnL w="12700" cap="flat" cmpd="sng" algn="ctr">
-                      <a:solidFill>
-                        <a:schemeClr val="tx1"/>
-                      </a:solidFill>
-                      <a:prstDash val="solid"/>
-                      <a:round/>
-                      <a:headEnd type="none" w="med" len="med"/>
-                      <a:tailEnd type="none" w="med" len="med"/>
-                    </a:lnL>
-                    <a:lnR w="12700" cap="flat" cmpd="sng" algn="ctr">
-                      <a:solidFill>
-                        <a:schemeClr val="tx1"/>
-                      </a:solidFill>
-                      <a:prstDash val="solid"/>
-                      <a:round/>
-                      <a:headEnd type="none" w="med" len="med"/>
-                      <a:tailEnd type="none" w="med" len="med"/>
-                    </a:lnR>
-                    <a:lnT w="12700" cap="flat" cmpd="sng" algn="ctr">
-                      <a:solidFill>
-                        <a:schemeClr val="tx1"/>
-                      </a:solidFill>
-                      <a:prstDash val="solid"/>
-                      <a:round/>
-                      <a:headEnd type="none" w="med" len="med"/>
-                      <a:tailEnd type="none" w="med" len="med"/>
-                    </a:lnT>
-                    <a:lnB w="12700" cap="flat" cmpd="sng" algn="ctr">
-                      <a:solidFill>
-                        <a:schemeClr val="tx1"/>
-                      </a:solidFill>
-                      <a:prstDash val="solid"/>
-                      <a:round/>
-                      <a:headEnd type="none" w="med" len="med"/>
-                      <a:tailEnd type="none" w="med" len="med"/>
-                    </a:lnB>
-                  </a:tcPr>
-                </a:tc>
-                <a:tc>
-                  <a:txBody>
-                    <a:bodyPr/>
-                    <a:lstStyle/>
-                    <a:p>
-                      <a:pPr algn="r" fontAlgn="b"/>
-                      <a:r>
-                        <a:rPr lang="en-US" sz="1100" u="none" strike="noStrike" dirty="0">
-                          <a:effectLst/>
-                        </a:rPr>
-                        <a:t>13</a:t>
-                      </a:r>
-                      <a:endParaRPr lang="en-US" sz="1100" b="0" i="0" u="none" strike="noStrike" dirty="0">
-                        <a:solidFill>
-                          <a:srgbClr val="000000"/>
-                        </a:solidFill>
-                        <a:effectLst/>
-                        <a:latin typeface="Calibri" panose="020F0502020204030204" pitchFamily="34" charset="0"/>
-                      </a:endParaRPr>
-                    </a:p>
-                  </a:txBody>
-                  <a:tcPr marL="6350" marR="6350" marT="6350" marB="0" anchor="b">
-                    <a:lnL w="12700" cap="flat" cmpd="sng" algn="ctr">
-                      <a:solidFill>
-                        <a:schemeClr val="tx1"/>
-                      </a:solidFill>
-                      <a:prstDash val="solid"/>
-                      <a:round/>
-                      <a:headEnd type="none" w="med" len="med"/>
-                      <a:tailEnd type="none" w="med" len="med"/>
-                    </a:lnL>
-                    <a:lnR w="12700" cap="flat" cmpd="sng" algn="ctr">
-                      <a:solidFill>
-                        <a:schemeClr val="tx1"/>
-                      </a:solidFill>
-                      <a:prstDash val="solid"/>
-                      <a:round/>
-                      <a:headEnd type="none" w="med" len="med"/>
-                      <a:tailEnd type="none" w="med" len="med"/>
-                    </a:lnR>
-                    <a:lnT w="12700" cap="flat" cmpd="sng" algn="ctr">
-                      <a:solidFill>
-                        <a:schemeClr val="tx1"/>
-                      </a:solidFill>
-                      <a:prstDash val="solid"/>
-                      <a:round/>
-                      <a:headEnd type="none" w="med" len="med"/>
-                      <a:tailEnd type="none" w="med" len="med"/>
-                    </a:lnT>
-                    <a:lnB w="12700" cap="flat" cmpd="sng" algn="ctr">
-                      <a:solidFill>
-                        <a:schemeClr val="tx1"/>
-                      </a:solidFill>
-                      <a:prstDash val="solid"/>
-                      <a:round/>
-                      <a:headEnd type="none" w="med" len="med"/>
-                      <a:tailEnd type="none" w="med" len="med"/>
-                    </a:lnB>
-                  </a:tcPr>
-                </a:tc>
-                <a:tc>
-                  <a:txBody>
-                    <a:bodyPr/>
-                    <a:lstStyle/>
-                    <a:p>
-                      <a:pPr algn="r" fontAlgn="b"/>
-                      <a:r>
-                        <a:rPr lang="en-US" sz="1100" b="0" i="0" u="none" strike="noStrike" dirty="0">
-                          <a:solidFill>
-                            <a:srgbClr val="000000"/>
-                          </a:solidFill>
-                          <a:effectLst/>
-                          <a:latin typeface="Calibri" panose="020F0502020204030204" pitchFamily="34" charset="0"/>
-                        </a:rPr>
-                        <a:t>7.1</a:t>
-                      </a:r>
-                    </a:p>
-                  </a:txBody>
-                  <a:tcPr marL="6350" marR="6350" marT="6350" marB="0" anchor="b">
-                    <a:lnL w="12700" cap="flat" cmpd="sng" algn="ctr">
-                      <a:solidFill>
-                        <a:schemeClr val="tx1"/>
-                      </a:solidFill>
-                      <a:prstDash val="solid"/>
-                      <a:round/>
-                      <a:headEnd type="none" w="med" len="med"/>
-                      <a:tailEnd type="none" w="med" len="med"/>
-                    </a:lnL>
-                    <a:lnR w="12700" cap="flat" cmpd="sng" algn="ctr">
-                      <a:solidFill>
-                        <a:schemeClr val="tx1"/>
-                      </a:solidFill>
-                      <a:prstDash val="solid"/>
-                      <a:round/>
-                      <a:headEnd type="none" w="med" len="med"/>
-                      <a:tailEnd type="none" w="med" len="med"/>
-                    </a:lnR>
-                    <a:lnT w="12700" cap="flat" cmpd="sng" algn="ctr">
-                      <a:solidFill>
-                        <a:schemeClr val="tx1"/>
-                      </a:solidFill>
-                      <a:prstDash val="solid"/>
-                      <a:round/>
-                      <a:headEnd type="none" w="med" len="med"/>
-                      <a:tailEnd type="none" w="med" len="med"/>
-                    </a:lnT>
-                    <a:lnB w="12700" cap="flat" cmpd="sng" algn="ctr">
-                      <a:solidFill>
-                        <a:schemeClr val="tx1"/>
-                      </a:solidFill>
-                      <a:prstDash val="solid"/>
-                      <a:round/>
-                      <a:headEnd type="none" w="med" len="med"/>
-                      <a:tailEnd type="none" w="med" len="med"/>
-                    </a:lnB>
-                  </a:tcPr>
-                </a:tc>
-                <a:extLst>
-                  <a:ext uri="{0D108BD9-81ED-4DB2-BD59-A6C34878D82A}">
-                    <a16:rowId xmlns:a16="http://schemas.microsoft.com/office/drawing/2014/main" val="4001381198"/>
-                  </a:ext>
-                </a:extLst>
-              </a:tr>
-              <a:tr h="494128">
-                <a:tc>
-                  <a:txBody>
-                    <a:bodyPr/>
-                    <a:lstStyle/>
-                    <a:p>
-                      <a:pPr algn="l" fontAlgn="b"/>
-                      <a:r>
-                        <a:rPr lang="en-US" sz="1100" u="none" strike="noStrike" dirty="0">
-                          <a:effectLst/>
-                        </a:rPr>
-                        <a:t>2019_kansas-city-chiefs</a:t>
-                      </a:r>
-                      <a:endParaRPr lang="en-US" sz="1100" b="0" i="0" u="none" strike="noStrike" dirty="0">
-                        <a:solidFill>
-                          <a:srgbClr val="000000"/>
-                        </a:solidFill>
-                        <a:effectLst/>
-                        <a:latin typeface="Calibri" panose="020F0502020204030204" pitchFamily="34" charset="0"/>
-                      </a:endParaRPr>
-                    </a:p>
-                  </a:txBody>
-                  <a:tcPr marL="6350" marR="6350" marT="6350" marB="0" anchor="b">
-                    <a:lnL w="12700" cap="flat" cmpd="sng" algn="ctr">
-                      <a:solidFill>
-                        <a:schemeClr val="tx1"/>
-                      </a:solidFill>
-                      <a:prstDash val="solid"/>
-                      <a:round/>
-                      <a:headEnd type="none" w="med" len="med"/>
-                      <a:tailEnd type="none" w="med" len="med"/>
-                    </a:lnL>
-                    <a:lnR w="12700" cap="flat" cmpd="sng" algn="ctr">
-                      <a:solidFill>
-                        <a:schemeClr val="tx1"/>
-                      </a:solidFill>
-                      <a:prstDash val="solid"/>
-                      <a:round/>
-                      <a:headEnd type="none" w="med" len="med"/>
-                      <a:tailEnd type="none" w="med" len="med"/>
-                    </a:lnR>
-                    <a:lnT w="12700" cap="flat" cmpd="sng" algn="ctr">
-                      <a:solidFill>
-                        <a:schemeClr val="tx1"/>
-                      </a:solidFill>
-                      <a:prstDash val="solid"/>
-                      <a:round/>
-                      <a:headEnd type="none" w="med" len="med"/>
-                      <a:tailEnd type="none" w="med" len="med"/>
-                    </a:lnT>
-                    <a:lnB w="12700" cap="flat" cmpd="sng" algn="ctr">
-                      <a:solidFill>
-                        <a:schemeClr val="tx1"/>
-                      </a:solidFill>
-                      <a:prstDash val="solid"/>
-                      <a:round/>
-                      <a:headEnd type="none" w="med" len="med"/>
-                      <a:tailEnd type="none" w="med" len="med"/>
-                    </a:lnB>
-                  </a:tcPr>
-                </a:tc>
-                <a:tc>
-                  <a:txBody>
-                    <a:bodyPr/>
-                    <a:lstStyle/>
-                    <a:p>
-                      <a:pPr algn="r" fontAlgn="b"/>
-                      <a:r>
-                        <a:rPr lang="en-US" sz="1100" u="none" strike="noStrike" dirty="0">
-                          <a:effectLst/>
-                        </a:rPr>
-                        <a:t>48.7%</a:t>
-                      </a:r>
-                      <a:endParaRPr lang="en-US" sz="1100" b="0" i="0" u="none" strike="noStrike" dirty="0">
-                        <a:solidFill>
-                          <a:srgbClr val="000000"/>
-                        </a:solidFill>
-                        <a:effectLst/>
-                        <a:latin typeface="Calibri" panose="020F0502020204030204" pitchFamily="34" charset="0"/>
-                      </a:endParaRPr>
-                    </a:p>
-                  </a:txBody>
-                  <a:tcPr marL="6350" marR="6350" marT="6350" marB="0" anchor="b">
-                    <a:lnL w="12700" cap="flat" cmpd="sng" algn="ctr">
-                      <a:solidFill>
-                        <a:schemeClr val="tx1"/>
-                      </a:solidFill>
-                      <a:prstDash val="solid"/>
-                      <a:round/>
-                      <a:headEnd type="none" w="med" len="med"/>
-                      <a:tailEnd type="none" w="med" len="med"/>
-                    </a:lnL>
-                    <a:lnR w="12700" cap="flat" cmpd="sng" algn="ctr">
-                      <a:solidFill>
-                        <a:schemeClr val="tx1"/>
-                      </a:solidFill>
-                      <a:prstDash val="solid"/>
-                      <a:round/>
-                      <a:headEnd type="none" w="med" len="med"/>
-                      <a:tailEnd type="none" w="med" len="med"/>
-                    </a:lnR>
-                    <a:lnT w="12700" cap="flat" cmpd="sng" algn="ctr">
-                      <a:solidFill>
-                        <a:schemeClr val="tx1"/>
-                      </a:solidFill>
-                      <a:prstDash val="solid"/>
-                      <a:round/>
-                      <a:headEnd type="none" w="med" len="med"/>
-                      <a:tailEnd type="none" w="med" len="med"/>
-                    </a:lnT>
-                    <a:lnB w="12700" cap="flat" cmpd="sng" algn="ctr">
-                      <a:solidFill>
-                        <a:schemeClr val="tx1"/>
-                      </a:solidFill>
-                      <a:prstDash val="solid"/>
-                      <a:round/>
-                      <a:headEnd type="none" w="med" len="med"/>
-                      <a:tailEnd type="none" w="med" len="med"/>
-                    </a:lnB>
-                  </a:tcPr>
-                </a:tc>
-                <a:tc>
-                  <a:txBody>
-                    <a:bodyPr/>
-                    <a:lstStyle/>
-                    <a:p>
-                      <a:pPr algn="r" fontAlgn="b"/>
-                      <a:r>
-                        <a:rPr lang="en-US" sz="1100" u="none" strike="noStrike" dirty="0">
-                          <a:effectLst/>
-                        </a:rPr>
-                        <a:t>29.7%</a:t>
-                      </a:r>
-                      <a:endParaRPr lang="en-US" sz="1100" b="0" i="0" u="none" strike="noStrike" dirty="0">
-                        <a:solidFill>
-                          <a:srgbClr val="000000"/>
-                        </a:solidFill>
-                        <a:effectLst/>
-                        <a:latin typeface="Calibri" panose="020F0502020204030204" pitchFamily="34" charset="0"/>
-                      </a:endParaRPr>
-                    </a:p>
-                  </a:txBody>
-                  <a:tcPr marL="6350" marR="6350" marT="6350" marB="0" anchor="b">
-                    <a:lnL w="12700" cap="flat" cmpd="sng" algn="ctr">
-                      <a:solidFill>
-                        <a:schemeClr val="tx1"/>
-                      </a:solidFill>
-                      <a:prstDash val="solid"/>
-                      <a:round/>
-                      <a:headEnd type="none" w="med" len="med"/>
-                      <a:tailEnd type="none" w="med" len="med"/>
-                    </a:lnL>
-                    <a:lnR w="12700" cap="flat" cmpd="sng" algn="ctr">
-                      <a:solidFill>
-                        <a:schemeClr val="tx1"/>
-                      </a:solidFill>
-                      <a:prstDash val="solid"/>
-                      <a:round/>
-                      <a:headEnd type="none" w="med" len="med"/>
-                      <a:tailEnd type="none" w="med" len="med"/>
-                    </a:lnR>
-                    <a:lnT w="12700" cap="flat" cmpd="sng" algn="ctr">
-                      <a:solidFill>
-                        <a:schemeClr val="tx1"/>
-                      </a:solidFill>
-                      <a:prstDash val="solid"/>
-                      <a:round/>
-                      <a:headEnd type="none" w="med" len="med"/>
-                      <a:tailEnd type="none" w="med" len="med"/>
-                    </a:lnT>
-                    <a:lnB w="12700" cap="flat" cmpd="sng" algn="ctr">
-                      <a:solidFill>
-                        <a:schemeClr val="tx1"/>
-                      </a:solidFill>
-                      <a:prstDash val="solid"/>
-                      <a:round/>
-                      <a:headEnd type="none" w="med" len="med"/>
-                      <a:tailEnd type="none" w="med" len="med"/>
-                    </a:lnB>
-                  </a:tcPr>
-                </a:tc>
-                <a:tc>
-                  <a:txBody>
-                    <a:bodyPr/>
-                    <a:lstStyle/>
-                    <a:p>
-                      <a:pPr algn="r" fontAlgn="b"/>
-                      <a:r>
-                        <a:rPr lang="en-US" sz="1100" u="none" strike="noStrike">
-                          <a:effectLst/>
-                        </a:rPr>
-                        <a:t>3.2%</a:t>
-                      </a:r>
-                      <a:endParaRPr lang="en-US" sz="1100" b="0" i="0" u="none" strike="noStrike">
-                        <a:solidFill>
-                          <a:srgbClr val="000000"/>
-                        </a:solidFill>
-                        <a:effectLst/>
-                        <a:latin typeface="Calibri" panose="020F0502020204030204" pitchFamily="34" charset="0"/>
-                      </a:endParaRPr>
-                    </a:p>
-                  </a:txBody>
-                  <a:tcPr marL="6350" marR="6350" marT="6350" marB="0" anchor="b">
-                    <a:lnL w="12700" cap="flat" cmpd="sng" algn="ctr">
-                      <a:solidFill>
-                        <a:schemeClr val="tx1"/>
-                      </a:solidFill>
-                      <a:prstDash val="solid"/>
-                      <a:round/>
-                      <a:headEnd type="none" w="med" len="med"/>
-                      <a:tailEnd type="none" w="med" len="med"/>
-                    </a:lnL>
-                    <a:lnR w="12700" cap="flat" cmpd="sng" algn="ctr">
-                      <a:solidFill>
-                        <a:schemeClr val="tx1"/>
-                      </a:solidFill>
-                      <a:prstDash val="solid"/>
-                      <a:round/>
-                      <a:headEnd type="none" w="med" len="med"/>
-                      <a:tailEnd type="none" w="med" len="med"/>
-                    </a:lnR>
-                    <a:lnT w="12700" cap="flat" cmpd="sng" algn="ctr">
-                      <a:solidFill>
-                        <a:schemeClr val="tx1"/>
-                      </a:solidFill>
-                      <a:prstDash val="solid"/>
-                      <a:round/>
-                      <a:headEnd type="none" w="med" len="med"/>
-                      <a:tailEnd type="none" w="med" len="med"/>
-                    </a:lnT>
-                    <a:lnB w="12700" cap="flat" cmpd="sng" algn="ctr">
-                      <a:solidFill>
-                        <a:schemeClr val="tx1"/>
-                      </a:solidFill>
-                      <a:prstDash val="solid"/>
-                      <a:round/>
-                      <a:headEnd type="none" w="med" len="med"/>
-                      <a:tailEnd type="none" w="med" len="med"/>
-                    </a:lnB>
-                  </a:tcPr>
-                </a:tc>
-                <a:tc>
-                  <a:txBody>
-                    <a:bodyPr/>
-                    <a:lstStyle/>
-                    <a:p>
-                      <a:pPr algn="r" fontAlgn="b"/>
-                      <a:r>
-                        <a:rPr lang="en-US" sz="1100" u="none" strike="noStrike">
-                          <a:effectLst/>
-                        </a:rPr>
-                        <a:t>6.4%</a:t>
-                      </a:r>
-                      <a:endParaRPr lang="en-US" sz="1100" b="0" i="0" u="none" strike="noStrike">
-                        <a:solidFill>
-                          <a:srgbClr val="000000"/>
-                        </a:solidFill>
-                        <a:effectLst/>
-                        <a:latin typeface="Calibri" panose="020F0502020204030204" pitchFamily="34" charset="0"/>
-                      </a:endParaRPr>
-                    </a:p>
-                  </a:txBody>
-                  <a:tcPr marL="6350" marR="6350" marT="6350" marB="0" anchor="b">
-                    <a:lnL w="12700" cap="flat" cmpd="sng" algn="ctr">
-                      <a:solidFill>
-                        <a:schemeClr val="tx1"/>
-                      </a:solidFill>
-                      <a:prstDash val="solid"/>
-                      <a:round/>
-                      <a:headEnd type="none" w="med" len="med"/>
-                      <a:tailEnd type="none" w="med" len="med"/>
-                    </a:lnL>
-                    <a:lnR w="12700" cap="flat" cmpd="sng" algn="ctr">
-                      <a:solidFill>
-                        <a:schemeClr val="tx1"/>
-                      </a:solidFill>
-                      <a:prstDash val="solid"/>
-                      <a:round/>
-                      <a:headEnd type="none" w="med" len="med"/>
-                      <a:tailEnd type="none" w="med" len="med"/>
-                    </a:lnR>
-                    <a:lnT w="12700" cap="flat" cmpd="sng" algn="ctr">
-                      <a:solidFill>
-                        <a:schemeClr val="tx1"/>
-                      </a:solidFill>
-                      <a:prstDash val="solid"/>
-                      <a:round/>
-                      <a:headEnd type="none" w="med" len="med"/>
-                      <a:tailEnd type="none" w="med" len="med"/>
-                    </a:lnT>
-                    <a:lnB w="12700" cap="flat" cmpd="sng" algn="ctr">
-                      <a:solidFill>
-                        <a:schemeClr val="tx1"/>
-                      </a:solidFill>
-                      <a:prstDash val="solid"/>
-                      <a:round/>
-                      <a:headEnd type="none" w="med" len="med"/>
-                      <a:tailEnd type="none" w="med" len="med"/>
-                    </a:lnB>
-                  </a:tcPr>
-                </a:tc>
-                <a:tc>
-                  <a:txBody>
-                    <a:bodyPr/>
-                    <a:lstStyle/>
-                    <a:p>
-                      <a:pPr algn="r" fontAlgn="b"/>
-                      <a:r>
-                        <a:rPr lang="en-US" sz="1100" u="none" strike="noStrike">
-                          <a:effectLst/>
-                        </a:rPr>
-                        <a:t>12.1%</a:t>
-                      </a:r>
-                      <a:endParaRPr lang="en-US" sz="1100" b="0" i="0" u="none" strike="noStrike">
-                        <a:solidFill>
-                          <a:srgbClr val="000000"/>
-                        </a:solidFill>
-                        <a:effectLst/>
-                        <a:latin typeface="Calibri" panose="020F0502020204030204" pitchFamily="34" charset="0"/>
-                      </a:endParaRPr>
-                    </a:p>
-                  </a:txBody>
-                  <a:tcPr marL="6350" marR="6350" marT="6350" marB="0" anchor="b">
-                    <a:lnL w="12700" cap="flat" cmpd="sng" algn="ctr">
-                      <a:solidFill>
-                        <a:schemeClr val="tx1"/>
-                      </a:solidFill>
-                      <a:prstDash val="solid"/>
-                      <a:round/>
-                      <a:headEnd type="none" w="med" len="med"/>
-                      <a:tailEnd type="none" w="med" len="med"/>
-                    </a:lnL>
-                    <a:lnR w="12700" cap="flat" cmpd="sng" algn="ctr">
-                      <a:solidFill>
-                        <a:schemeClr val="tx1"/>
-                      </a:solidFill>
-                      <a:prstDash val="solid"/>
-                      <a:round/>
-                      <a:headEnd type="none" w="med" len="med"/>
-                      <a:tailEnd type="none" w="med" len="med"/>
-                    </a:lnR>
-                    <a:lnT w="12700" cap="flat" cmpd="sng" algn="ctr">
-                      <a:solidFill>
-                        <a:schemeClr val="tx1"/>
-                      </a:solidFill>
-                      <a:prstDash val="solid"/>
-                      <a:round/>
-                      <a:headEnd type="none" w="med" len="med"/>
-                      <a:tailEnd type="none" w="med" len="med"/>
-                    </a:lnT>
-                    <a:lnB w="12700" cap="flat" cmpd="sng" algn="ctr">
-                      <a:solidFill>
-                        <a:schemeClr val="tx1"/>
-                      </a:solidFill>
-                      <a:prstDash val="solid"/>
-                      <a:round/>
-                      <a:headEnd type="none" w="med" len="med"/>
-                      <a:tailEnd type="none" w="med" len="med"/>
-                    </a:lnB>
-                  </a:tcPr>
-                </a:tc>
-                <a:tc>
-                  <a:txBody>
-                    <a:bodyPr/>
-                    <a:lstStyle/>
-                    <a:p>
-                      <a:pPr algn="r" fontAlgn="b"/>
-                      <a:r>
-                        <a:rPr lang="en-US" sz="1100" u="none" strike="noStrike" dirty="0">
-                          <a:effectLst/>
-                        </a:rPr>
-                        <a:t>12</a:t>
-                      </a:r>
-                      <a:endParaRPr lang="en-US" sz="1100" b="0" i="0" u="none" strike="noStrike" dirty="0">
-                        <a:solidFill>
-                          <a:srgbClr val="000000"/>
-                        </a:solidFill>
-                        <a:effectLst/>
-                        <a:latin typeface="Calibri" panose="020F0502020204030204" pitchFamily="34" charset="0"/>
-                      </a:endParaRPr>
-                    </a:p>
-                  </a:txBody>
-                  <a:tcPr marL="6350" marR="6350" marT="6350" marB="0" anchor="b">
-                    <a:lnL w="12700" cap="flat" cmpd="sng" algn="ctr">
-                      <a:solidFill>
-                        <a:schemeClr val="tx1"/>
-                      </a:solidFill>
-                      <a:prstDash val="solid"/>
-                      <a:round/>
-                      <a:headEnd type="none" w="med" len="med"/>
-                      <a:tailEnd type="none" w="med" len="med"/>
-                    </a:lnL>
-                    <a:lnR w="12700" cap="flat" cmpd="sng" algn="ctr">
-                      <a:solidFill>
-                        <a:schemeClr val="tx1"/>
-                      </a:solidFill>
-                      <a:prstDash val="solid"/>
-                      <a:round/>
-                      <a:headEnd type="none" w="med" len="med"/>
-                      <a:tailEnd type="none" w="med" len="med"/>
-                    </a:lnR>
-                    <a:lnT w="12700" cap="flat" cmpd="sng" algn="ctr">
-                      <a:solidFill>
-                        <a:schemeClr val="tx1"/>
-                      </a:solidFill>
-                      <a:prstDash val="solid"/>
-                      <a:round/>
-                      <a:headEnd type="none" w="med" len="med"/>
-                      <a:tailEnd type="none" w="med" len="med"/>
-                    </a:lnT>
-                    <a:lnB w="12700" cap="flat" cmpd="sng" algn="ctr">
-                      <a:solidFill>
-                        <a:schemeClr val="tx1"/>
-                      </a:solidFill>
-                      <a:prstDash val="solid"/>
-                      <a:round/>
-                      <a:headEnd type="none" w="med" len="med"/>
-                      <a:tailEnd type="none" w="med" len="med"/>
-                    </a:lnB>
-                  </a:tcPr>
-                </a:tc>
-                <a:tc>
-                  <a:txBody>
-                    <a:bodyPr/>
-                    <a:lstStyle/>
-                    <a:p>
-                      <a:pPr algn="r" fontAlgn="b"/>
-                      <a:r>
-                        <a:rPr lang="en-US" sz="1100" b="0" i="0" u="none" strike="noStrike" dirty="0">
-                          <a:solidFill>
-                            <a:srgbClr val="000000"/>
-                          </a:solidFill>
-                          <a:effectLst/>
-                          <a:latin typeface="Calibri" panose="020F0502020204030204" pitchFamily="34" charset="0"/>
-                        </a:rPr>
-                        <a:t>9.2</a:t>
-                      </a:r>
-                    </a:p>
-                  </a:txBody>
-                  <a:tcPr marL="6350" marR="6350" marT="6350" marB="0" anchor="b">
-                    <a:lnL w="12700" cap="flat" cmpd="sng" algn="ctr">
-                      <a:solidFill>
-                        <a:schemeClr val="tx1"/>
-                      </a:solidFill>
-                      <a:prstDash val="solid"/>
-                      <a:round/>
-                      <a:headEnd type="none" w="med" len="med"/>
-                      <a:tailEnd type="none" w="med" len="med"/>
-                    </a:lnL>
-                    <a:lnR w="12700" cap="flat" cmpd="sng" algn="ctr">
-                      <a:solidFill>
-                        <a:schemeClr val="tx1"/>
-                      </a:solidFill>
-                      <a:prstDash val="solid"/>
-                      <a:round/>
-                      <a:headEnd type="none" w="med" len="med"/>
-                      <a:tailEnd type="none" w="med" len="med"/>
-                    </a:lnR>
-                    <a:lnT w="12700" cap="flat" cmpd="sng" algn="ctr">
-                      <a:solidFill>
-                        <a:schemeClr val="tx1"/>
-                      </a:solidFill>
-                      <a:prstDash val="solid"/>
-                      <a:round/>
-                      <a:headEnd type="none" w="med" len="med"/>
-                      <a:tailEnd type="none" w="med" len="med"/>
-                    </a:lnT>
-                    <a:lnB w="12700" cap="flat" cmpd="sng" algn="ctr">
-                      <a:solidFill>
-                        <a:schemeClr val="tx1"/>
-                      </a:solidFill>
-                      <a:prstDash val="solid"/>
-                      <a:round/>
-                      <a:headEnd type="none" w="med" len="med"/>
-                      <a:tailEnd type="none" w="med" len="med"/>
-                    </a:lnB>
-                  </a:tcPr>
-                </a:tc>
-                <a:extLst>
-                  <a:ext uri="{0D108BD9-81ED-4DB2-BD59-A6C34878D82A}">
-                    <a16:rowId xmlns:a16="http://schemas.microsoft.com/office/drawing/2014/main" val="2998460564"/>
-                  </a:ext>
-                </a:extLst>
-              </a:tr>
-              <a:tr h="494128">
-                <a:tc>
-                  <a:txBody>
-                    <a:bodyPr/>
-                    <a:lstStyle/>
-                    <a:p>
-                      <a:pPr algn="l" fontAlgn="b"/>
-                      <a:r>
-                        <a:rPr lang="en-US" sz="1100" u="none" strike="noStrike">
-                          <a:effectLst/>
-                        </a:rPr>
-                        <a:t>2019_washington-redskins</a:t>
-                      </a:r>
-                      <a:endParaRPr lang="en-US" sz="1100" b="0" i="0" u="none" strike="noStrike">
-                        <a:solidFill>
-                          <a:srgbClr val="000000"/>
-                        </a:solidFill>
-                        <a:effectLst/>
-                        <a:latin typeface="Calibri" panose="020F0502020204030204" pitchFamily="34" charset="0"/>
-                      </a:endParaRPr>
-                    </a:p>
-                  </a:txBody>
-                  <a:tcPr marL="6350" marR="6350" marT="6350" marB="0" anchor="b">
-                    <a:lnL w="12700" cap="flat" cmpd="sng" algn="ctr">
-                      <a:solidFill>
-                        <a:schemeClr val="tx1"/>
-                      </a:solidFill>
-                      <a:prstDash val="solid"/>
-                      <a:round/>
-                      <a:headEnd type="none" w="med" len="med"/>
-                      <a:tailEnd type="none" w="med" len="med"/>
-                    </a:lnL>
-                    <a:lnR w="12700" cap="flat" cmpd="sng" algn="ctr">
-                      <a:solidFill>
-                        <a:schemeClr val="tx1"/>
-                      </a:solidFill>
-                      <a:prstDash val="solid"/>
-                      <a:round/>
-                      <a:headEnd type="none" w="med" len="med"/>
-                      <a:tailEnd type="none" w="med" len="med"/>
-                    </a:lnR>
-                    <a:lnT w="12700" cap="flat" cmpd="sng" algn="ctr">
-                      <a:solidFill>
-                        <a:schemeClr val="tx1"/>
-                      </a:solidFill>
-                      <a:prstDash val="solid"/>
-                      <a:round/>
-                      <a:headEnd type="none" w="med" len="med"/>
-                      <a:tailEnd type="none" w="med" len="med"/>
-                    </a:lnT>
-                    <a:lnB w="12700" cap="flat" cmpd="sng" algn="ctr">
-                      <a:solidFill>
-                        <a:schemeClr val="tx1"/>
-                      </a:solidFill>
-                      <a:prstDash val="solid"/>
-                      <a:round/>
-                      <a:headEnd type="none" w="med" len="med"/>
-                      <a:tailEnd type="none" w="med" len="med"/>
-                    </a:lnB>
-                  </a:tcPr>
-                </a:tc>
-                <a:tc>
-                  <a:txBody>
-                    <a:bodyPr/>
-                    <a:lstStyle/>
-                    <a:p>
-                      <a:pPr algn="r" fontAlgn="b"/>
-                      <a:r>
-                        <a:rPr lang="en-US" sz="1100" u="none" strike="noStrike">
-                          <a:effectLst/>
-                        </a:rPr>
-                        <a:t>20.5%</a:t>
-                      </a:r>
-                      <a:endParaRPr lang="en-US" sz="1100" b="0" i="0" u="none" strike="noStrike">
-                        <a:solidFill>
-                          <a:srgbClr val="000000"/>
-                        </a:solidFill>
-                        <a:effectLst/>
-                        <a:latin typeface="Calibri" panose="020F0502020204030204" pitchFamily="34" charset="0"/>
-                      </a:endParaRPr>
-                    </a:p>
-                  </a:txBody>
-                  <a:tcPr marL="6350" marR="6350" marT="6350" marB="0" anchor="b">
-                    <a:lnL w="12700" cap="flat" cmpd="sng" algn="ctr">
-                      <a:solidFill>
-                        <a:schemeClr val="tx1"/>
-                      </a:solidFill>
-                      <a:prstDash val="solid"/>
-                      <a:round/>
-                      <a:headEnd type="none" w="med" len="med"/>
-                      <a:tailEnd type="none" w="med" len="med"/>
-                    </a:lnL>
-                    <a:lnR w="12700" cap="flat" cmpd="sng" algn="ctr">
-                      <a:solidFill>
-                        <a:schemeClr val="tx1"/>
-                      </a:solidFill>
-                      <a:prstDash val="solid"/>
-                      <a:round/>
-                      <a:headEnd type="none" w="med" len="med"/>
-                      <a:tailEnd type="none" w="med" len="med"/>
-                    </a:lnR>
-                    <a:lnT w="12700" cap="flat" cmpd="sng" algn="ctr">
-                      <a:solidFill>
-                        <a:schemeClr val="tx1"/>
-                      </a:solidFill>
-                      <a:prstDash val="solid"/>
-                      <a:round/>
-                      <a:headEnd type="none" w="med" len="med"/>
-                      <a:tailEnd type="none" w="med" len="med"/>
-                    </a:lnT>
-                    <a:lnB w="12700" cap="flat" cmpd="sng" algn="ctr">
-                      <a:solidFill>
-                        <a:schemeClr val="tx1"/>
-                      </a:solidFill>
-                      <a:prstDash val="solid"/>
-                      <a:round/>
-                      <a:headEnd type="none" w="med" len="med"/>
-                      <a:tailEnd type="none" w="med" len="med"/>
-                    </a:lnB>
-                  </a:tcPr>
-                </a:tc>
-                <a:tc>
-                  <a:txBody>
-                    <a:bodyPr/>
-                    <a:lstStyle/>
-                    <a:p>
-                      <a:pPr algn="r" fontAlgn="b"/>
-                      <a:r>
-                        <a:rPr lang="en-US" sz="1100" u="none" strike="noStrike" dirty="0">
-                          <a:effectLst/>
-                        </a:rPr>
-                        <a:t>21.5%</a:t>
-                      </a:r>
-                      <a:endParaRPr lang="en-US" sz="1100" b="0" i="0" u="none" strike="noStrike" dirty="0">
-                        <a:solidFill>
-                          <a:srgbClr val="000000"/>
-                        </a:solidFill>
-                        <a:effectLst/>
-                        <a:latin typeface="Calibri" panose="020F0502020204030204" pitchFamily="34" charset="0"/>
-                      </a:endParaRPr>
-                    </a:p>
-                  </a:txBody>
-                  <a:tcPr marL="6350" marR="6350" marT="6350" marB="0" anchor="b">
-                    <a:lnL w="12700" cap="flat" cmpd="sng" algn="ctr">
-                      <a:solidFill>
-                        <a:schemeClr val="tx1"/>
-                      </a:solidFill>
-                      <a:prstDash val="solid"/>
-                      <a:round/>
-                      <a:headEnd type="none" w="med" len="med"/>
-                      <a:tailEnd type="none" w="med" len="med"/>
-                    </a:lnL>
-                    <a:lnR w="12700" cap="flat" cmpd="sng" algn="ctr">
-                      <a:solidFill>
-                        <a:schemeClr val="tx1"/>
-                      </a:solidFill>
-                      <a:prstDash val="solid"/>
-                      <a:round/>
-                      <a:headEnd type="none" w="med" len="med"/>
-                      <a:tailEnd type="none" w="med" len="med"/>
-                    </a:lnR>
-                    <a:lnT w="12700" cap="flat" cmpd="sng" algn="ctr">
-                      <a:solidFill>
-                        <a:schemeClr val="tx1"/>
-                      </a:solidFill>
-                      <a:prstDash val="solid"/>
-                      <a:round/>
-                      <a:headEnd type="none" w="med" len="med"/>
-                      <a:tailEnd type="none" w="med" len="med"/>
-                    </a:lnT>
-                    <a:lnB w="12700" cap="flat" cmpd="sng" algn="ctr">
-                      <a:solidFill>
-                        <a:schemeClr val="tx1"/>
-                      </a:solidFill>
-                      <a:prstDash val="solid"/>
-                      <a:round/>
-                      <a:headEnd type="none" w="med" len="med"/>
-                      <a:tailEnd type="none" w="med" len="med"/>
-                    </a:lnB>
-                  </a:tcPr>
-                </a:tc>
-                <a:tc>
-                  <a:txBody>
-                    <a:bodyPr/>
-                    <a:lstStyle/>
-                    <a:p>
-                      <a:pPr algn="r" fontAlgn="b"/>
-                      <a:r>
-                        <a:rPr lang="en-US" sz="1100" u="none" strike="noStrike" dirty="0">
-                          <a:effectLst/>
-                        </a:rPr>
-                        <a:t>3.6%</a:t>
-                      </a:r>
-                      <a:endParaRPr lang="en-US" sz="1100" b="0" i="0" u="none" strike="noStrike" dirty="0">
-                        <a:solidFill>
-                          <a:srgbClr val="000000"/>
-                        </a:solidFill>
-                        <a:effectLst/>
-                        <a:latin typeface="Calibri" panose="020F0502020204030204" pitchFamily="34" charset="0"/>
-                      </a:endParaRPr>
-                    </a:p>
-                  </a:txBody>
-                  <a:tcPr marL="6350" marR="6350" marT="6350" marB="0" anchor="b">
-                    <a:lnL w="12700" cap="flat" cmpd="sng" algn="ctr">
-                      <a:solidFill>
-                        <a:schemeClr val="tx1"/>
-                      </a:solidFill>
-                      <a:prstDash val="solid"/>
-                      <a:round/>
-                      <a:headEnd type="none" w="med" len="med"/>
-                      <a:tailEnd type="none" w="med" len="med"/>
-                    </a:lnL>
-                    <a:lnR w="12700" cap="flat" cmpd="sng" algn="ctr">
-                      <a:solidFill>
-                        <a:schemeClr val="tx1"/>
-                      </a:solidFill>
-                      <a:prstDash val="solid"/>
-                      <a:round/>
-                      <a:headEnd type="none" w="med" len="med"/>
-                      <a:tailEnd type="none" w="med" len="med"/>
-                    </a:lnR>
-                    <a:lnT w="12700" cap="flat" cmpd="sng" algn="ctr">
-                      <a:solidFill>
-                        <a:schemeClr val="tx1"/>
-                      </a:solidFill>
-                      <a:prstDash val="solid"/>
-                      <a:round/>
-                      <a:headEnd type="none" w="med" len="med"/>
-                      <a:tailEnd type="none" w="med" len="med"/>
-                    </a:lnT>
-                    <a:lnB w="12700" cap="flat" cmpd="sng" algn="ctr">
-                      <a:solidFill>
-                        <a:schemeClr val="tx1"/>
-                      </a:solidFill>
-                      <a:prstDash val="solid"/>
-                      <a:round/>
-                      <a:headEnd type="none" w="med" len="med"/>
-                      <a:tailEnd type="none" w="med" len="med"/>
-                    </a:lnB>
-                  </a:tcPr>
-                </a:tc>
-                <a:tc>
-                  <a:txBody>
-                    <a:bodyPr/>
-                    <a:lstStyle/>
-                    <a:p>
-                      <a:pPr algn="r" fontAlgn="b"/>
-                      <a:r>
-                        <a:rPr lang="en-US" sz="1100" u="none" strike="noStrike" dirty="0">
-                          <a:effectLst/>
-                        </a:rPr>
-                        <a:t>46.6%</a:t>
-                      </a:r>
-                      <a:endParaRPr lang="en-US" sz="1100" b="0" i="0" u="none" strike="noStrike" dirty="0">
-                        <a:solidFill>
-                          <a:srgbClr val="000000"/>
-                        </a:solidFill>
-                        <a:effectLst/>
-                        <a:latin typeface="Calibri" panose="020F0502020204030204" pitchFamily="34" charset="0"/>
-                      </a:endParaRPr>
-                    </a:p>
-                  </a:txBody>
-                  <a:tcPr marL="6350" marR="6350" marT="6350" marB="0" anchor="b">
-                    <a:lnL w="12700" cap="flat" cmpd="sng" algn="ctr">
-                      <a:solidFill>
-                        <a:schemeClr val="tx1"/>
-                      </a:solidFill>
-                      <a:prstDash val="solid"/>
-                      <a:round/>
-                      <a:headEnd type="none" w="med" len="med"/>
-                      <a:tailEnd type="none" w="med" len="med"/>
-                    </a:lnL>
-                    <a:lnR w="12700" cap="flat" cmpd="sng" algn="ctr">
-                      <a:solidFill>
-                        <a:schemeClr val="tx1"/>
-                      </a:solidFill>
-                      <a:prstDash val="solid"/>
-                      <a:round/>
-                      <a:headEnd type="none" w="med" len="med"/>
-                      <a:tailEnd type="none" w="med" len="med"/>
-                    </a:lnR>
-                    <a:lnT w="12700" cap="flat" cmpd="sng" algn="ctr">
-                      <a:solidFill>
-                        <a:schemeClr val="tx1"/>
-                      </a:solidFill>
-                      <a:prstDash val="solid"/>
-                      <a:round/>
-                      <a:headEnd type="none" w="med" len="med"/>
-                      <a:tailEnd type="none" w="med" len="med"/>
-                    </a:lnT>
-                    <a:lnB w="12700" cap="flat" cmpd="sng" algn="ctr">
-                      <a:solidFill>
-                        <a:schemeClr val="tx1"/>
-                      </a:solidFill>
-                      <a:prstDash val="solid"/>
-                      <a:round/>
-                      <a:headEnd type="none" w="med" len="med"/>
-                      <a:tailEnd type="none" w="med" len="med"/>
-                    </a:lnB>
-                  </a:tcPr>
-                </a:tc>
-                <a:tc>
-                  <a:txBody>
-                    <a:bodyPr/>
-                    <a:lstStyle/>
-                    <a:p>
-                      <a:pPr algn="r" fontAlgn="b"/>
-                      <a:r>
-                        <a:rPr lang="en-US" sz="1100" u="none" strike="noStrike">
-                          <a:effectLst/>
-                        </a:rPr>
-                        <a:t>7.7%</a:t>
-                      </a:r>
-                      <a:endParaRPr lang="en-US" sz="1100" b="0" i="0" u="none" strike="noStrike">
-                        <a:solidFill>
-                          <a:srgbClr val="000000"/>
-                        </a:solidFill>
-                        <a:effectLst/>
-                        <a:latin typeface="Calibri" panose="020F0502020204030204" pitchFamily="34" charset="0"/>
-                      </a:endParaRPr>
-                    </a:p>
-                  </a:txBody>
-                  <a:tcPr marL="6350" marR="6350" marT="6350" marB="0" anchor="b">
-                    <a:lnL w="12700" cap="flat" cmpd="sng" algn="ctr">
-                      <a:solidFill>
-                        <a:schemeClr val="tx1"/>
-                      </a:solidFill>
-                      <a:prstDash val="solid"/>
-                      <a:round/>
-                      <a:headEnd type="none" w="med" len="med"/>
-                      <a:tailEnd type="none" w="med" len="med"/>
-                    </a:lnL>
-                    <a:lnR w="12700" cap="flat" cmpd="sng" algn="ctr">
-                      <a:solidFill>
-                        <a:schemeClr val="tx1"/>
-                      </a:solidFill>
-                      <a:prstDash val="solid"/>
-                      <a:round/>
-                      <a:headEnd type="none" w="med" len="med"/>
-                      <a:tailEnd type="none" w="med" len="med"/>
-                    </a:lnR>
-                    <a:lnT w="12700" cap="flat" cmpd="sng" algn="ctr">
-                      <a:solidFill>
-                        <a:schemeClr val="tx1"/>
-                      </a:solidFill>
-                      <a:prstDash val="solid"/>
-                      <a:round/>
-                      <a:headEnd type="none" w="med" len="med"/>
-                      <a:tailEnd type="none" w="med" len="med"/>
-                    </a:lnT>
-                    <a:lnB w="12700" cap="flat" cmpd="sng" algn="ctr">
-                      <a:solidFill>
-                        <a:schemeClr val="tx1"/>
-                      </a:solidFill>
-                      <a:prstDash val="solid"/>
-                      <a:round/>
-                      <a:headEnd type="none" w="med" len="med"/>
-                      <a:tailEnd type="none" w="med" len="med"/>
-                    </a:lnB>
-                  </a:tcPr>
-                </a:tc>
-                <a:tc>
-                  <a:txBody>
-                    <a:bodyPr/>
-                    <a:lstStyle/>
-                    <a:p>
-                      <a:pPr algn="r" fontAlgn="b"/>
-                      <a:r>
-                        <a:rPr lang="en-US" sz="1100" u="none" strike="noStrike" dirty="0">
-                          <a:effectLst/>
-                        </a:rPr>
-                        <a:t>3</a:t>
-                      </a:r>
-                      <a:endParaRPr lang="en-US" sz="1100" b="0" i="0" u="none" strike="noStrike" dirty="0">
-                        <a:solidFill>
-                          <a:srgbClr val="000000"/>
-                        </a:solidFill>
-                        <a:effectLst/>
-                        <a:latin typeface="Calibri" panose="020F0502020204030204" pitchFamily="34" charset="0"/>
-                      </a:endParaRPr>
-                    </a:p>
-                  </a:txBody>
-                  <a:tcPr marL="6350" marR="6350" marT="6350" marB="0" anchor="b">
-                    <a:lnL w="12700" cap="flat" cmpd="sng" algn="ctr">
-                      <a:solidFill>
-                        <a:schemeClr val="tx1"/>
-                      </a:solidFill>
-                      <a:prstDash val="solid"/>
-                      <a:round/>
-                      <a:headEnd type="none" w="med" len="med"/>
-                      <a:tailEnd type="none" w="med" len="med"/>
-                    </a:lnL>
-                    <a:lnR w="12700" cap="flat" cmpd="sng" algn="ctr">
-                      <a:solidFill>
-                        <a:schemeClr val="tx1"/>
-                      </a:solidFill>
-                      <a:prstDash val="solid"/>
-                      <a:round/>
-                      <a:headEnd type="none" w="med" len="med"/>
-                      <a:tailEnd type="none" w="med" len="med"/>
-                    </a:lnR>
-                    <a:lnT w="12700" cap="flat" cmpd="sng" algn="ctr">
-                      <a:solidFill>
-                        <a:schemeClr val="tx1"/>
-                      </a:solidFill>
-                      <a:prstDash val="solid"/>
-                      <a:round/>
-                      <a:headEnd type="none" w="med" len="med"/>
-                      <a:tailEnd type="none" w="med" len="med"/>
-                    </a:lnT>
-                    <a:lnB w="12700" cap="flat" cmpd="sng" algn="ctr">
-                      <a:solidFill>
-                        <a:schemeClr val="tx1"/>
-                      </a:solidFill>
-                      <a:prstDash val="solid"/>
-                      <a:round/>
-                      <a:headEnd type="none" w="med" len="med"/>
-                      <a:tailEnd type="none" w="med" len="med"/>
-                    </a:lnB>
-                  </a:tcPr>
-                </a:tc>
-                <a:tc>
-                  <a:txBody>
-                    <a:bodyPr/>
-                    <a:lstStyle/>
-                    <a:p>
-                      <a:pPr algn="r" fontAlgn="b"/>
-                      <a:r>
-                        <a:rPr lang="en-US" sz="1100" b="0" i="0" u="none" strike="noStrike" dirty="0">
-                          <a:solidFill>
-                            <a:srgbClr val="000000"/>
-                          </a:solidFill>
-                          <a:effectLst/>
-                          <a:latin typeface="Calibri" panose="020F0502020204030204" pitchFamily="34" charset="0"/>
-                        </a:rPr>
-                        <a:t>3.3</a:t>
-                      </a:r>
-                    </a:p>
-                  </a:txBody>
-                  <a:tcPr marL="6350" marR="6350" marT="6350" marB="0" anchor="b">
-                    <a:lnL w="12700" cap="flat" cmpd="sng" algn="ctr">
-                      <a:solidFill>
-                        <a:schemeClr val="tx1"/>
-                      </a:solidFill>
-                      <a:prstDash val="solid"/>
-                      <a:round/>
-                      <a:headEnd type="none" w="med" len="med"/>
-                      <a:tailEnd type="none" w="med" len="med"/>
-                    </a:lnL>
-                    <a:lnR w="12700" cap="flat" cmpd="sng" algn="ctr">
-                      <a:solidFill>
-                        <a:schemeClr val="tx1"/>
-                      </a:solidFill>
-                      <a:prstDash val="solid"/>
-                      <a:round/>
-                      <a:headEnd type="none" w="med" len="med"/>
-                      <a:tailEnd type="none" w="med" len="med"/>
-                    </a:lnR>
-                    <a:lnT w="12700" cap="flat" cmpd="sng" algn="ctr">
-                      <a:solidFill>
-                        <a:schemeClr val="tx1"/>
-                      </a:solidFill>
-                      <a:prstDash val="solid"/>
-                      <a:round/>
-                      <a:headEnd type="none" w="med" len="med"/>
-                      <a:tailEnd type="none" w="med" len="med"/>
-                    </a:lnT>
-                    <a:lnB w="12700" cap="flat" cmpd="sng" algn="ctr">
-                      <a:solidFill>
-                        <a:schemeClr val="tx1"/>
-                      </a:solidFill>
-                      <a:prstDash val="solid"/>
-                      <a:round/>
-                      <a:headEnd type="none" w="med" len="med"/>
-                      <a:tailEnd type="none" w="med" len="med"/>
-                    </a:lnB>
-                  </a:tcPr>
-                </a:tc>
-                <a:extLst>
-                  <a:ext uri="{0D108BD9-81ED-4DB2-BD59-A6C34878D82A}">
-                    <a16:rowId xmlns:a16="http://schemas.microsoft.com/office/drawing/2014/main" val="1435051076"/>
-                  </a:ext>
-                </a:extLst>
-              </a:tr>
-              <a:tr h="494128">
-                <a:tc>
-                  <a:txBody>
-                    <a:bodyPr/>
-                    <a:lstStyle/>
-                    <a:p>
-                      <a:pPr algn="l" fontAlgn="b"/>
-                      <a:r>
-                        <a:rPr lang="en-US" sz="1100" u="none" strike="noStrike">
-                          <a:effectLst/>
-                        </a:rPr>
-                        <a:t>2019_cincinnati-bengals</a:t>
-                      </a:r>
-                      <a:endParaRPr lang="en-US" sz="1100" b="0" i="0" u="none" strike="noStrike">
-                        <a:solidFill>
-                          <a:srgbClr val="000000"/>
-                        </a:solidFill>
-                        <a:effectLst/>
-                        <a:latin typeface="Calibri" panose="020F0502020204030204" pitchFamily="34" charset="0"/>
-                      </a:endParaRPr>
-                    </a:p>
-                  </a:txBody>
-                  <a:tcPr marL="6350" marR="6350" marT="6350" marB="0" anchor="b">
-                    <a:lnL w="12700" cap="flat" cmpd="sng" algn="ctr">
-                      <a:solidFill>
-                        <a:schemeClr val="tx1"/>
-                      </a:solidFill>
-                      <a:prstDash val="solid"/>
-                      <a:round/>
-                      <a:headEnd type="none" w="med" len="med"/>
-                      <a:tailEnd type="none" w="med" len="med"/>
-                    </a:lnL>
-                    <a:lnR w="12700" cap="flat" cmpd="sng" algn="ctr">
-                      <a:solidFill>
-                        <a:schemeClr val="tx1"/>
-                      </a:solidFill>
-                      <a:prstDash val="solid"/>
-                      <a:round/>
-                      <a:headEnd type="none" w="med" len="med"/>
-                      <a:tailEnd type="none" w="med" len="med"/>
-                    </a:lnR>
-                    <a:lnT w="12700" cap="flat" cmpd="sng" algn="ctr">
-                      <a:solidFill>
-                        <a:schemeClr val="tx1"/>
-                      </a:solidFill>
-                      <a:prstDash val="solid"/>
-                      <a:round/>
-                      <a:headEnd type="none" w="med" len="med"/>
-                      <a:tailEnd type="none" w="med" len="med"/>
-                    </a:lnT>
-                    <a:lnB w="12700" cap="flat" cmpd="sng" algn="ctr">
-                      <a:solidFill>
-                        <a:schemeClr val="tx1"/>
-                      </a:solidFill>
-                      <a:prstDash val="solid"/>
-                      <a:round/>
-                      <a:headEnd type="none" w="med" len="med"/>
-                      <a:tailEnd type="none" w="med" len="med"/>
-                    </a:lnB>
-                  </a:tcPr>
-                </a:tc>
-                <a:tc>
-                  <a:txBody>
-                    <a:bodyPr/>
-                    <a:lstStyle/>
-                    <a:p>
-                      <a:pPr algn="r" fontAlgn="b"/>
-                      <a:r>
-                        <a:rPr lang="en-US" sz="1100" u="none" strike="noStrike">
-                          <a:effectLst/>
-                        </a:rPr>
-                        <a:t>42.7%</a:t>
-                      </a:r>
-                      <a:endParaRPr lang="en-US" sz="1100" b="0" i="0" u="none" strike="noStrike">
-                        <a:solidFill>
-                          <a:srgbClr val="000000"/>
-                        </a:solidFill>
-                        <a:effectLst/>
-                        <a:latin typeface="Calibri" panose="020F0502020204030204" pitchFamily="34" charset="0"/>
-                      </a:endParaRPr>
-                    </a:p>
-                  </a:txBody>
-                  <a:tcPr marL="6350" marR="6350" marT="6350" marB="0" anchor="b">
-                    <a:lnL w="12700" cap="flat" cmpd="sng" algn="ctr">
-                      <a:solidFill>
-                        <a:schemeClr val="tx1"/>
-                      </a:solidFill>
-                      <a:prstDash val="solid"/>
-                      <a:round/>
-                      <a:headEnd type="none" w="med" len="med"/>
-                      <a:tailEnd type="none" w="med" len="med"/>
-                    </a:lnL>
-                    <a:lnR w="12700" cap="flat" cmpd="sng" algn="ctr">
-                      <a:solidFill>
-                        <a:schemeClr val="tx1"/>
-                      </a:solidFill>
-                      <a:prstDash val="solid"/>
-                      <a:round/>
-                      <a:headEnd type="none" w="med" len="med"/>
-                      <a:tailEnd type="none" w="med" len="med"/>
-                    </a:lnR>
-                    <a:lnT w="12700" cap="flat" cmpd="sng" algn="ctr">
-                      <a:solidFill>
-                        <a:schemeClr val="tx1"/>
-                      </a:solidFill>
-                      <a:prstDash val="solid"/>
-                      <a:round/>
-                      <a:headEnd type="none" w="med" len="med"/>
-                      <a:tailEnd type="none" w="med" len="med"/>
-                    </a:lnT>
-                    <a:lnB w="12700" cap="flat" cmpd="sng" algn="ctr">
-                      <a:solidFill>
-                        <a:schemeClr val="tx1"/>
-                      </a:solidFill>
-                      <a:prstDash val="solid"/>
-                      <a:round/>
-                      <a:headEnd type="none" w="med" len="med"/>
-                      <a:tailEnd type="none" w="med" len="med"/>
-                    </a:lnB>
-                  </a:tcPr>
-                </a:tc>
-                <a:tc>
-                  <a:txBody>
-                    <a:bodyPr/>
-                    <a:lstStyle/>
-                    <a:p>
-                      <a:pPr algn="r" fontAlgn="b"/>
-                      <a:r>
-                        <a:rPr lang="en-US" sz="1100" u="none" strike="noStrike">
-                          <a:effectLst/>
-                        </a:rPr>
-                        <a:t>27.0%</a:t>
-                      </a:r>
-                      <a:endParaRPr lang="en-US" sz="1100" b="0" i="0" u="none" strike="noStrike">
-                        <a:solidFill>
-                          <a:srgbClr val="000000"/>
-                        </a:solidFill>
-                        <a:effectLst/>
-                        <a:latin typeface="Calibri" panose="020F0502020204030204" pitchFamily="34" charset="0"/>
-                      </a:endParaRPr>
-                    </a:p>
-                  </a:txBody>
-                  <a:tcPr marL="6350" marR="6350" marT="6350" marB="0" anchor="b">
-                    <a:lnL w="12700" cap="flat" cmpd="sng" algn="ctr">
-                      <a:solidFill>
-                        <a:schemeClr val="tx1"/>
-                      </a:solidFill>
-                      <a:prstDash val="solid"/>
-                      <a:round/>
-                      <a:headEnd type="none" w="med" len="med"/>
-                      <a:tailEnd type="none" w="med" len="med"/>
-                    </a:lnL>
-                    <a:lnR w="12700" cap="flat" cmpd="sng" algn="ctr">
-                      <a:solidFill>
-                        <a:schemeClr val="tx1"/>
-                      </a:solidFill>
-                      <a:prstDash val="solid"/>
-                      <a:round/>
-                      <a:headEnd type="none" w="med" len="med"/>
-                      <a:tailEnd type="none" w="med" len="med"/>
-                    </a:lnR>
-                    <a:lnT w="12700" cap="flat" cmpd="sng" algn="ctr">
-                      <a:solidFill>
-                        <a:schemeClr val="tx1"/>
-                      </a:solidFill>
-                      <a:prstDash val="solid"/>
-                      <a:round/>
-                      <a:headEnd type="none" w="med" len="med"/>
-                      <a:tailEnd type="none" w="med" len="med"/>
-                    </a:lnT>
-                    <a:lnB w="12700" cap="flat" cmpd="sng" algn="ctr">
-                      <a:solidFill>
-                        <a:schemeClr val="tx1"/>
-                      </a:solidFill>
-                      <a:prstDash val="solid"/>
-                      <a:round/>
-                      <a:headEnd type="none" w="med" len="med"/>
-                      <a:tailEnd type="none" w="med" len="med"/>
-                    </a:lnB>
-                  </a:tcPr>
-                </a:tc>
-                <a:tc>
-                  <a:txBody>
-                    <a:bodyPr/>
-                    <a:lstStyle/>
-                    <a:p>
-                      <a:pPr algn="r" fontAlgn="b"/>
-                      <a:r>
-                        <a:rPr lang="en-US" sz="1100" u="none" strike="noStrike">
-                          <a:effectLst/>
-                        </a:rPr>
-                        <a:t>3.1%</a:t>
-                      </a:r>
-                      <a:endParaRPr lang="en-US" sz="1100" b="0" i="0" u="none" strike="noStrike">
-                        <a:solidFill>
-                          <a:srgbClr val="000000"/>
-                        </a:solidFill>
-                        <a:effectLst/>
-                        <a:latin typeface="Calibri" panose="020F0502020204030204" pitchFamily="34" charset="0"/>
-                      </a:endParaRPr>
-                    </a:p>
-                  </a:txBody>
-                  <a:tcPr marL="6350" marR="6350" marT="6350" marB="0" anchor="b">
-                    <a:lnL w="12700" cap="flat" cmpd="sng" algn="ctr">
-                      <a:solidFill>
-                        <a:schemeClr val="tx1"/>
-                      </a:solidFill>
-                      <a:prstDash val="solid"/>
-                      <a:round/>
-                      <a:headEnd type="none" w="med" len="med"/>
-                      <a:tailEnd type="none" w="med" len="med"/>
-                    </a:lnL>
-                    <a:lnR w="12700" cap="flat" cmpd="sng" algn="ctr">
-                      <a:solidFill>
-                        <a:schemeClr val="tx1"/>
-                      </a:solidFill>
-                      <a:prstDash val="solid"/>
-                      <a:round/>
-                      <a:headEnd type="none" w="med" len="med"/>
-                      <a:tailEnd type="none" w="med" len="med"/>
-                    </a:lnR>
-                    <a:lnT w="12700" cap="flat" cmpd="sng" algn="ctr">
-                      <a:solidFill>
-                        <a:schemeClr val="tx1"/>
-                      </a:solidFill>
-                      <a:prstDash val="solid"/>
-                      <a:round/>
-                      <a:headEnd type="none" w="med" len="med"/>
-                      <a:tailEnd type="none" w="med" len="med"/>
-                    </a:lnT>
-                    <a:lnB w="12700" cap="flat" cmpd="sng" algn="ctr">
-                      <a:solidFill>
-                        <a:schemeClr val="tx1"/>
-                      </a:solidFill>
-                      <a:prstDash val="solid"/>
-                      <a:round/>
-                      <a:headEnd type="none" w="med" len="med"/>
-                      <a:tailEnd type="none" w="med" len="med"/>
-                    </a:lnB>
-                  </a:tcPr>
-                </a:tc>
-                <a:tc>
-                  <a:txBody>
-                    <a:bodyPr/>
-                    <a:lstStyle/>
-                    <a:p>
-                      <a:pPr algn="r" fontAlgn="b"/>
-                      <a:r>
-                        <a:rPr lang="en-US" sz="1100" u="none" strike="noStrike" dirty="0">
-                          <a:effectLst/>
-                        </a:rPr>
-                        <a:t>19.5%</a:t>
-                      </a:r>
-                      <a:endParaRPr lang="en-US" sz="1100" b="0" i="0" u="none" strike="noStrike" dirty="0">
-                        <a:solidFill>
-                          <a:srgbClr val="000000"/>
-                        </a:solidFill>
-                        <a:effectLst/>
-                        <a:latin typeface="Calibri" panose="020F0502020204030204" pitchFamily="34" charset="0"/>
-                      </a:endParaRPr>
-                    </a:p>
-                  </a:txBody>
-                  <a:tcPr marL="6350" marR="6350" marT="6350" marB="0" anchor="b">
-                    <a:lnL w="12700" cap="flat" cmpd="sng" algn="ctr">
-                      <a:solidFill>
-                        <a:schemeClr val="tx1"/>
-                      </a:solidFill>
-                      <a:prstDash val="solid"/>
-                      <a:round/>
-                      <a:headEnd type="none" w="med" len="med"/>
-                      <a:tailEnd type="none" w="med" len="med"/>
-                    </a:lnL>
-                    <a:lnR w="12700" cap="flat" cmpd="sng" algn="ctr">
-                      <a:solidFill>
-                        <a:schemeClr val="tx1"/>
-                      </a:solidFill>
-                      <a:prstDash val="solid"/>
-                      <a:round/>
-                      <a:headEnd type="none" w="med" len="med"/>
-                      <a:tailEnd type="none" w="med" len="med"/>
-                    </a:lnR>
-                    <a:lnT w="12700" cap="flat" cmpd="sng" algn="ctr">
-                      <a:solidFill>
-                        <a:schemeClr val="tx1"/>
-                      </a:solidFill>
-                      <a:prstDash val="solid"/>
-                      <a:round/>
-                      <a:headEnd type="none" w="med" len="med"/>
-                      <a:tailEnd type="none" w="med" len="med"/>
-                    </a:lnT>
-                    <a:lnB w="12700" cap="flat" cmpd="sng" algn="ctr">
-                      <a:solidFill>
-                        <a:schemeClr val="tx1"/>
-                      </a:solidFill>
-                      <a:prstDash val="solid"/>
-                      <a:round/>
-                      <a:headEnd type="none" w="med" len="med"/>
-                      <a:tailEnd type="none" w="med" len="med"/>
-                    </a:lnB>
-                  </a:tcPr>
-                </a:tc>
-                <a:tc>
-                  <a:txBody>
-                    <a:bodyPr/>
-                    <a:lstStyle/>
-                    <a:p>
-                      <a:pPr algn="r" fontAlgn="b"/>
-                      <a:r>
-                        <a:rPr lang="en-US" sz="1100" u="none" strike="noStrike" dirty="0">
-                          <a:effectLst/>
-                        </a:rPr>
-                        <a:t>7.7%</a:t>
-                      </a:r>
-                      <a:endParaRPr lang="en-US" sz="1100" b="0" i="0" u="none" strike="noStrike" dirty="0">
-                        <a:solidFill>
-                          <a:srgbClr val="000000"/>
-                        </a:solidFill>
-                        <a:effectLst/>
-                        <a:latin typeface="Calibri" panose="020F0502020204030204" pitchFamily="34" charset="0"/>
-                      </a:endParaRPr>
-                    </a:p>
-                  </a:txBody>
-                  <a:tcPr marL="6350" marR="6350" marT="6350" marB="0" anchor="b">
-                    <a:lnL w="12700" cap="flat" cmpd="sng" algn="ctr">
-                      <a:solidFill>
-                        <a:schemeClr val="tx1"/>
-                      </a:solidFill>
-                      <a:prstDash val="solid"/>
-                      <a:round/>
-                      <a:headEnd type="none" w="med" len="med"/>
-                      <a:tailEnd type="none" w="med" len="med"/>
-                    </a:lnL>
-                    <a:lnR w="12700" cap="flat" cmpd="sng" algn="ctr">
-                      <a:solidFill>
-                        <a:schemeClr val="tx1"/>
-                      </a:solidFill>
-                      <a:prstDash val="solid"/>
-                      <a:round/>
-                      <a:headEnd type="none" w="med" len="med"/>
-                      <a:tailEnd type="none" w="med" len="med"/>
-                    </a:lnR>
-                    <a:lnT w="12700" cap="flat" cmpd="sng" algn="ctr">
-                      <a:solidFill>
-                        <a:schemeClr val="tx1"/>
-                      </a:solidFill>
-                      <a:prstDash val="solid"/>
-                      <a:round/>
-                      <a:headEnd type="none" w="med" len="med"/>
-                      <a:tailEnd type="none" w="med" len="med"/>
-                    </a:lnT>
-                    <a:lnB w="12700" cap="flat" cmpd="sng" algn="ctr">
-                      <a:solidFill>
-                        <a:schemeClr val="tx1"/>
-                      </a:solidFill>
-                      <a:prstDash val="solid"/>
-                      <a:round/>
-                      <a:headEnd type="none" w="med" len="med"/>
-                      <a:tailEnd type="none" w="med" len="med"/>
-                    </a:lnB>
-                  </a:tcPr>
-                </a:tc>
-                <a:tc>
-                  <a:txBody>
-                    <a:bodyPr/>
-                    <a:lstStyle/>
-                    <a:p>
-                      <a:pPr algn="r" fontAlgn="b"/>
-                      <a:r>
-                        <a:rPr lang="en-US" sz="1100" u="none" strike="noStrike" dirty="0">
-                          <a:effectLst/>
-                        </a:rPr>
-                        <a:t>2</a:t>
-                      </a:r>
-                      <a:endParaRPr lang="en-US" sz="1100" b="0" i="0" u="none" strike="noStrike" dirty="0">
-                        <a:solidFill>
-                          <a:srgbClr val="000000"/>
-                        </a:solidFill>
-                        <a:effectLst/>
-                        <a:latin typeface="Calibri" panose="020F0502020204030204" pitchFamily="34" charset="0"/>
-                      </a:endParaRPr>
-                    </a:p>
-                  </a:txBody>
-                  <a:tcPr marL="6350" marR="6350" marT="6350" marB="0" anchor="b">
-                    <a:lnL w="12700" cap="flat" cmpd="sng" algn="ctr">
-                      <a:solidFill>
-                        <a:schemeClr val="tx1"/>
-                      </a:solidFill>
-                      <a:prstDash val="solid"/>
-                      <a:round/>
-                      <a:headEnd type="none" w="med" len="med"/>
-                      <a:tailEnd type="none" w="med" len="med"/>
-                    </a:lnL>
-                    <a:lnR w="12700" cap="flat" cmpd="sng" algn="ctr">
-                      <a:solidFill>
-                        <a:schemeClr val="tx1"/>
-                      </a:solidFill>
-                      <a:prstDash val="solid"/>
-                      <a:round/>
-                      <a:headEnd type="none" w="med" len="med"/>
-                      <a:tailEnd type="none" w="med" len="med"/>
-                    </a:lnR>
-                    <a:lnT w="12700" cap="flat" cmpd="sng" algn="ctr">
-                      <a:solidFill>
-                        <a:schemeClr val="tx1"/>
-                      </a:solidFill>
-                      <a:prstDash val="solid"/>
-                      <a:round/>
-                      <a:headEnd type="none" w="med" len="med"/>
-                      <a:tailEnd type="none" w="med" len="med"/>
-                    </a:lnT>
-                    <a:lnB w="12700" cap="flat" cmpd="sng" algn="ctr">
-                      <a:solidFill>
-                        <a:schemeClr val="tx1"/>
-                      </a:solidFill>
-                      <a:prstDash val="solid"/>
-                      <a:round/>
-                      <a:headEnd type="none" w="med" len="med"/>
-                      <a:tailEnd type="none" w="med" len="med"/>
-                    </a:lnB>
-                  </a:tcPr>
-                </a:tc>
-                <a:tc>
-                  <a:txBody>
-                    <a:bodyPr/>
-                    <a:lstStyle/>
-                    <a:p>
-                      <a:pPr algn="r" fontAlgn="b"/>
-                      <a:r>
-                        <a:rPr lang="en-US" sz="1100" b="0" i="0" u="none" strike="noStrike" dirty="0">
-                          <a:solidFill>
-                            <a:srgbClr val="000000"/>
-                          </a:solidFill>
-                          <a:effectLst/>
-                          <a:latin typeface="Calibri" panose="020F0502020204030204" pitchFamily="34" charset="0"/>
-                        </a:rPr>
-                        <a:t>7.6</a:t>
-                      </a:r>
-                    </a:p>
-                  </a:txBody>
-                  <a:tcPr marL="6350" marR="6350" marT="6350" marB="0" anchor="b">
-                    <a:lnL w="12700" cap="flat" cmpd="sng" algn="ctr">
-                      <a:solidFill>
-                        <a:schemeClr val="tx1"/>
-                      </a:solidFill>
-                      <a:prstDash val="solid"/>
-                      <a:round/>
-                      <a:headEnd type="none" w="med" len="med"/>
-                      <a:tailEnd type="none" w="med" len="med"/>
-                    </a:lnL>
-                    <a:lnR w="12700" cap="flat" cmpd="sng" algn="ctr">
-                      <a:solidFill>
-                        <a:schemeClr val="tx1"/>
-                      </a:solidFill>
-                      <a:prstDash val="solid"/>
-                      <a:round/>
-                      <a:headEnd type="none" w="med" len="med"/>
-                      <a:tailEnd type="none" w="med" len="med"/>
-                    </a:lnR>
-                    <a:lnT w="12700" cap="flat" cmpd="sng" algn="ctr">
-                      <a:solidFill>
-                        <a:schemeClr val="tx1"/>
-                      </a:solidFill>
-                      <a:prstDash val="solid"/>
-                      <a:round/>
-                      <a:headEnd type="none" w="med" len="med"/>
-                      <a:tailEnd type="none" w="med" len="med"/>
-                    </a:lnT>
-                    <a:lnB w="12700" cap="flat" cmpd="sng" algn="ctr">
-                      <a:solidFill>
-                        <a:schemeClr val="tx1"/>
-                      </a:solidFill>
-                      <a:prstDash val="solid"/>
-                      <a:round/>
-                      <a:headEnd type="none" w="med" len="med"/>
-                      <a:tailEnd type="none" w="med" len="med"/>
-                    </a:lnB>
-                  </a:tcPr>
-                </a:tc>
-                <a:extLst>
-                  <a:ext uri="{0D108BD9-81ED-4DB2-BD59-A6C34878D82A}">
-                    <a16:rowId xmlns:a16="http://schemas.microsoft.com/office/drawing/2014/main" val="495728268"/>
-                  </a:ext>
-                </a:extLst>
-              </a:tr>
-            </a:tbl>
-          </a:graphicData>
-        </a:graphic>
-      </p:graphicFrame>
-    </p:spTree>
-    <p:extLst>
-      <p:ext uri="{BB962C8B-B14F-4D97-AF65-F5344CB8AC3E}">
-        <p14:creationId xmlns:p14="http://schemas.microsoft.com/office/powerpoint/2010/main" val="837160724"/>
       </p:ext>
     </p:extLst>
   </p:cSld>
@@ -11135,6 +8654,2600 @@
           <a:p>
             <a:r>
               <a:rPr lang="en-US" dirty="0"/>
+              <a:t>Results –Linear Regression (cont.)</a:t>
+            </a:r>
+          </a:p>
+        </p:txBody>
+      </p:sp>
+      <p:graphicFrame>
+        <p:nvGraphicFramePr>
+          <p:cNvPr id="8" name="Table 7">
+            <a:extLst>
+              <a:ext uri="{FF2B5EF4-FFF2-40B4-BE49-F238E27FC236}">
+                <a16:creationId xmlns:a16="http://schemas.microsoft.com/office/drawing/2014/main" id="{364D9821-0A46-4414-9A0C-20D36077396B}"/>
+              </a:ext>
+            </a:extLst>
+          </p:cNvPr>
+          <p:cNvGraphicFramePr>
+            <a:graphicFrameLocks noGrp="1"/>
+          </p:cNvGraphicFramePr>
+          <p:nvPr>
+            <p:extLst>
+              <p:ext uri="{D42A27DB-BD31-4B8C-83A1-F6EECF244321}">
+                <p14:modId xmlns:p14="http://schemas.microsoft.com/office/powerpoint/2010/main" val="2729057494"/>
+              </p:ext>
+            </p:extLst>
+          </p:nvPr>
+        </p:nvGraphicFramePr>
+        <p:xfrm>
+          <a:off x="1097279" y="2038350"/>
+          <a:ext cx="10058399" cy="3752850"/>
+        </p:xfrm>
+        <a:graphic>
+          <a:graphicData uri="http://schemas.openxmlformats.org/drawingml/2006/table">
+            <a:tbl>
+              <a:tblPr>
+                <a:tableStyleId>{5C22544A-7EE6-4342-B048-85BDC9FD1C3A}</a:tableStyleId>
+              </a:tblPr>
+              <a:tblGrid>
+                <a:gridCol w="2793985">
+                  <a:extLst>
+                    <a:ext uri="{9D8B030D-6E8A-4147-A177-3AD203B41FA5}">
+                      <a16:colId xmlns:a16="http://schemas.microsoft.com/office/drawing/2014/main" val="2998220633"/>
+                    </a:ext>
+                  </a:extLst>
+                </a:gridCol>
+                <a:gridCol w="1047744">
+                  <a:extLst>
+                    <a:ext uri="{9D8B030D-6E8A-4147-A177-3AD203B41FA5}">
+                      <a16:colId xmlns:a16="http://schemas.microsoft.com/office/drawing/2014/main" val="2589166848"/>
+                    </a:ext>
+                  </a:extLst>
+                </a:gridCol>
+                <a:gridCol w="1047744">
+                  <a:extLst>
+                    <a:ext uri="{9D8B030D-6E8A-4147-A177-3AD203B41FA5}">
+                      <a16:colId xmlns:a16="http://schemas.microsoft.com/office/drawing/2014/main" val="3503351473"/>
+                    </a:ext>
+                  </a:extLst>
+                </a:gridCol>
+                <a:gridCol w="1047744">
+                  <a:extLst>
+                    <a:ext uri="{9D8B030D-6E8A-4147-A177-3AD203B41FA5}">
+                      <a16:colId xmlns:a16="http://schemas.microsoft.com/office/drawing/2014/main" val="2709023322"/>
+                    </a:ext>
+                  </a:extLst>
+                </a:gridCol>
+                <a:gridCol w="1047744">
+                  <a:extLst>
+                    <a:ext uri="{9D8B030D-6E8A-4147-A177-3AD203B41FA5}">
+                      <a16:colId xmlns:a16="http://schemas.microsoft.com/office/drawing/2014/main" val="1023396034"/>
+                    </a:ext>
+                  </a:extLst>
+                </a:gridCol>
+                <a:gridCol w="1067239">
+                  <a:extLst>
+                    <a:ext uri="{9D8B030D-6E8A-4147-A177-3AD203B41FA5}">
+                      <a16:colId xmlns:a16="http://schemas.microsoft.com/office/drawing/2014/main" val="1680344114"/>
+                    </a:ext>
+                  </a:extLst>
+                </a:gridCol>
+                <a:gridCol w="958455">
+                  <a:extLst>
+                    <a:ext uri="{9D8B030D-6E8A-4147-A177-3AD203B41FA5}">
+                      <a16:colId xmlns:a16="http://schemas.microsoft.com/office/drawing/2014/main" val="4242648734"/>
+                    </a:ext>
+                  </a:extLst>
+                </a:gridCol>
+                <a:gridCol w="1047744">
+                  <a:extLst>
+                    <a:ext uri="{9D8B030D-6E8A-4147-A177-3AD203B41FA5}">
+                      <a16:colId xmlns:a16="http://schemas.microsoft.com/office/drawing/2014/main" val="4001402377"/>
+                    </a:ext>
+                  </a:extLst>
+                </a:gridCol>
+              </a:tblGrid>
+              <a:tr h="750570">
+                <a:tc>
+                  <a:txBody>
+                    <a:bodyPr/>
+                    <a:lstStyle/>
+                    <a:p>
+                      <a:pPr algn="ctr" fontAlgn="b"/>
+                      <a:r>
+                        <a:rPr lang="en-US" sz="1400" b="1" u="none" strike="noStrike" dirty="0">
+                          <a:effectLst/>
+                        </a:rPr>
+                        <a:t>Year-Team</a:t>
+                      </a:r>
+                      <a:endParaRPr lang="en-US" sz="1400" b="1" i="0" u="none" strike="noStrike" dirty="0">
+                        <a:solidFill>
+                          <a:srgbClr val="000000"/>
+                        </a:solidFill>
+                        <a:effectLst/>
+                        <a:latin typeface="Calibri" panose="020F0502020204030204" pitchFamily="34" charset="0"/>
+                      </a:endParaRPr>
+                    </a:p>
+                  </a:txBody>
+                  <a:tcPr marL="6350" marR="6350" marT="6350" marB="0" anchor="b">
+                    <a:lnL w="12700" cap="flat" cmpd="sng" algn="ctr">
+                      <a:solidFill>
+                        <a:schemeClr val="tx1"/>
+                      </a:solidFill>
+                      <a:prstDash val="solid"/>
+                      <a:round/>
+                      <a:headEnd type="none" w="med" len="med"/>
+                      <a:tailEnd type="none" w="med" len="med"/>
+                    </a:lnL>
+                    <a:lnR w="12700" cap="flat" cmpd="sng" algn="ctr">
+                      <a:solidFill>
+                        <a:schemeClr val="tx1"/>
+                      </a:solidFill>
+                      <a:prstDash val="solid"/>
+                      <a:round/>
+                      <a:headEnd type="none" w="med" len="med"/>
+                      <a:tailEnd type="none" w="med" len="med"/>
+                    </a:lnR>
+                    <a:lnT w="12700" cap="flat" cmpd="sng" algn="ctr">
+                      <a:solidFill>
+                        <a:schemeClr val="tx1"/>
+                      </a:solidFill>
+                      <a:prstDash val="solid"/>
+                      <a:round/>
+                      <a:headEnd type="none" w="med" len="med"/>
+                      <a:tailEnd type="none" w="med" len="med"/>
+                    </a:lnT>
+                    <a:lnB w="12700" cap="flat" cmpd="sng" algn="ctr">
+                      <a:solidFill>
+                        <a:schemeClr val="tx1"/>
+                      </a:solidFill>
+                      <a:prstDash val="solid"/>
+                      <a:round/>
+                      <a:headEnd type="none" w="med" len="med"/>
+                      <a:tailEnd type="none" w="med" len="med"/>
+                    </a:lnB>
+                    <a:solidFill>
+                      <a:schemeClr val="accent1"/>
+                    </a:solidFill>
+                  </a:tcPr>
+                </a:tc>
+                <a:tc>
+                  <a:txBody>
+                    <a:bodyPr/>
+                    <a:lstStyle/>
+                    <a:p>
+                      <a:pPr algn="ctr" fontAlgn="b"/>
+                      <a:r>
+                        <a:rPr lang="en-US" sz="1400" b="1" u="none" strike="noStrike" dirty="0">
+                          <a:effectLst/>
+                        </a:rPr>
+                        <a:t>Offense %</a:t>
+                      </a:r>
+                      <a:endParaRPr lang="en-US" sz="1400" b="1" i="0" u="none" strike="noStrike" dirty="0">
+                        <a:solidFill>
+                          <a:srgbClr val="000000"/>
+                        </a:solidFill>
+                        <a:effectLst/>
+                        <a:latin typeface="Calibri" panose="020F0502020204030204" pitchFamily="34" charset="0"/>
+                      </a:endParaRPr>
+                    </a:p>
+                  </a:txBody>
+                  <a:tcPr marL="6350" marR="6350" marT="6350" marB="0" anchor="b">
+                    <a:lnL w="12700" cap="flat" cmpd="sng" algn="ctr">
+                      <a:solidFill>
+                        <a:schemeClr val="tx1"/>
+                      </a:solidFill>
+                      <a:prstDash val="solid"/>
+                      <a:round/>
+                      <a:headEnd type="none" w="med" len="med"/>
+                      <a:tailEnd type="none" w="med" len="med"/>
+                    </a:lnL>
+                    <a:lnR w="12700" cap="flat" cmpd="sng" algn="ctr">
+                      <a:solidFill>
+                        <a:schemeClr val="tx1"/>
+                      </a:solidFill>
+                      <a:prstDash val="solid"/>
+                      <a:round/>
+                      <a:headEnd type="none" w="med" len="med"/>
+                      <a:tailEnd type="none" w="med" len="med"/>
+                    </a:lnR>
+                    <a:lnT w="12700" cap="flat" cmpd="sng" algn="ctr">
+                      <a:solidFill>
+                        <a:schemeClr val="tx1"/>
+                      </a:solidFill>
+                      <a:prstDash val="solid"/>
+                      <a:round/>
+                      <a:headEnd type="none" w="med" len="med"/>
+                      <a:tailEnd type="none" w="med" len="med"/>
+                    </a:lnT>
+                    <a:lnB w="12700" cap="flat" cmpd="sng" algn="ctr">
+                      <a:solidFill>
+                        <a:schemeClr val="tx1"/>
+                      </a:solidFill>
+                      <a:prstDash val="solid"/>
+                      <a:round/>
+                      <a:headEnd type="none" w="med" len="med"/>
+                      <a:tailEnd type="none" w="med" len="med"/>
+                    </a:lnB>
+                    <a:solidFill>
+                      <a:schemeClr val="accent1"/>
+                    </a:solidFill>
+                  </a:tcPr>
+                </a:tc>
+                <a:tc>
+                  <a:txBody>
+                    <a:bodyPr/>
+                    <a:lstStyle/>
+                    <a:p>
+                      <a:pPr algn="ctr" fontAlgn="b"/>
+                      <a:r>
+                        <a:rPr lang="en-US" sz="1400" b="1" u="none" strike="noStrike" dirty="0">
+                          <a:effectLst/>
+                        </a:rPr>
+                        <a:t>Defense %</a:t>
+                      </a:r>
+                      <a:endParaRPr lang="en-US" sz="1400" b="1" i="0" u="none" strike="noStrike" dirty="0">
+                        <a:solidFill>
+                          <a:srgbClr val="000000"/>
+                        </a:solidFill>
+                        <a:effectLst/>
+                        <a:latin typeface="Calibri" panose="020F0502020204030204" pitchFamily="34" charset="0"/>
+                      </a:endParaRPr>
+                    </a:p>
+                  </a:txBody>
+                  <a:tcPr marL="6350" marR="6350" marT="6350" marB="0" anchor="b">
+                    <a:lnL w="12700" cap="flat" cmpd="sng" algn="ctr">
+                      <a:solidFill>
+                        <a:schemeClr val="tx1"/>
+                      </a:solidFill>
+                      <a:prstDash val="solid"/>
+                      <a:round/>
+                      <a:headEnd type="none" w="med" len="med"/>
+                      <a:tailEnd type="none" w="med" len="med"/>
+                    </a:lnL>
+                    <a:lnR w="12700" cap="flat" cmpd="sng" algn="ctr">
+                      <a:solidFill>
+                        <a:schemeClr val="tx1"/>
+                      </a:solidFill>
+                      <a:prstDash val="solid"/>
+                      <a:round/>
+                      <a:headEnd type="none" w="med" len="med"/>
+                      <a:tailEnd type="none" w="med" len="med"/>
+                    </a:lnR>
+                    <a:lnT w="12700" cap="flat" cmpd="sng" algn="ctr">
+                      <a:solidFill>
+                        <a:schemeClr val="tx1"/>
+                      </a:solidFill>
+                      <a:prstDash val="solid"/>
+                      <a:round/>
+                      <a:headEnd type="none" w="med" len="med"/>
+                      <a:tailEnd type="none" w="med" len="med"/>
+                    </a:lnT>
+                    <a:lnB w="12700" cap="flat" cmpd="sng" algn="ctr">
+                      <a:solidFill>
+                        <a:schemeClr val="tx1"/>
+                      </a:solidFill>
+                      <a:prstDash val="solid"/>
+                      <a:round/>
+                      <a:headEnd type="none" w="med" len="med"/>
+                      <a:tailEnd type="none" w="med" len="med"/>
+                    </a:lnB>
+                    <a:solidFill>
+                      <a:schemeClr val="accent1"/>
+                    </a:solidFill>
+                  </a:tcPr>
+                </a:tc>
+                <a:tc>
+                  <a:txBody>
+                    <a:bodyPr/>
+                    <a:lstStyle/>
+                    <a:p>
+                      <a:pPr algn="ctr" fontAlgn="b"/>
+                      <a:r>
+                        <a:rPr lang="en-US" sz="1400" b="1" u="none" strike="noStrike" dirty="0">
+                          <a:effectLst/>
+                        </a:rPr>
+                        <a:t>Specialty %</a:t>
+                      </a:r>
+                      <a:endParaRPr lang="en-US" sz="1400" b="1" i="0" u="none" strike="noStrike" dirty="0">
+                        <a:solidFill>
+                          <a:srgbClr val="000000"/>
+                        </a:solidFill>
+                        <a:effectLst/>
+                        <a:latin typeface="Calibri" panose="020F0502020204030204" pitchFamily="34" charset="0"/>
+                      </a:endParaRPr>
+                    </a:p>
+                  </a:txBody>
+                  <a:tcPr marL="6350" marR="6350" marT="6350" marB="0" anchor="b">
+                    <a:lnL w="12700" cap="flat" cmpd="sng" algn="ctr">
+                      <a:solidFill>
+                        <a:schemeClr val="tx1"/>
+                      </a:solidFill>
+                      <a:prstDash val="solid"/>
+                      <a:round/>
+                      <a:headEnd type="none" w="med" len="med"/>
+                      <a:tailEnd type="none" w="med" len="med"/>
+                    </a:lnL>
+                    <a:lnR w="12700" cap="flat" cmpd="sng" algn="ctr">
+                      <a:solidFill>
+                        <a:schemeClr val="tx1"/>
+                      </a:solidFill>
+                      <a:prstDash val="solid"/>
+                      <a:round/>
+                      <a:headEnd type="none" w="med" len="med"/>
+                      <a:tailEnd type="none" w="med" len="med"/>
+                    </a:lnR>
+                    <a:lnT w="12700" cap="flat" cmpd="sng" algn="ctr">
+                      <a:solidFill>
+                        <a:schemeClr val="tx1"/>
+                      </a:solidFill>
+                      <a:prstDash val="solid"/>
+                      <a:round/>
+                      <a:headEnd type="none" w="med" len="med"/>
+                      <a:tailEnd type="none" w="med" len="med"/>
+                    </a:lnT>
+                    <a:lnB w="12700" cap="flat" cmpd="sng" algn="ctr">
+                      <a:solidFill>
+                        <a:schemeClr val="tx1"/>
+                      </a:solidFill>
+                      <a:prstDash val="solid"/>
+                      <a:round/>
+                      <a:headEnd type="none" w="med" len="med"/>
+                      <a:tailEnd type="none" w="med" len="med"/>
+                    </a:lnB>
+                    <a:solidFill>
+                      <a:schemeClr val="accent1"/>
+                    </a:solidFill>
+                  </a:tcPr>
+                </a:tc>
+                <a:tc>
+                  <a:txBody>
+                    <a:bodyPr/>
+                    <a:lstStyle/>
+                    <a:p>
+                      <a:pPr algn="ctr" fontAlgn="b"/>
+                      <a:r>
+                        <a:rPr lang="en-US" sz="1400" b="1" u="none" strike="noStrike" dirty="0">
+                          <a:effectLst/>
+                        </a:rPr>
+                        <a:t>Injured %</a:t>
+                      </a:r>
+                      <a:endParaRPr lang="en-US" sz="1400" b="1" i="0" u="none" strike="noStrike" dirty="0">
+                        <a:solidFill>
+                          <a:srgbClr val="000000"/>
+                        </a:solidFill>
+                        <a:effectLst/>
+                        <a:latin typeface="Calibri" panose="020F0502020204030204" pitchFamily="34" charset="0"/>
+                      </a:endParaRPr>
+                    </a:p>
+                  </a:txBody>
+                  <a:tcPr marL="6350" marR="6350" marT="6350" marB="0" anchor="b">
+                    <a:lnL w="12700" cap="flat" cmpd="sng" algn="ctr">
+                      <a:solidFill>
+                        <a:schemeClr val="tx1"/>
+                      </a:solidFill>
+                      <a:prstDash val="solid"/>
+                      <a:round/>
+                      <a:headEnd type="none" w="med" len="med"/>
+                      <a:tailEnd type="none" w="med" len="med"/>
+                    </a:lnL>
+                    <a:lnR w="12700" cap="flat" cmpd="sng" algn="ctr">
+                      <a:solidFill>
+                        <a:schemeClr val="tx1"/>
+                      </a:solidFill>
+                      <a:prstDash val="solid"/>
+                      <a:round/>
+                      <a:headEnd type="none" w="med" len="med"/>
+                      <a:tailEnd type="none" w="med" len="med"/>
+                    </a:lnR>
+                    <a:lnT w="12700" cap="flat" cmpd="sng" algn="ctr">
+                      <a:solidFill>
+                        <a:schemeClr val="tx1"/>
+                      </a:solidFill>
+                      <a:prstDash val="solid"/>
+                      <a:round/>
+                      <a:headEnd type="none" w="med" len="med"/>
+                      <a:tailEnd type="none" w="med" len="med"/>
+                    </a:lnT>
+                    <a:lnB w="12700" cap="flat" cmpd="sng" algn="ctr">
+                      <a:solidFill>
+                        <a:schemeClr val="tx1"/>
+                      </a:solidFill>
+                      <a:prstDash val="solid"/>
+                      <a:round/>
+                      <a:headEnd type="none" w="med" len="med"/>
+                      <a:tailEnd type="none" w="med" len="med"/>
+                    </a:lnB>
+                    <a:solidFill>
+                      <a:schemeClr val="accent1"/>
+                    </a:solidFill>
+                  </a:tcPr>
+                </a:tc>
+                <a:tc>
+                  <a:txBody>
+                    <a:bodyPr/>
+                    <a:lstStyle/>
+                    <a:p>
+                      <a:pPr algn="ctr" fontAlgn="b"/>
+                      <a:r>
+                        <a:rPr lang="en-US" sz="1400" b="1" u="none" strike="noStrike" dirty="0">
+                          <a:effectLst/>
+                        </a:rPr>
+                        <a:t>Dead Cap %</a:t>
+                      </a:r>
+                      <a:endParaRPr lang="en-US" sz="1400" b="1" i="0" u="none" strike="noStrike" dirty="0">
+                        <a:solidFill>
+                          <a:srgbClr val="000000"/>
+                        </a:solidFill>
+                        <a:effectLst/>
+                        <a:latin typeface="Calibri" panose="020F0502020204030204" pitchFamily="34" charset="0"/>
+                      </a:endParaRPr>
+                    </a:p>
+                  </a:txBody>
+                  <a:tcPr marL="6350" marR="6350" marT="6350" marB="0" anchor="b">
+                    <a:lnL w="12700" cap="flat" cmpd="sng" algn="ctr">
+                      <a:solidFill>
+                        <a:schemeClr val="tx1"/>
+                      </a:solidFill>
+                      <a:prstDash val="solid"/>
+                      <a:round/>
+                      <a:headEnd type="none" w="med" len="med"/>
+                      <a:tailEnd type="none" w="med" len="med"/>
+                    </a:lnL>
+                    <a:lnR w="12700" cap="flat" cmpd="sng" algn="ctr">
+                      <a:solidFill>
+                        <a:schemeClr val="tx1"/>
+                      </a:solidFill>
+                      <a:prstDash val="solid"/>
+                      <a:round/>
+                      <a:headEnd type="none" w="med" len="med"/>
+                      <a:tailEnd type="none" w="med" len="med"/>
+                    </a:lnR>
+                    <a:lnT w="12700" cap="flat" cmpd="sng" algn="ctr">
+                      <a:solidFill>
+                        <a:schemeClr val="tx1"/>
+                      </a:solidFill>
+                      <a:prstDash val="solid"/>
+                      <a:round/>
+                      <a:headEnd type="none" w="med" len="med"/>
+                      <a:tailEnd type="none" w="med" len="med"/>
+                    </a:lnT>
+                    <a:lnB w="12700" cap="flat" cmpd="sng" algn="ctr">
+                      <a:solidFill>
+                        <a:schemeClr val="tx1"/>
+                      </a:solidFill>
+                      <a:prstDash val="solid"/>
+                      <a:round/>
+                      <a:headEnd type="none" w="med" len="med"/>
+                      <a:tailEnd type="none" w="med" len="med"/>
+                    </a:lnB>
+                    <a:solidFill>
+                      <a:schemeClr val="accent1"/>
+                    </a:solidFill>
+                  </a:tcPr>
+                </a:tc>
+                <a:tc>
+                  <a:txBody>
+                    <a:bodyPr/>
+                    <a:lstStyle/>
+                    <a:p>
+                      <a:pPr algn="ctr" fontAlgn="b"/>
+                      <a:r>
+                        <a:rPr lang="en-US" sz="1400" b="1" u="none" strike="noStrike" dirty="0">
+                          <a:effectLst/>
+                        </a:rPr>
+                        <a:t>Wins</a:t>
+                      </a:r>
+                      <a:endParaRPr lang="en-US" sz="1400" b="1" i="0" u="none" strike="noStrike" dirty="0">
+                        <a:solidFill>
+                          <a:srgbClr val="000000"/>
+                        </a:solidFill>
+                        <a:effectLst/>
+                        <a:latin typeface="Calibri" panose="020F0502020204030204" pitchFamily="34" charset="0"/>
+                      </a:endParaRPr>
+                    </a:p>
+                  </a:txBody>
+                  <a:tcPr marL="6350" marR="6350" marT="6350" marB="0" anchor="b">
+                    <a:lnL w="12700" cap="flat" cmpd="sng" algn="ctr">
+                      <a:solidFill>
+                        <a:schemeClr val="tx1"/>
+                      </a:solidFill>
+                      <a:prstDash val="solid"/>
+                      <a:round/>
+                      <a:headEnd type="none" w="med" len="med"/>
+                      <a:tailEnd type="none" w="med" len="med"/>
+                    </a:lnL>
+                    <a:lnR w="12700" cap="flat" cmpd="sng" algn="ctr">
+                      <a:solidFill>
+                        <a:schemeClr val="tx1"/>
+                      </a:solidFill>
+                      <a:prstDash val="solid"/>
+                      <a:round/>
+                      <a:headEnd type="none" w="med" len="med"/>
+                      <a:tailEnd type="none" w="med" len="med"/>
+                    </a:lnR>
+                    <a:lnT w="12700" cap="flat" cmpd="sng" algn="ctr">
+                      <a:solidFill>
+                        <a:schemeClr val="tx1"/>
+                      </a:solidFill>
+                      <a:prstDash val="solid"/>
+                      <a:round/>
+                      <a:headEnd type="none" w="med" len="med"/>
+                      <a:tailEnd type="none" w="med" len="med"/>
+                    </a:lnT>
+                    <a:lnB w="12700" cap="flat" cmpd="sng" algn="ctr">
+                      <a:solidFill>
+                        <a:schemeClr val="tx1"/>
+                      </a:solidFill>
+                      <a:prstDash val="solid"/>
+                      <a:round/>
+                      <a:headEnd type="none" w="med" len="med"/>
+                      <a:tailEnd type="none" w="med" len="med"/>
+                    </a:lnB>
+                    <a:solidFill>
+                      <a:schemeClr val="accent1"/>
+                    </a:solidFill>
+                  </a:tcPr>
+                </a:tc>
+                <a:tc>
+                  <a:txBody>
+                    <a:bodyPr/>
+                    <a:lstStyle/>
+                    <a:p>
+                      <a:pPr algn="ctr" fontAlgn="b"/>
+                      <a:r>
+                        <a:rPr lang="en-US" sz="1400" b="1" i="0" u="none" strike="noStrike" dirty="0">
+                          <a:solidFill>
+                            <a:srgbClr val="000000"/>
+                          </a:solidFill>
+                          <a:effectLst/>
+                          <a:latin typeface="Calibri" panose="020F0502020204030204" pitchFamily="34" charset="0"/>
+                        </a:rPr>
+                        <a:t>Predicated-Wins</a:t>
+                      </a:r>
+                    </a:p>
+                  </a:txBody>
+                  <a:tcPr marL="6350" marR="6350" marT="6350" marB="0" anchor="b">
+                    <a:lnL w="12700" cap="flat" cmpd="sng" algn="ctr">
+                      <a:solidFill>
+                        <a:schemeClr val="tx1"/>
+                      </a:solidFill>
+                      <a:prstDash val="solid"/>
+                      <a:round/>
+                      <a:headEnd type="none" w="med" len="med"/>
+                      <a:tailEnd type="none" w="med" len="med"/>
+                    </a:lnL>
+                    <a:lnR w="12700" cap="flat" cmpd="sng" algn="ctr">
+                      <a:solidFill>
+                        <a:schemeClr val="tx1"/>
+                      </a:solidFill>
+                      <a:prstDash val="solid"/>
+                      <a:round/>
+                      <a:headEnd type="none" w="med" len="med"/>
+                      <a:tailEnd type="none" w="med" len="med"/>
+                    </a:lnR>
+                    <a:lnT w="12700" cap="flat" cmpd="sng" algn="ctr">
+                      <a:solidFill>
+                        <a:schemeClr val="tx1"/>
+                      </a:solidFill>
+                      <a:prstDash val="solid"/>
+                      <a:round/>
+                      <a:headEnd type="none" w="med" len="med"/>
+                      <a:tailEnd type="none" w="med" len="med"/>
+                    </a:lnT>
+                    <a:lnB w="12700" cap="flat" cmpd="sng" algn="ctr">
+                      <a:solidFill>
+                        <a:schemeClr val="tx1"/>
+                      </a:solidFill>
+                      <a:prstDash val="solid"/>
+                      <a:round/>
+                      <a:headEnd type="none" w="med" len="med"/>
+                      <a:tailEnd type="none" w="med" len="med"/>
+                    </a:lnB>
+                    <a:solidFill>
+                      <a:schemeClr val="accent1"/>
+                    </a:solidFill>
+                  </a:tcPr>
+                </a:tc>
+                <a:extLst>
+                  <a:ext uri="{0D108BD9-81ED-4DB2-BD59-A6C34878D82A}">
+                    <a16:rowId xmlns:a16="http://schemas.microsoft.com/office/drawing/2014/main" val="2172870679"/>
+                  </a:ext>
+                </a:extLst>
+              </a:tr>
+              <a:tr h="750570">
+                <a:tc>
+                  <a:txBody>
+                    <a:bodyPr/>
+                    <a:lstStyle/>
+                    <a:p>
+                      <a:pPr algn="l" fontAlgn="b"/>
+                      <a:r>
+                        <a:rPr lang="en-US" sz="1400" u="none" strike="noStrike" dirty="0">
+                          <a:effectLst/>
+                        </a:rPr>
+                        <a:t>2019_san-francisco-49ers</a:t>
+                      </a:r>
+                      <a:endParaRPr lang="en-US" sz="1400" b="0" i="0" u="none" strike="noStrike" dirty="0">
+                        <a:solidFill>
+                          <a:srgbClr val="000000"/>
+                        </a:solidFill>
+                        <a:effectLst/>
+                        <a:latin typeface="Calibri" panose="020F0502020204030204" pitchFamily="34" charset="0"/>
+                      </a:endParaRPr>
+                    </a:p>
+                  </a:txBody>
+                  <a:tcPr marL="6350" marR="6350" marT="6350" marB="0" anchor="b">
+                    <a:lnL w="12700" cap="flat" cmpd="sng" algn="ctr">
+                      <a:solidFill>
+                        <a:schemeClr val="tx1"/>
+                      </a:solidFill>
+                      <a:prstDash val="solid"/>
+                      <a:round/>
+                      <a:headEnd type="none" w="med" len="med"/>
+                      <a:tailEnd type="none" w="med" len="med"/>
+                    </a:lnL>
+                    <a:lnR w="12700" cap="flat" cmpd="sng" algn="ctr">
+                      <a:solidFill>
+                        <a:schemeClr val="tx1"/>
+                      </a:solidFill>
+                      <a:prstDash val="solid"/>
+                      <a:round/>
+                      <a:headEnd type="none" w="med" len="med"/>
+                      <a:tailEnd type="none" w="med" len="med"/>
+                    </a:lnR>
+                    <a:lnT w="12700" cap="flat" cmpd="sng" algn="ctr">
+                      <a:solidFill>
+                        <a:schemeClr val="tx1"/>
+                      </a:solidFill>
+                      <a:prstDash val="solid"/>
+                      <a:round/>
+                      <a:headEnd type="none" w="med" len="med"/>
+                      <a:tailEnd type="none" w="med" len="med"/>
+                    </a:lnT>
+                    <a:lnB w="12700" cap="flat" cmpd="sng" algn="ctr">
+                      <a:solidFill>
+                        <a:schemeClr val="tx1"/>
+                      </a:solidFill>
+                      <a:prstDash val="solid"/>
+                      <a:round/>
+                      <a:headEnd type="none" w="med" len="med"/>
+                      <a:tailEnd type="none" w="med" len="med"/>
+                    </a:lnB>
+                  </a:tcPr>
+                </a:tc>
+                <a:tc>
+                  <a:txBody>
+                    <a:bodyPr/>
+                    <a:lstStyle/>
+                    <a:p>
+                      <a:pPr algn="r" fontAlgn="b"/>
+                      <a:r>
+                        <a:rPr lang="en-US" sz="1400" u="none" strike="noStrike" dirty="0">
+                          <a:effectLst/>
+                        </a:rPr>
+                        <a:t>33.0%</a:t>
+                      </a:r>
+                      <a:endParaRPr lang="en-US" sz="1400" b="0" i="0" u="none" strike="noStrike" dirty="0">
+                        <a:solidFill>
+                          <a:srgbClr val="000000"/>
+                        </a:solidFill>
+                        <a:effectLst/>
+                        <a:latin typeface="Calibri" panose="020F0502020204030204" pitchFamily="34" charset="0"/>
+                      </a:endParaRPr>
+                    </a:p>
+                  </a:txBody>
+                  <a:tcPr marL="6350" marR="6350" marT="6350" marB="0" anchor="b">
+                    <a:lnL w="12700" cap="flat" cmpd="sng" algn="ctr">
+                      <a:solidFill>
+                        <a:schemeClr val="tx1"/>
+                      </a:solidFill>
+                      <a:prstDash val="solid"/>
+                      <a:round/>
+                      <a:headEnd type="none" w="med" len="med"/>
+                      <a:tailEnd type="none" w="med" len="med"/>
+                    </a:lnL>
+                    <a:lnR w="12700" cap="flat" cmpd="sng" algn="ctr">
+                      <a:solidFill>
+                        <a:schemeClr val="tx1"/>
+                      </a:solidFill>
+                      <a:prstDash val="solid"/>
+                      <a:round/>
+                      <a:headEnd type="none" w="med" len="med"/>
+                      <a:tailEnd type="none" w="med" len="med"/>
+                    </a:lnR>
+                    <a:lnT w="12700" cap="flat" cmpd="sng" algn="ctr">
+                      <a:solidFill>
+                        <a:schemeClr val="tx1"/>
+                      </a:solidFill>
+                      <a:prstDash val="solid"/>
+                      <a:round/>
+                      <a:headEnd type="none" w="med" len="med"/>
+                      <a:tailEnd type="none" w="med" len="med"/>
+                    </a:lnT>
+                    <a:lnB w="12700" cap="flat" cmpd="sng" algn="ctr">
+                      <a:solidFill>
+                        <a:schemeClr val="tx1"/>
+                      </a:solidFill>
+                      <a:prstDash val="solid"/>
+                      <a:round/>
+                      <a:headEnd type="none" w="med" len="med"/>
+                      <a:tailEnd type="none" w="med" len="med"/>
+                    </a:lnB>
+                  </a:tcPr>
+                </a:tc>
+                <a:tc>
+                  <a:txBody>
+                    <a:bodyPr/>
+                    <a:lstStyle/>
+                    <a:p>
+                      <a:pPr algn="r" fontAlgn="b"/>
+                      <a:r>
+                        <a:rPr lang="en-US" sz="1400" u="none" strike="noStrike" dirty="0">
+                          <a:effectLst/>
+                        </a:rPr>
+                        <a:t>34.8%</a:t>
+                      </a:r>
+                      <a:endParaRPr lang="en-US" sz="1400" b="0" i="0" u="none" strike="noStrike" dirty="0">
+                        <a:solidFill>
+                          <a:srgbClr val="000000"/>
+                        </a:solidFill>
+                        <a:effectLst/>
+                        <a:latin typeface="Calibri" panose="020F0502020204030204" pitchFamily="34" charset="0"/>
+                      </a:endParaRPr>
+                    </a:p>
+                  </a:txBody>
+                  <a:tcPr marL="6350" marR="6350" marT="6350" marB="0" anchor="b">
+                    <a:lnL w="12700" cap="flat" cmpd="sng" algn="ctr">
+                      <a:solidFill>
+                        <a:schemeClr val="tx1"/>
+                      </a:solidFill>
+                      <a:prstDash val="solid"/>
+                      <a:round/>
+                      <a:headEnd type="none" w="med" len="med"/>
+                      <a:tailEnd type="none" w="med" len="med"/>
+                    </a:lnL>
+                    <a:lnR w="12700" cap="flat" cmpd="sng" algn="ctr">
+                      <a:solidFill>
+                        <a:schemeClr val="tx1"/>
+                      </a:solidFill>
+                      <a:prstDash val="solid"/>
+                      <a:round/>
+                      <a:headEnd type="none" w="med" len="med"/>
+                      <a:tailEnd type="none" w="med" len="med"/>
+                    </a:lnR>
+                    <a:lnT w="12700" cap="flat" cmpd="sng" algn="ctr">
+                      <a:solidFill>
+                        <a:schemeClr val="tx1"/>
+                      </a:solidFill>
+                      <a:prstDash val="solid"/>
+                      <a:round/>
+                      <a:headEnd type="none" w="med" len="med"/>
+                      <a:tailEnd type="none" w="med" len="med"/>
+                    </a:lnT>
+                    <a:lnB w="12700" cap="flat" cmpd="sng" algn="ctr">
+                      <a:solidFill>
+                        <a:schemeClr val="tx1"/>
+                      </a:solidFill>
+                      <a:prstDash val="solid"/>
+                      <a:round/>
+                      <a:headEnd type="none" w="med" len="med"/>
+                      <a:tailEnd type="none" w="med" len="med"/>
+                    </a:lnB>
+                  </a:tcPr>
+                </a:tc>
+                <a:tc>
+                  <a:txBody>
+                    <a:bodyPr/>
+                    <a:lstStyle/>
+                    <a:p>
+                      <a:pPr algn="r" fontAlgn="b"/>
+                      <a:r>
+                        <a:rPr lang="en-US" sz="1400" u="none" strike="noStrike" dirty="0">
+                          <a:effectLst/>
+                        </a:rPr>
+                        <a:t>2.5%</a:t>
+                      </a:r>
+                      <a:endParaRPr lang="en-US" sz="1400" b="0" i="0" u="none" strike="noStrike" dirty="0">
+                        <a:solidFill>
+                          <a:srgbClr val="000000"/>
+                        </a:solidFill>
+                        <a:effectLst/>
+                        <a:latin typeface="Calibri" panose="020F0502020204030204" pitchFamily="34" charset="0"/>
+                      </a:endParaRPr>
+                    </a:p>
+                  </a:txBody>
+                  <a:tcPr marL="6350" marR="6350" marT="6350" marB="0" anchor="b">
+                    <a:lnL w="12700" cap="flat" cmpd="sng" algn="ctr">
+                      <a:solidFill>
+                        <a:schemeClr val="tx1"/>
+                      </a:solidFill>
+                      <a:prstDash val="solid"/>
+                      <a:round/>
+                      <a:headEnd type="none" w="med" len="med"/>
+                      <a:tailEnd type="none" w="med" len="med"/>
+                    </a:lnL>
+                    <a:lnR w="12700" cap="flat" cmpd="sng" algn="ctr">
+                      <a:solidFill>
+                        <a:schemeClr val="tx1"/>
+                      </a:solidFill>
+                      <a:prstDash val="solid"/>
+                      <a:round/>
+                      <a:headEnd type="none" w="med" len="med"/>
+                      <a:tailEnd type="none" w="med" len="med"/>
+                    </a:lnR>
+                    <a:lnT w="12700" cap="flat" cmpd="sng" algn="ctr">
+                      <a:solidFill>
+                        <a:schemeClr val="tx1"/>
+                      </a:solidFill>
+                      <a:prstDash val="solid"/>
+                      <a:round/>
+                      <a:headEnd type="none" w="med" len="med"/>
+                      <a:tailEnd type="none" w="med" len="med"/>
+                    </a:lnT>
+                    <a:lnB w="12700" cap="flat" cmpd="sng" algn="ctr">
+                      <a:solidFill>
+                        <a:schemeClr val="tx1"/>
+                      </a:solidFill>
+                      <a:prstDash val="solid"/>
+                      <a:round/>
+                      <a:headEnd type="none" w="med" len="med"/>
+                      <a:tailEnd type="none" w="med" len="med"/>
+                    </a:lnB>
+                  </a:tcPr>
+                </a:tc>
+                <a:tc>
+                  <a:txBody>
+                    <a:bodyPr/>
+                    <a:lstStyle/>
+                    <a:p>
+                      <a:pPr algn="r" fontAlgn="b"/>
+                      <a:r>
+                        <a:rPr lang="en-US" sz="1400" u="none" strike="noStrike" dirty="0">
+                          <a:effectLst/>
+                        </a:rPr>
+                        <a:t>18.0%</a:t>
+                      </a:r>
+                      <a:endParaRPr lang="en-US" sz="1400" b="0" i="0" u="none" strike="noStrike" dirty="0">
+                        <a:solidFill>
+                          <a:srgbClr val="000000"/>
+                        </a:solidFill>
+                        <a:effectLst/>
+                        <a:latin typeface="Calibri" panose="020F0502020204030204" pitchFamily="34" charset="0"/>
+                      </a:endParaRPr>
+                    </a:p>
+                  </a:txBody>
+                  <a:tcPr marL="6350" marR="6350" marT="6350" marB="0" anchor="b">
+                    <a:lnL w="12700" cap="flat" cmpd="sng" algn="ctr">
+                      <a:solidFill>
+                        <a:schemeClr val="tx1"/>
+                      </a:solidFill>
+                      <a:prstDash val="solid"/>
+                      <a:round/>
+                      <a:headEnd type="none" w="med" len="med"/>
+                      <a:tailEnd type="none" w="med" len="med"/>
+                    </a:lnL>
+                    <a:lnR w="12700" cap="flat" cmpd="sng" algn="ctr">
+                      <a:solidFill>
+                        <a:schemeClr val="tx1"/>
+                      </a:solidFill>
+                      <a:prstDash val="solid"/>
+                      <a:round/>
+                      <a:headEnd type="none" w="med" len="med"/>
+                      <a:tailEnd type="none" w="med" len="med"/>
+                    </a:lnR>
+                    <a:lnT w="12700" cap="flat" cmpd="sng" algn="ctr">
+                      <a:solidFill>
+                        <a:schemeClr val="tx1"/>
+                      </a:solidFill>
+                      <a:prstDash val="solid"/>
+                      <a:round/>
+                      <a:headEnd type="none" w="med" len="med"/>
+                      <a:tailEnd type="none" w="med" len="med"/>
+                    </a:lnT>
+                    <a:lnB w="12700" cap="flat" cmpd="sng" algn="ctr">
+                      <a:solidFill>
+                        <a:schemeClr val="tx1"/>
+                      </a:solidFill>
+                      <a:prstDash val="solid"/>
+                      <a:round/>
+                      <a:headEnd type="none" w="med" len="med"/>
+                      <a:tailEnd type="none" w="med" len="med"/>
+                    </a:lnB>
+                  </a:tcPr>
+                </a:tc>
+                <a:tc>
+                  <a:txBody>
+                    <a:bodyPr/>
+                    <a:lstStyle/>
+                    <a:p>
+                      <a:pPr algn="r" fontAlgn="b"/>
+                      <a:r>
+                        <a:rPr lang="en-US" sz="1400" u="none" strike="noStrike" dirty="0">
+                          <a:effectLst/>
+                        </a:rPr>
+                        <a:t>11.7%</a:t>
+                      </a:r>
+                      <a:endParaRPr lang="en-US" sz="1400" b="0" i="0" u="none" strike="noStrike" dirty="0">
+                        <a:solidFill>
+                          <a:srgbClr val="000000"/>
+                        </a:solidFill>
+                        <a:effectLst/>
+                        <a:latin typeface="Calibri" panose="020F0502020204030204" pitchFamily="34" charset="0"/>
+                      </a:endParaRPr>
+                    </a:p>
+                  </a:txBody>
+                  <a:tcPr marL="6350" marR="6350" marT="6350" marB="0" anchor="b">
+                    <a:lnL w="12700" cap="flat" cmpd="sng" algn="ctr">
+                      <a:solidFill>
+                        <a:schemeClr val="tx1"/>
+                      </a:solidFill>
+                      <a:prstDash val="solid"/>
+                      <a:round/>
+                      <a:headEnd type="none" w="med" len="med"/>
+                      <a:tailEnd type="none" w="med" len="med"/>
+                    </a:lnL>
+                    <a:lnR w="12700" cap="flat" cmpd="sng" algn="ctr">
+                      <a:solidFill>
+                        <a:schemeClr val="tx1"/>
+                      </a:solidFill>
+                      <a:prstDash val="solid"/>
+                      <a:round/>
+                      <a:headEnd type="none" w="med" len="med"/>
+                      <a:tailEnd type="none" w="med" len="med"/>
+                    </a:lnR>
+                    <a:lnT w="12700" cap="flat" cmpd="sng" algn="ctr">
+                      <a:solidFill>
+                        <a:schemeClr val="tx1"/>
+                      </a:solidFill>
+                      <a:prstDash val="solid"/>
+                      <a:round/>
+                      <a:headEnd type="none" w="med" len="med"/>
+                      <a:tailEnd type="none" w="med" len="med"/>
+                    </a:lnT>
+                    <a:lnB w="12700" cap="flat" cmpd="sng" algn="ctr">
+                      <a:solidFill>
+                        <a:schemeClr val="tx1"/>
+                      </a:solidFill>
+                      <a:prstDash val="solid"/>
+                      <a:round/>
+                      <a:headEnd type="none" w="med" len="med"/>
+                      <a:tailEnd type="none" w="med" len="med"/>
+                    </a:lnB>
+                  </a:tcPr>
+                </a:tc>
+                <a:tc>
+                  <a:txBody>
+                    <a:bodyPr/>
+                    <a:lstStyle/>
+                    <a:p>
+                      <a:pPr algn="r" fontAlgn="b"/>
+                      <a:r>
+                        <a:rPr lang="en-US" sz="1400" u="none" strike="noStrike" dirty="0">
+                          <a:effectLst/>
+                        </a:rPr>
+                        <a:t>13</a:t>
+                      </a:r>
+                      <a:endParaRPr lang="en-US" sz="1400" b="0" i="0" u="none" strike="noStrike" dirty="0">
+                        <a:solidFill>
+                          <a:srgbClr val="000000"/>
+                        </a:solidFill>
+                        <a:effectLst/>
+                        <a:latin typeface="Calibri" panose="020F0502020204030204" pitchFamily="34" charset="0"/>
+                      </a:endParaRPr>
+                    </a:p>
+                  </a:txBody>
+                  <a:tcPr marL="6350" marR="6350" marT="6350" marB="0" anchor="b">
+                    <a:lnL w="12700" cap="flat" cmpd="sng" algn="ctr">
+                      <a:solidFill>
+                        <a:schemeClr val="tx1"/>
+                      </a:solidFill>
+                      <a:prstDash val="solid"/>
+                      <a:round/>
+                      <a:headEnd type="none" w="med" len="med"/>
+                      <a:tailEnd type="none" w="med" len="med"/>
+                    </a:lnL>
+                    <a:lnR w="12700" cap="flat" cmpd="sng" algn="ctr">
+                      <a:solidFill>
+                        <a:schemeClr val="tx1"/>
+                      </a:solidFill>
+                      <a:prstDash val="solid"/>
+                      <a:round/>
+                      <a:headEnd type="none" w="med" len="med"/>
+                      <a:tailEnd type="none" w="med" len="med"/>
+                    </a:lnR>
+                    <a:lnT w="12700" cap="flat" cmpd="sng" algn="ctr">
+                      <a:solidFill>
+                        <a:schemeClr val="tx1"/>
+                      </a:solidFill>
+                      <a:prstDash val="solid"/>
+                      <a:round/>
+                      <a:headEnd type="none" w="med" len="med"/>
+                      <a:tailEnd type="none" w="med" len="med"/>
+                    </a:lnT>
+                    <a:lnB w="12700" cap="flat" cmpd="sng" algn="ctr">
+                      <a:solidFill>
+                        <a:schemeClr val="tx1"/>
+                      </a:solidFill>
+                      <a:prstDash val="solid"/>
+                      <a:round/>
+                      <a:headEnd type="none" w="med" len="med"/>
+                      <a:tailEnd type="none" w="med" len="med"/>
+                    </a:lnB>
+                  </a:tcPr>
+                </a:tc>
+                <a:tc>
+                  <a:txBody>
+                    <a:bodyPr/>
+                    <a:lstStyle/>
+                    <a:p>
+                      <a:pPr algn="r" fontAlgn="b"/>
+                      <a:r>
+                        <a:rPr lang="en-US" sz="1400" b="0" i="0" u="none" strike="noStrike" dirty="0">
+                          <a:solidFill>
+                            <a:srgbClr val="000000"/>
+                          </a:solidFill>
+                          <a:effectLst/>
+                          <a:latin typeface="Calibri" panose="020F0502020204030204" pitchFamily="34" charset="0"/>
+                        </a:rPr>
+                        <a:t>7.1</a:t>
+                      </a:r>
+                    </a:p>
+                  </a:txBody>
+                  <a:tcPr marL="6350" marR="6350" marT="6350" marB="0" anchor="b">
+                    <a:lnL w="12700" cap="flat" cmpd="sng" algn="ctr">
+                      <a:solidFill>
+                        <a:schemeClr val="tx1"/>
+                      </a:solidFill>
+                      <a:prstDash val="solid"/>
+                      <a:round/>
+                      <a:headEnd type="none" w="med" len="med"/>
+                      <a:tailEnd type="none" w="med" len="med"/>
+                    </a:lnL>
+                    <a:lnR w="12700" cap="flat" cmpd="sng" algn="ctr">
+                      <a:solidFill>
+                        <a:schemeClr val="tx1"/>
+                      </a:solidFill>
+                      <a:prstDash val="solid"/>
+                      <a:round/>
+                      <a:headEnd type="none" w="med" len="med"/>
+                      <a:tailEnd type="none" w="med" len="med"/>
+                    </a:lnR>
+                    <a:lnT w="12700" cap="flat" cmpd="sng" algn="ctr">
+                      <a:solidFill>
+                        <a:schemeClr val="tx1"/>
+                      </a:solidFill>
+                      <a:prstDash val="solid"/>
+                      <a:round/>
+                      <a:headEnd type="none" w="med" len="med"/>
+                      <a:tailEnd type="none" w="med" len="med"/>
+                    </a:lnT>
+                    <a:lnB w="12700" cap="flat" cmpd="sng" algn="ctr">
+                      <a:solidFill>
+                        <a:schemeClr val="tx1"/>
+                      </a:solidFill>
+                      <a:prstDash val="solid"/>
+                      <a:round/>
+                      <a:headEnd type="none" w="med" len="med"/>
+                      <a:tailEnd type="none" w="med" len="med"/>
+                    </a:lnB>
+                  </a:tcPr>
+                </a:tc>
+                <a:extLst>
+                  <a:ext uri="{0D108BD9-81ED-4DB2-BD59-A6C34878D82A}">
+                    <a16:rowId xmlns:a16="http://schemas.microsoft.com/office/drawing/2014/main" val="4001381198"/>
+                  </a:ext>
+                </a:extLst>
+              </a:tr>
+              <a:tr h="750570">
+                <a:tc>
+                  <a:txBody>
+                    <a:bodyPr/>
+                    <a:lstStyle/>
+                    <a:p>
+                      <a:pPr algn="l" fontAlgn="b"/>
+                      <a:r>
+                        <a:rPr lang="en-US" sz="1400" u="none" strike="noStrike" dirty="0">
+                          <a:effectLst/>
+                        </a:rPr>
+                        <a:t>2019_kansas-city-chiefs</a:t>
+                      </a:r>
+                      <a:endParaRPr lang="en-US" sz="1400" b="0" i="0" u="none" strike="noStrike" dirty="0">
+                        <a:solidFill>
+                          <a:srgbClr val="000000"/>
+                        </a:solidFill>
+                        <a:effectLst/>
+                        <a:latin typeface="Calibri" panose="020F0502020204030204" pitchFamily="34" charset="0"/>
+                      </a:endParaRPr>
+                    </a:p>
+                  </a:txBody>
+                  <a:tcPr marL="6350" marR="6350" marT="6350" marB="0" anchor="b">
+                    <a:lnL w="12700" cap="flat" cmpd="sng" algn="ctr">
+                      <a:solidFill>
+                        <a:schemeClr val="tx1"/>
+                      </a:solidFill>
+                      <a:prstDash val="solid"/>
+                      <a:round/>
+                      <a:headEnd type="none" w="med" len="med"/>
+                      <a:tailEnd type="none" w="med" len="med"/>
+                    </a:lnL>
+                    <a:lnR w="12700" cap="flat" cmpd="sng" algn="ctr">
+                      <a:solidFill>
+                        <a:schemeClr val="tx1"/>
+                      </a:solidFill>
+                      <a:prstDash val="solid"/>
+                      <a:round/>
+                      <a:headEnd type="none" w="med" len="med"/>
+                      <a:tailEnd type="none" w="med" len="med"/>
+                    </a:lnR>
+                    <a:lnT w="12700" cap="flat" cmpd="sng" algn="ctr">
+                      <a:solidFill>
+                        <a:schemeClr val="tx1"/>
+                      </a:solidFill>
+                      <a:prstDash val="solid"/>
+                      <a:round/>
+                      <a:headEnd type="none" w="med" len="med"/>
+                      <a:tailEnd type="none" w="med" len="med"/>
+                    </a:lnT>
+                    <a:lnB w="12700" cap="flat" cmpd="sng" algn="ctr">
+                      <a:solidFill>
+                        <a:schemeClr val="tx1"/>
+                      </a:solidFill>
+                      <a:prstDash val="solid"/>
+                      <a:round/>
+                      <a:headEnd type="none" w="med" len="med"/>
+                      <a:tailEnd type="none" w="med" len="med"/>
+                    </a:lnB>
+                  </a:tcPr>
+                </a:tc>
+                <a:tc>
+                  <a:txBody>
+                    <a:bodyPr/>
+                    <a:lstStyle/>
+                    <a:p>
+                      <a:pPr algn="r" fontAlgn="b"/>
+                      <a:r>
+                        <a:rPr lang="en-US" sz="1400" u="none" strike="noStrike" dirty="0">
+                          <a:effectLst/>
+                        </a:rPr>
+                        <a:t>48.7%</a:t>
+                      </a:r>
+                      <a:endParaRPr lang="en-US" sz="1400" b="0" i="0" u="none" strike="noStrike" dirty="0">
+                        <a:solidFill>
+                          <a:srgbClr val="000000"/>
+                        </a:solidFill>
+                        <a:effectLst/>
+                        <a:latin typeface="Calibri" panose="020F0502020204030204" pitchFamily="34" charset="0"/>
+                      </a:endParaRPr>
+                    </a:p>
+                  </a:txBody>
+                  <a:tcPr marL="6350" marR="6350" marT="6350" marB="0" anchor="b">
+                    <a:lnL w="12700" cap="flat" cmpd="sng" algn="ctr">
+                      <a:solidFill>
+                        <a:schemeClr val="tx1"/>
+                      </a:solidFill>
+                      <a:prstDash val="solid"/>
+                      <a:round/>
+                      <a:headEnd type="none" w="med" len="med"/>
+                      <a:tailEnd type="none" w="med" len="med"/>
+                    </a:lnL>
+                    <a:lnR w="12700" cap="flat" cmpd="sng" algn="ctr">
+                      <a:solidFill>
+                        <a:schemeClr val="tx1"/>
+                      </a:solidFill>
+                      <a:prstDash val="solid"/>
+                      <a:round/>
+                      <a:headEnd type="none" w="med" len="med"/>
+                      <a:tailEnd type="none" w="med" len="med"/>
+                    </a:lnR>
+                    <a:lnT w="12700" cap="flat" cmpd="sng" algn="ctr">
+                      <a:solidFill>
+                        <a:schemeClr val="tx1"/>
+                      </a:solidFill>
+                      <a:prstDash val="solid"/>
+                      <a:round/>
+                      <a:headEnd type="none" w="med" len="med"/>
+                      <a:tailEnd type="none" w="med" len="med"/>
+                    </a:lnT>
+                    <a:lnB w="12700" cap="flat" cmpd="sng" algn="ctr">
+                      <a:solidFill>
+                        <a:schemeClr val="tx1"/>
+                      </a:solidFill>
+                      <a:prstDash val="solid"/>
+                      <a:round/>
+                      <a:headEnd type="none" w="med" len="med"/>
+                      <a:tailEnd type="none" w="med" len="med"/>
+                    </a:lnB>
+                  </a:tcPr>
+                </a:tc>
+                <a:tc>
+                  <a:txBody>
+                    <a:bodyPr/>
+                    <a:lstStyle/>
+                    <a:p>
+                      <a:pPr algn="r" fontAlgn="b"/>
+                      <a:r>
+                        <a:rPr lang="en-US" sz="1400" u="none" strike="noStrike" dirty="0">
+                          <a:effectLst/>
+                        </a:rPr>
+                        <a:t>29.7%</a:t>
+                      </a:r>
+                      <a:endParaRPr lang="en-US" sz="1400" b="0" i="0" u="none" strike="noStrike" dirty="0">
+                        <a:solidFill>
+                          <a:srgbClr val="000000"/>
+                        </a:solidFill>
+                        <a:effectLst/>
+                        <a:latin typeface="Calibri" panose="020F0502020204030204" pitchFamily="34" charset="0"/>
+                      </a:endParaRPr>
+                    </a:p>
+                  </a:txBody>
+                  <a:tcPr marL="6350" marR="6350" marT="6350" marB="0" anchor="b">
+                    <a:lnL w="12700" cap="flat" cmpd="sng" algn="ctr">
+                      <a:solidFill>
+                        <a:schemeClr val="tx1"/>
+                      </a:solidFill>
+                      <a:prstDash val="solid"/>
+                      <a:round/>
+                      <a:headEnd type="none" w="med" len="med"/>
+                      <a:tailEnd type="none" w="med" len="med"/>
+                    </a:lnL>
+                    <a:lnR w="12700" cap="flat" cmpd="sng" algn="ctr">
+                      <a:solidFill>
+                        <a:schemeClr val="tx1"/>
+                      </a:solidFill>
+                      <a:prstDash val="solid"/>
+                      <a:round/>
+                      <a:headEnd type="none" w="med" len="med"/>
+                      <a:tailEnd type="none" w="med" len="med"/>
+                    </a:lnR>
+                    <a:lnT w="12700" cap="flat" cmpd="sng" algn="ctr">
+                      <a:solidFill>
+                        <a:schemeClr val="tx1"/>
+                      </a:solidFill>
+                      <a:prstDash val="solid"/>
+                      <a:round/>
+                      <a:headEnd type="none" w="med" len="med"/>
+                      <a:tailEnd type="none" w="med" len="med"/>
+                    </a:lnT>
+                    <a:lnB w="12700" cap="flat" cmpd="sng" algn="ctr">
+                      <a:solidFill>
+                        <a:schemeClr val="tx1"/>
+                      </a:solidFill>
+                      <a:prstDash val="solid"/>
+                      <a:round/>
+                      <a:headEnd type="none" w="med" len="med"/>
+                      <a:tailEnd type="none" w="med" len="med"/>
+                    </a:lnB>
+                  </a:tcPr>
+                </a:tc>
+                <a:tc>
+                  <a:txBody>
+                    <a:bodyPr/>
+                    <a:lstStyle/>
+                    <a:p>
+                      <a:pPr algn="r" fontAlgn="b"/>
+                      <a:r>
+                        <a:rPr lang="en-US" sz="1400" u="none" strike="noStrike" dirty="0">
+                          <a:effectLst/>
+                        </a:rPr>
+                        <a:t>3.2%</a:t>
+                      </a:r>
+                      <a:endParaRPr lang="en-US" sz="1400" b="0" i="0" u="none" strike="noStrike" dirty="0">
+                        <a:solidFill>
+                          <a:srgbClr val="000000"/>
+                        </a:solidFill>
+                        <a:effectLst/>
+                        <a:latin typeface="Calibri" panose="020F0502020204030204" pitchFamily="34" charset="0"/>
+                      </a:endParaRPr>
+                    </a:p>
+                  </a:txBody>
+                  <a:tcPr marL="6350" marR="6350" marT="6350" marB="0" anchor="b">
+                    <a:lnL w="12700" cap="flat" cmpd="sng" algn="ctr">
+                      <a:solidFill>
+                        <a:schemeClr val="tx1"/>
+                      </a:solidFill>
+                      <a:prstDash val="solid"/>
+                      <a:round/>
+                      <a:headEnd type="none" w="med" len="med"/>
+                      <a:tailEnd type="none" w="med" len="med"/>
+                    </a:lnL>
+                    <a:lnR w="12700" cap="flat" cmpd="sng" algn="ctr">
+                      <a:solidFill>
+                        <a:schemeClr val="tx1"/>
+                      </a:solidFill>
+                      <a:prstDash val="solid"/>
+                      <a:round/>
+                      <a:headEnd type="none" w="med" len="med"/>
+                      <a:tailEnd type="none" w="med" len="med"/>
+                    </a:lnR>
+                    <a:lnT w="12700" cap="flat" cmpd="sng" algn="ctr">
+                      <a:solidFill>
+                        <a:schemeClr val="tx1"/>
+                      </a:solidFill>
+                      <a:prstDash val="solid"/>
+                      <a:round/>
+                      <a:headEnd type="none" w="med" len="med"/>
+                      <a:tailEnd type="none" w="med" len="med"/>
+                    </a:lnT>
+                    <a:lnB w="12700" cap="flat" cmpd="sng" algn="ctr">
+                      <a:solidFill>
+                        <a:schemeClr val="tx1"/>
+                      </a:solidFill>
+                      <a:prstDash val="solid"/>
+                      <a:round/>
+                      <a:headEnd type="none" w="med" len="med"/>
+                      <a:tailEnd type="none" w="med" len="med"/>
+                    </a:lnB>
+                  </a:tcPr>
+                </a:tc>
+                <a:tc>
+                  <a:txBody>
+                    <a:bodyPr/>
+                    <a:lstStyle/>
+                    <a:p>
+                      <a:pPr algn="r" fontAlgn="b"/>
+                      <a:r>
+                        <a:rPr lang="en-US" sz="1400" u="none" strike="noStrike" dirty="0">
+                          <a:effectLst/>
+                        </a:rPr>
+                        <a:t>6.4%</a:t>
+                      </a:r>
+                      <a:endParaRPr lang="en-US" sz="1400" b="0" i="0" u="none" strike="noStrike" dirty="0">
+                        <a:solidFill>
+                          <a:srgbClr val="000000"/>
+                        </a:solidFill>
+                        <a:effectLst/>
+                        <a:latin typeface="Calibri" panose="020F0502020204030204" pitchFamily="34" charset="0"/>
+                      </a:endParaRPr>
+                    </a:p>
+                  </a:txBody>
+                  <a:tcPr marL="6350" marR="6350" marT="6350" marB="0" anchor="b">
+                    <a:lnL w="12700" cap="flat" cmpd="sng" algn="ctr">
+                      <a:solidFill>
+                        <a:schemeClr val="tx1"/>
+                      </a:solidFill>
+                      <a:prstDash val="solid"/>
+                      <a:round/>
+                      <a:headEnd type="none" w="med" len="med"/>
+                      <a:tailEnd type="none" w="med" len="med"/>
+                    </a:lnL>
+                    <a:lnR w="12700" cap="flat" cmpd="sng" algn="ctr">
+                      <a:solidFill>
+                        <a:schemeClr val="tx1"/>
+                      </a:solidFill>
+                      <a:prstDash val="solid"/>
+                      <a:round/>
+                      <a:headEnd type="none" w="med" len="med"/>
+                      <a:tailEnd type="none" w="med" len="med"/>
+                    </a:lnR>
+                    <a:lnT w="12700" cap="flat" cmpd="sng" algn="ctr">
+                      <a:solidFill>
+                        <a:schemeClr val="tx1"/>
+                      </a:solidFill>
+                      <a:prstDash val="solid"/>
+                      <a:round/>
+                      <a:headEnd type="none" w="med" len="med"/>
+                      <a:tailEnd type="none" w="med" len="med"/>
+                    </a:lnT>
+                    <a:lnB w="12700" cap="flat" cmpd="sng" algn="ctr">
+                      <a:solidFill>
+                        <a:schemeClr val="tx1"/>
+                      </a:solidFill>
+                      <a:prstDash val="solid"/>
+                      <a:round/>
+                      <a:headEnd type="none" w="med" len="med"/>
+                      <a:tailEnd type="none" w="med" len="med"/>
+                    </a:lnB>
+                  </a:tcPr>
+                </a:tc>
+                <a:tc>
+                  <a:txBody>
+                    <a:bodyPr/>
+                    <a:lstStyle/>
+                    <a:p>
+                      <a:pPr algn="r" fontAlgn="b"/>
+                      <a:r>
+                        <a:rPr lang="en-US" sz="1400" u="none" strike="noStrike" dirty="0">
+                          <a:effectLst/>
+                        </a:rPr>
+                        <a:t>12.1%</a:t>
+                      </a:r>
+                      <a:endParaRPr lang="en-US" sz="1400" b="0" i="0" u="none" strike="noStrike" dirty="0">
+                        <a:solidFill>
+                          <a:srgbClr val="000000"/>
+                        </a:solidFill>
+                        <a:effectLst/>
+                        <a:latin typeface="Calibri" panose="020F0502020204030204" pitchFamily="34" charset="0"/>
+                      </a:endParaRPr>
+                    </a:p>
+                  </a:txBody>
+                  <a:tcPr marL="6350" marR="6350" marT="6350" marB="0" anchor="b">
+                    <a:lnL w="12700" cap="flat" cmpd="sng" algn="ctr">
+                      <a:solidFill>
+                        <a:schemeClr val="tx1"/>
+                      </a:solidFill>
+                      <a:prstDash val="solid"/>
+                      <a:round/>
+                      <a:headEnd type="none" w="med" len="med"/>
+                      <a:tailEnd type="none" w="med" len="med"/>
+                    </a:lnL>
+                    <a:lnR w="12700" cap="flat" cmpd="sng" algn="ctr">
+                      <a:solidFill>
+                        <a:schemeClr val="tx1"/>
+                      </a:solidFill>
+                      <a:prstDash val="solid"/>
+                      <a:round/>
+                      <a:headEnd type="none" w="med" len="med"/>
+                      <a:tailEnd type="none" w="med" len="med"/>
+                    </a:lnR>
+                    <a:lnT w="12700" cap="flat" cmpd="sng" algn="ctr">
+                      <a:solidFill>
+                        <a:schemeClr val="tx1"/>
+                      </a:solidFill>
+                      <a:prstDash val="solid"/>
+                      <a:round/>
+                      <a:headEnd type="none" w="med" len="med"/>
+                      <a:tailEnd type="none" w="med" len="med"/>
+                    </a:lnT>
+                    <a:lnB w="12700" cap="flat" cmpd="sng" algn="ctr">
+                      <a:solidFill>
+                        <a:schemeClr val="tx1"/>
+                      </a:solidFill>
+                      <a:prstDash val="solid"/>
+                      <a:round/>
+                      <a:headEnd type="none" w="med" len="med"/>
+                      <a:tailEnd type="none" w="med" len="med"/>
+                    </a:lnB>
+                  </a:tcPr>
+                </a:tc>
+                <a:tc>
+                  <a:txBody>
+                    <a:bodyPr/>
+                    <a:lstStyle/>
+                    <a:p>
+                      <a:pPr algn="r" fontAlgn="b"/>
+                      <a:r>
+                        <a:rPr lang="en-US" sz="1400" u="none" strike="noStrike" dirty="0">
+                          <a:effectLst/>
+                        </a:rPr>
+                        <a:t>12</a:t>
+                      </a:r>
+                      <a:endParaRPr lang="en-US" sz="1400" b="0" i="0" u="none" strike="noStrike" dirty="0">
+                        <a:solidFill>
+                          <a:srgbClr val="000000"/>
+                        </a:solidFill>
+                        <a:effectLst/>
+                        <a:latin typeface="Calibri" panose="020F0502020204030204" pitchFamily="34" charset="0"/>
+                      </a:endParaRPr>
+                    </a:p>
+                  </a:txBody>
+                  <a:tcPr marL="6350" marR="6350" marT="6350" marB="0" anchor="b">
+                    <a:lnL w="12700" cap="flat" cmpd="sng" algn="ctr">
+                      <a:solidFill>
+                        <a:schemeClr val="tx1"/>
+                      </a:solidFill>
+                      <a:prstDash val="solid"/>
+                      <a:round/>
+                      <a:headEnd type="none" w="med" len="med"/>
+                      <a:tailEnd type="none" w="med" len="med"/>
+                    </a:lnL>
+                    <a:lnR w="12700" cap="flat" cmpd="sng" algn="ctr">
+                      <a:solidFill>
+                        <a:schemeClr val="tx1"/>
+                      </a:solidFill>
+                      <a:prstDash val="solid"/>
+                      <a:round/>
+                      <a:headEnd type="none" w="med" len="med"/>
+                      <a:tailEnd type="none" w="med" len="med"/>
+                    </a:lnR>
+                    <a:lnT w="12700" cap="flat" cmpd="sng" algn="ctr">
+                      <a:solidFill>
+                        <a:schemeClr val="tx1"/>
+                      </a:solidFill>
+                      <a:prstDash val="solid"/>
+                      <a:round/>
+                      <a:headEnd type="none" w="med" len="med"/>
+                      <a:tailEnd type="none" w="med" len="med"/>
+                    </a:lnT>
+                    <a:lnB w="12700" cap="flat" cmpd="sng" algn="ctr">
+                      <a:solidFill>
+                        <a:schemeClr val="tx1"/>
+                      </a:solidFill>
+                      <a:prstDash val="solid"/>
+                      <a:round/>
+                      <a:headEnd type="none" w="med" len="med"/>
+                      <a:tailEnd type="none" w="med" len="med"/>
+                    </a:lnB>
+                  </a:tcPr>
+                </a:tc>
+                <a:tc>
+                  <a:txBody>
+                    <a:bodyPr/>
+                    <a:lstStyle/>
+                    <a:p>
+                      <a:pPr algn="r" fontAlgn="b"/>
+                      <a:r>
+                        <a:rPr lang="en-US" sz="1400" b="0" i="0" u="none" strike="noStrike" dirty="0">
+                          <a:solidFill>
+                            <a:srgbClr val="000000"/>
+                          </a:solidFill>
+                          <a:effectLst/>
+                          <a:latin typeface="Calibri" panose="020F0502020204030204" pitchFamily="34" charset="0"/>
+                        </a:rPr>
+                        <a:t>9.2</a:t>
+                      </a:r>
+                    </a:p>
+                  </a:txBody>
+                  <a:tcPr marL="6350" marR="6350" marT="6350" marB="0" anchor="b">
+                    <a:lnL w="12700" cap="flat" cmpd="sng" algn="ctr">
+                      <a:solidFill>
+                        <a:schemeClr val="tx1"/>
+                      </a:solidFill>
+                      <a:prstDash val="solid"/>
+                      <a:round/>
+                      <a:headEnd type="none" w="med" len="med"/>
+                      <a:tailEnd type="none" w="med" len="med"/>
+                    </a:lnL>
+                    <a:lnR w="12700" cap="flat" cmpd="sng" algn="ctr">
+                      <a:solidFill>
+                        <a:schemeClr val="tx1"/>
+                      </a:solidFill>
+                      <a:prstDash val="solid"/>
+                      <a:round/>
+                      <a:headEnd type="none" w="med" len="med"/>
+                      <a:tailEnd type="none" w="med" len="med"/>
+                    </a:lnR>
+                    <a:lnT w="12700" cap="flat" cmpd="sng" algn="ctr">
+                      <a:solidFill>
+                        <a:schemeClr val="tx1"/>
+                      </a:solidFill>
+                      <a:prstDash val="solid"/>
+                      <a:round/>
+                      <a:headEnd type="none" w="med" len="med"/>
+                      <a:tailEnd type="none" w="med" len="med"/>
+                    </a:lnT>
+                    <a:lnB w="12700" cap="flat" cmpd="sng" algn="ctr">
+                      <a:solidFill>
+                        <a:schemeClr val="tx1"/>
+                      </a:solidFill>
+                      <a:prstDash val="solid"/>
+                      <a:round/>
+                      <a:headEnd type="none" w="med" len="med"/>
+                      <a:tailEnd type="none" w="med" len="med"/>
+                    </a:lnB>
+                  </a:tcPr>
+                </a:tc>
+                <a:extLst>
+                  <a:ext uri="{0D108BD9-81ED-4DB2-BD59-A6C34878D82A}">
+                    <a16:rowId xmlns:a16="http://schemas.microsoft.com/office/drawing/2014/main" val="2998460564"/>
+                  </a:ext>
+                </a:extLst>
+              </a:tr>
+              <a:tr h="750570">
+                <a:tc>
+                  <a:txBody>
+                    <a:bodyPr/>
+                    <a:lstStyle/>
+                    <a:p>
+                      <a:pPr algn="l" fontAlgn="b"/>
+                      <a:r>
+                        <a:rPr lang="en-US" sz="1400" u="none" strike="noStrike" dirty="0">
+                          <a:effectLst/>
+                        </a:rPr>
+                        <a:t>2019_washington-redskins</a:t>
+                      </a:r>
+                      <a:endParaRPr lang="en-US" sz="1400" b="0" i="0" u="none" strike="noStrike" dirty="0">
+                        <a:solidFill>
+                          <a:srgbClr val="000000"/>
+                        </a:solidFill>
+                        <a:effectLst/>
+                        <a:latin typeface="Calibri" panose="020F0502020204030204" pitchFamily="34" charset="0"/>
+                      </a:endParaRPr>
+                    </a:p>
+                  </a:txBody>
+                  <a:tcPr marL="6350" marR="6350" marT="6350" marB="0" anchor="b">
+                    <a:lnL w="12700" cap="flat" cmpd="sng" algn="ctr">
+                      <a:solidFill>
+                        <a:schemeClr val="tx1"/>
+                      </a:solidFill>
+                      <a:prstDash val="solid"/>
+                      <a:round/>
+                      <a:headEnd type="none" w="med" len="med"/>
+                      <a:tailEnd type="none" w="med" len="med"/>
+                    </a:lnL>
+                    <a:lnR w="12700" cap="flat" cmpd="sng" algn="ctr">
+                      <a:solidFill>
+                        <a:schemeClr val="tx1"/>
+                      </a:solidFill>
+                      <a:prstDash val="solid"/>
+                      <a:round/>
+                      <a:headEnd type="none" w="med" len="med"/>
+                      <a:tailEnd type="none" w="med" len="med"/>
+                    </a:lnR>
+                    <a:lnT w="12700" cap="flat" cmpd="sng" algn="ctr">
+                      <a:solidFill>
+                        <a:schemeClr val="tx1"/>
+                      </a:solidFill>
+                      <a:prstDash val="solid"/>
+                      <a:round/>
+                      <a:headEnd type="none" w="med" len="med"/>
+                      <a:tailEnd type="none" w="med" len="med"/>
+                    </a:lnT>
+                    <a:lnB w="12700" cap="flat" cmpd="sng" algn="ctr">
+                      <a:solidFill>
+                        <a:schemeClr val="tx1"/>
+                      </a:solidFill>
+                      <a:prstDash val="solid"/>
+                      <a:round/>
+                      <a:headEnd type="none" w="med" len="med"/>
+                      <a:tailEnd type="none" w="med" len="med"/>
+                    </a:lnB>
+                  </a:tcPr>
+                </a:tc>
+                <a:tc>
+                  <a:txBody>
+                    <a:bodyPr/>
+                    <a:lstStyle/>
+                    <a:p>
+                      <a:pPr algn="r" fontAlgn="b"/>
+                      <a:r>
+                        <a:rPr lang="en-US" sz="1400" u="none" strike="noStrike" dirty="0">
+                          <a:effectLst/>
+                        </a:rPr>
+                        <a:t>20.5%</a:t>
+                      </a:r>
+                      <a:endParaRPr lang="en-US" sz="1400" b="0" i="0" u="none" strike="noStrike" dirty="0">
+                        <a:solidFill>
+                          <a:srgbClr val="000000"/>
+                        </a:solidFill>
+                        <a:effectLst/>
+                        <a:latin typeface="Calibri" panose="020F0502020204030204" pitchFamily="34" charset="0"/>
+                      </a:endParaRPr>
+                    </a:p>
+                  </a:txBody>
+                  <a:tcPr marL="6350" marR="6350" marT="6350" marB="0" anchor="b">
+                    <a:lnL w="12700" cap="flat" cmpd="sng" algn="ctr">
+                      <a:solidFill>
+                        <a:schemeClr val="tx1"/>
+                      </a:solidFill>
+                      <a:prstDash val="solid"/>
+                      <a:round/>
+                      <a:headEnd type="none" w="med" len="med"/>
+                      <a:tailEnd type="none" w="med" len="med"/>
+                    </a:lnL>
+                    <a:lnR w="12700" cap="flat" cmpd="sng" algn="ctr">
+                      <a:solidFill>
+                        <a:schemeClr val="tx1"/>
+                      </a:solidFill>
+                      <a:prstDash val="solid"/>
+                      <a:round/>
+                      <a:headEnd type="none" w="med" len="med"/>
+                      <a:tailEnd type="none" w="med" len="med"/>
+                    </a:lnR>
+                    <a:lnT w="12700" cap="flat" cmpd="sng" algn="ctr">
+                      <a:solidFill>
+                        <a:schemeClr val="tx1"/>
+                      </a:solidFill>
+                      <a:prstDash val="solid"/>
+                      <a:round/>
+                      <a:headEnd type="none" w="med" len="med"/>
+                      <a:tailEnd type="none" w="med" len="med"/>
+                    </a:lnT>
+                    <a:lnB w="12700" cap="flat" cmpd="sng" algn="ctr">
+                      <a:solidFill>
+                        <a:schemeClr val="tx1"/>
+                      </a:solidFill>
+                      <a:prstDash val="solid"/>
+                      <a:round/>
+                      <a:headEnd type="none" w="med" len="med"/>
+                      <a:tailEnd type="none" w="med" len="med"/>
+                    </a:lnB>
+                  </a:tcPr>
+                </a:tc>
+                <a:tc>
+                  <a:txBody>
+                    <a:bodyPr/>
+                    <a:lstStyle/>
+                    <a:p>
+                      <a:pPr algn="r" fontAlgn="b"/>
+                      <a:r>
+                        <a:rPr lang="en-US" sz="1400" u="none" strike="noStrike" dirty="0">
+                          <a:effectLst/>
+                        </a:rPr>
+                        <a:t>21.5%</a:t>
+                      </a:r>
+                      <a:endParaRPr lang="en-US" sz="1400" b="0" i="0" u="none" strike="noStrike" dirty="0">
+                        <a:solidFill>
+                          <a:srgbClr val="000000"/>
+                        </a:solidFill>
+                        <a:effectLst/>
+                        <a:latin typeface="Calibri" panose="020F0502020204030204" pitchFamily="34" charset="0"/>
+                      </a:endParaRPr>
+                    </a:p>
+                  </a:txBody>
+                  <a:tcPr marL="6350" marR="6350" marT="6350" marB="0" anchor="b">
+                    <a:lnL w="12700" cap="flat" cmpd="sng" algn="ctr">
+                      <a:solidFill>
+                        <a:schemeClr val="tx1"/>
+                      </a:solidFill>
+                      <a:prstDash val="solid"/>
+                      <a:round/>
+                      <a:headEnd type="none" w="med" len="med"/>
+                      <a:tailEnd type="none" w="med" len="med"/>
+                    </a:lnL>
+                    <a:lnR w="12700" cap="flat" cmpd="sng" algn="ctr">
+                      <a:solidFill>
+                        <a:schemeClr val="tx1"/>
+                      </a:solidFill>
+                      <a:prstDash val="solid"/>
+                      <a:round/>
+                      <a:headEnd type="none" w="med" len="med"/>
+                      <a:tailEnd type="none" w="med" len="med"/>
+                    </a:lnR>
+                    <a:lnT w="12700" cap="flat" cmpd="sng" algn="ctr">
+                      <a:solidFill>
+                        <a:schemeClr val="tx1"/>
+                      </a:solidFill>
+                      <a:prstDash val="solid"/>
+                      <a:round/>
+                      <a:headEnd type="none" w="med" len="med"/>
+                      <a:tailEnd type="none" w="med" len="med"/>
+                    </a:lnT>
+                    <a:lnB w="12700" cap="flat" cmpd="sng" algn="ctr">
+                      <a:solidFill>
+                        <a:schemeClr val="tx1"/>
+                      </a:solidFill>
+                      <a:prstDash val="solid"/>
+                      <a:round/>
+                      <a:headEnd type="none" w="med" len="med"/>
+                      <a:tailEnd type="none" w="med" len="med"/>
+                    </a:lnB>
+                  </a:tcPr>
+                </a:tc>
+                <a:tc>
+                  <a:txBody>
+                    <a:bodyPr/>
+                    <a:lstStyle/>
+                    <a:p>
+                      <a:pPr algn="r" fontAlgn="b"/>
+                      <a:r>
+                        <a:rPr lang="en-US" sz="1400" u="none" strike="noStrike" dirty="0">
+                          <a:effectLst/>
+                        </a:rPr>
+                        <a:t>3.6%</a:t>
+                      </a:r>
+                      <a:endParaRPr lang="en-US" sz="1400" b="0" i="0" u="none" strike="noStrike" dirty="0">
+                        <a:solidFill>
+                          <a:srgbClr val="000000"/>
+                        </a:solidFill>
+                        <a:effectLst/>
+                        <a:latin typeface="Calibri" panose="020F0502020204030204" pitchFamily="34" charset="0"/>
+                      </a:endParaRPr>
+                    </a:p>
+                  </a:txBody>
+                  <a:tcPr marL="6350" marR="6350" marT="6350" marB="0" anchor="b">
+                    <a:lnL w="12700" cap="flat" cmpd="sng" algn="ctr">
+                      <a:solidFill>
+                        <a:schemeClr val="tx1"/>
+                      </a:solidFill>
+                      <a:prstDash val="solid"/>
+                      <a:round/>
+                      <a:headEnd type="none" w="med" len="med"/>
+                      <a:tailEnd type="none" w="med" len="med"/>
+                    </a:lnL>
+                    <a:lnR w="12700" cap="flat" cmpd="sng" algn="ctr">
+                      <a:solidFill>
+                        <a:schemeClr val="tx1"/>
+                      </a:solidFill>
+                      <a:prstDash val="solid"/>
+                      <a:round/>
+                      <a:headEnd type="none" w="med" len="med"/>
+                      <a:tailEnd type="none" w="med" len="med"/>
+                    </a:lnR>
+                    <a:lnT w="12700" cap="flat" cmpd="sng" algn="ctr">
+                      <a:solidFill>
+                        <a:schemeClr val="tx1"/>
+                      </a:solidFill>
+                      <a:prstDash val="solid"/>
+                      <a:round/>
+                      <a:headEnd type="none" w="med" len="med"/>
+                      <a:tailEnd type="none" w="med" len="med"/>
+                    </a:lnT>
+                    <a:lnB w="12700" cap="flat" cmpd="sng" algn="ctr">
+                      <a:solidFill>
+                        <a:schemeClr val="tx1"/>
+                      </a:solidFill>
+                      <a:prstDash val="solid"/>
+                      <a:round/>
+                      <a:headEnd type="none" w="med" len="med"/>
+                      <a:tailEnd type="none" w="med" len="med"/>
+                    </a:lnB>
+                  </a:tcPr>
+                </a:tc>
+                <a:tc>
+                  <a:txBody>
+                    <a:bodyPr/>
+                    <a:lstStyle/>
+                    <a:p>
+                      <a:pPr algn="r" fontAlgn="b"/>
+                      <a:r>
+                        <a:rPr lang="en-US" sz="1400" u="none" strike="noStrike" dirty="0">
+                          <a:effectLst/>
+                        </a:rPr>
+                        <a:t>46.6%</a:t>
+                      </a:r>
+                      <a:endParaRPr lang="en-US" sz="1400" b="0" i="0" u="none" strike="noStrike" dirty="0">
+                        <a:solidFill>
+                          <a:srgbClr val="000000"/>
+                        </a:solidFill>
+                        <a:effectLst/>
+                        <a:latin typeface="Calibri" panose="020F0502020204030204" pitchFamily="34" charset="0"/>
+                      </a:endParaRPr>
+                    </a:p>
+                  </a:txBody>
+                  <a:tcPr marL="6350" marR="6350" marT="6350" marB="0" anchor="b">
+                    <a:lnL w="12700" cap="flat" cmpd="sng" algn="ctr">
+                      <a:solidFill>
+                        <a:schemeClr val="tx1"/>
+                      </a:solidFill>
+                      <a:prstDash val="solid"/>
+                      <a:round/>
+                      <a:headEnd type="none" w="med" len="med"/>
+                      <a:tailEnd type="none" w="med" len="med"/>
+                    </a:lnL>
+                    <a:lnR w="12700" cap="flat" cmpd="sng" algn="ctr">
+                      <a:solidFill>
+                        <a:schemeClr val="tx1"/>
+                      </a:solidFill>
+                      <a:prstDash val="solid"/>
+                      <a:round/>
+                      <a:headEnd type="none" w="med" len="med"/>
+                      <a:tailEnd type="none" w="med" len="med"/>
+                    </a:lnR>
+                    <a:lnT w="12700" cap="flat" cmpd="sng" algn="ctr">
+                      <a:solidFill>
+                        <a:schemeClr val="tx1"/>
+                      </a:solidFill>
+                      <a:prstDash val="solid"/>
+                      <a:round/>
+                      <a:headEnd type="none" w="med" len="med"/>
+                      <a:tailEnd type="none" w="med" len="med"/>
+                    </a:lnT>
+                    <a:lnB w="12700" cap="flat" cmpd="sng" algn="ctr">
+                      <a:solidFill>
+                        <a:schemeClr val="tx1"/>
+                      </a:solidFill>
+                      <a:prstDash val="solid"/>
+                      <a:round/>
+                      <a:headEnd type="none" w="med" len="med"/>
+                      <a:tailEnd type="none" w="med" len="med"/>
+                    </a:lnB>
+                  </a:tcPr>
+                </a:tc>
+                <a:tc>
+                  <a:txBody>
+                    <a:bodyPr/>
+                    <a:lstStyle/>
+                    <a:p>
+                      <a:pPr algn="r" fontAlgn="b"/>
+                      <a:r>
+                        <a:rPr lang="en-US" sz="1400" u="none" strike="noStrike" dirty="0">
+                          <a:effectLst/>
+                        </a:rPr>
+                        <a:t>7.7%</a:t>
+                      </a:r>
+                      <a:endParaRPr lang="en-US" sz="1400" b="0" i="0" u="none" strike="noStrike" dirty="0">
+                        <a:solidFill>
+                          <a:srgbClr val="000000"/>
+                        </a:solidFill>
+                        <a:effectLst/>
+                        <a:latin typeface="Calibri" panose="020F0502020204030204" pitchFamily="34" charset="0"/>
+                      </a:endParaRPr>
+                    </a:p>
+                  </a:txBody>
+                  <a:tcPr marL="6350" marR="6350" marT="6350" marB="0" anchor="b">
+                    <a:lnL w="12700" cap="flat" cmpd="sng" algn="ctr">
+                      <a:solidFill>
+                        <a:schemeClr val="tx1"/>
+                      </a:solidFill>
+                      <a:prstDash val="solid"/>
+                      <a:round/>
+                      <a:headEnd type="none" w="med" len="med"/>
+                      <a:tailEnd type="none" w="med" len="med"/>
+                    </a:lnL>
+                    <a:lnR w="12700" cap="flat" cmpd="sng" algn="ctr">
+                      <a:solidFill>
+                        <a:schemeClr val="tx1"/>
+                      </a:solidFill>
+                      <a:prstDash val="solid"/>
+                      <a:round/>
+                      <a:headEnd type="none" w="med" len="med"/>
+                      <a:tailEnd type="none" w="med" len="med"/>
+                    </a:lnR>
+                    <a:lnT w="12700" cap="flat" cmpd="sng" algn="ctr">
+                      <a:solidFill>
+                        <a:schemeClr val="tx1"/>
+                      </a:solidFill>
+                      <a:prstDash val="solid"/>
+                      <a:round/>
+                      <a:headEnd type="none" w="med" len="med"/>
+                      <a:tailEnd type="none" w="med" len="med"/>
+                    </a:lnT>
+                    <a:lnB w="12700" cap="flat" cmpd="sng" algn="ctr">
+                      <a:solidFill>
+                        <a:schemeClr val="tx1"/>
+                      </a:solidFill>
+                      <a:prstDash val="solid"/>
+                      <a:round/>
+                      <a:headEnd type="none" w="med" len="med"/>
+                      <a:tailEnd type="none" w="med" len="med"/>
+                    </a:lnB>
+                  </a:tcPr>
+                </a:tc>
+                <a:tc>
+                  <a:txBody>
+                    <a:bodyPr/>
+                    <a:lstStyle/>
+                    <a:p>
+                      <a:pPr algn="r" fontAlgn="b"/>
+                      <a:r>
+                        <a:rPr lang="en-US" sz="1400" u="none" strike="noStrike" dirty="0">
+                          <a:effectLst/>
+                        </a:rPr>
+                        <a:t>3</a:t>
+                      </a:r>
+                      <a:endParaRPr lang="en-US" sz="1400" b="0" i="0" u="none" strike="noStrike" dirty="0">
+                        <a:solidFill>
+                          <a:srgbClr val="000000"/>
+                        </a:solidFill>
+                        <a:effectLst/>
+                        <a:latin typeface="Calibri" panose="020F0502020204030204" pitchFamily="34" charset="0"/>
+                      </a:endParaRPr>
+                    </a:p>
+                  </a:txBody>
+                  <a:tcPr marL="6350" marR="6350" marT="6350" marB="0" anchor="b">
+                    <a:lnL w="12700" cap="flat" cmpd="sng" algn="ctr">
+                      <a:solidFill>
+                        <a:schemeClr val="tx1"/>
+                      </a:solidFill>
+                      <a:prstDash val="solid"/>
+                      <a:round/>
+                      <a:headEnd type="none" w="med" len="med"/>
+                      <a:tailEnd type="none" w="med" len="med"/>
+                    </a:lnL>
+                    <a:lnR w="12700" cap="flat" cmpd="sng" algn="ctr">
+                      <a:solidFill>
+                        <a:schemeClr val="tx1"/>
+                      </a:solidFill>
+                      <a:prstDash val="solid"/>
+                      <a:round/>
+                      <a:headEnd type="none" w="med" len="med"/>
+                      <a:tailEnd type="none" w="med" len="med"/>
+                    </a:lnR>
+                    <a:lnT w="12700" cap="flat" cmpd="sng" algn="ctr">
+                      <a:solidFill>
+                        <a:schemeClr val="tx1"/>
+                      </a:solidFill>
+                      <a:prstDash val="solid"/>
+                      <a:round/>
+                      <a:headEnd type="none" w="med" len="med"/>
+                      <a:tailEnd type="none" w="med" len="med"/>
+                    </a:lnT>
+                    <a:lnB w="12700" cap="flat" cmpd="sng" algn="ctr">
+                      <a:solidFill>
+                        <a:schemeClr val="tx1"/>
+                      </a:solidFill>
+                      <a:prstDash val="solid"/>
+                      <a:round/>
+                      <a:headEnd type="none" w="med" len="med"/>
+                      <a:tailEnd type="none" w="med" len="med"/>
+                    </a:lnB>
+                  </a:tcPr>
+                </a:tc>
+                <a:tc>
+                  <a:txBody>
+                    <a:bodyPr/>
+                    <a:lstStyle/>
+                    <a:p>
+                      <a:pPr algn="r" fontAlgn="b"/>
+                      <a:r>
+                        <a:rPr lang="en-US" sz="1400" b="0" i="0" u="none" strike="noStrike" dirty="0">
+                          <a:solidFill>
+                            <a:srgbClr val="000000"/>
+                          </a:solidFill>
+                          <a:effectLst/>
+                          <a:latin typeface="Calibri" panose="020F0502020204030204" pitchFamily="34" charset="0"/>
+                        </a:rPr>
+                        <a:t>3.3</a:t>
+                      </a:r>
+                    </a:p>
+                  </a:txBody>
+                  <a:tcPr marL="6350" marR="6350" marT="6350" marB="0" anchor="b">
+                    <a:lnL w="12700" cap="flat" cmpd="sng" algn="ctr">
+                      <a:solidFill>
+                        <a:schemeClr val="tx1"/>
+                      </a:solidFill>
+                      <a:prstDash val="solid"/>
+                      <a:round/>
+                      <a:headEnd type="none" w="med" len="med"/>
+                      <a:tailEnd type="none" w="med" len="med"/>
+                    </a:lnL>
+                    <a:lnR w="12700" cap="flat" cmpd="sng" algn="ctr">
+                      <a:solidFill>
+                        <a:schemeClr val="tx1"/>
+                      </a:solidFill>
+                      <a:prstDash val="solid"/>
+                      <a:round/>
+                      <a:headEnd type="none" w="med" len="med"/>
+                      <a:tailEnd type="none" w="med" len="med"/>
+                    </a:lnR>
+                    <a:lnT w="12700" cap="flat" cmpd="sng" algn="ctr">
+                      <a:solidFill>
+                        <a:schemeClr val="tx1"/>
+                      </a:solidFill>
+                      <a:prstDash val="solid"/>
+                      <a:round/>
+                      <a:headEnd type="none" w="med" len="med"/>
+                      <a:tailEnd type="none" w="med" len="med"/>
+                    </a:lnT>
+                    <a:lnB w="12700" cap="flat" cmpd="sng" algn="ctr">
+                      <a:solidFill>
+                        <a:schemeClr val="tx1"/>
+                      </a:solidFill>
+                      <a:prstDash val="solid"/>
+                      <a:round/>
+                      <a:headEnd type="none" w="med" len="med"/>
+                      <a:tailEnd type="none" w="med" len="med"/>
+                    </a:lnB>
+                  </a:tcPr>
+                </a:tc>
+                <a:extLst>
+                  <a:ext uri="{0D108BD9-81ED-4DB2-BD59-A6C34878D82A}">
+                    <a16:rowId xmlns:a16="http://schemas.microsoft.com/office/drawing/2014/main" val="1435051076"/>
+                  </a:ext>
+                </a:extLst>
+              </a:tr>
+              <a:tr h="750570">
+                <a:tc>
+                  <a:txBody>
+                    <a:bodyPr/>
+                    <a:lstStyle/>
+                    <a:p>
+                      <a:pPr algn="l" fontAlgn="b"/>
+                      <a:r>
+                        <a:rPr lang="en-US" sz="1400" u="none" strike="noStrike" dirty="0">
+                          <a:effectLst/>
+                        </a:rPr>
+                        <a:t>2019_cincinnati-bengals</a:t>
+                      </a:r>
+                      <a:endParaRPr lang="en-US" sz="1400" b="0" i="0" u="none" strike="noStrike" dirty="0">
+                        <a:solidFill>
+                          <a:srgbClr val="000000"/>
+                        </a:solidFill>
+                        <a:effectLst/>
+                        <a:latin typeface="Calibri" panose="020F0502020204030204" pitchFamily="34" charset="0"/>
+                      </a:endParaRPr>
+                    </a:p>
+                  </a:txBody>
+                  <a:tcPr marL="6350" marR="6350" marT="6350" marB="0" anchor="b">
+                    <a:lnL w="12700" cap="flat" cmpd="sng" algn="ctr">
+                      <a:solidFill>
+                        <a:schemeClr val="tx1"/>
+                      </a:solidFill>
+                      <a:prstDash val="solid"/>
+                      <a:round/>
+                      <a:headEnd type="none" w="med" len="med"/>
+                      <a:tailEnd type="none" w="med" len="med"/>
+                    </a:lnL>
+                    <a:lnR w="12700" cap="flat" cmpd="sng" algn="ctr">
+                      <a:solidFill>
+                        <a:schemeClr val="tx1"/>
+                      </a:solidFill>
+                      <a:prstDash val="solid"/>
+                      <a:round/>
+                      <a:headEnd type="none" w="med" len="med"/>
+                      <a:tailEnd type="none" w="med" len="med"/>
+                    </a:lnR>
+                    <a:lnT w="12700" cap="flat" cmpd="sng" algn="ctr">
+                      <a:solidFill>
+                        <a:schemeClr val="tx1"/>
+                      </a:solidFill>
+                      <a:prstDash val="solid"/>
+                      <a:round/>
+                      <a:headEnd type="none" w="med" len="med"/>
+                      <a:tailEnd type="none" w="med" len="med"/>
+                    </a:lnT>
+                    <a:lnB w="12700" cap="flat" cmpd="sng" algn="ctr">
+                      <a:solidFill>
+                        <a:schemeClr val="tx1"/>
+                      </a:solidFill>
+                      <a:prstDash val="solid"/>
+                      <a:round/>
+                      <a:headEnd type="none" w="med" len="med"/>
+                      <a:tailEnd type="none" w="med" len="med"/>
+                    </a:lnB>
+                  </a:tcPr>
+                </a:tc>
+                <a:tc>
+                  <a:txBody>
+                    <a:bodyPr/>
+                    <a:lstStyle/>
+                    <a:p>
+                      <a:pPr algn="r" fontAlgn="b"/>
+                      <a:r>
+                        <a:rPr lang="en-US" sz="1400" u="none" strike="noStrike" dirty="0">
+                          <a:effectLst/>
+                        </a:rPr>
+                        <a:t>42.7%</a:t>
+                      </a:r>
+                      <a:endParaRPr lang="en-US" sz="1400" b="0" i="0" u="none" strike="noStrike" dirty="0">
+                        <a:solidFill>
+                          <a:srgbClr val="000000"/>
+                        </a:solidFill>
+                        <a:effectLst/>
+                        <a:latin typeface="Calibri" panose="020F0502020204030204" pitchFamily="34" charset="0"/>
+                      </a:endParaRPr>
+                    </a:p>
+                  </a:txBody>
+                  <a:tcPr marL="6350" marR="6350" marT="6350" marB="0" anchor="b">
+                    <a:lnL w="12700" cap="flat" cmpd="sng" algn="ctr">
+                      <a:solidFill>
+                        <a:schemeClr val="tx1"/>
+                      </a:solidFill>
+                      <a:prstDash val="solid"/>
+                      <a:round/>
+                      <a:headEnd type="none" w="med" len="med"/>
+                      <a:tailEnd type="none" w="med" len="med"/>
+                    </a:lnL>
+                    <a:lnR w="12700" cap="flat" cmpd="sng" algn="ctr">
+                      <a:solidFill>
+                        <a:schemeClr val="tx1"/>
+                      </a:solidFill>
+                      <a:prstDash val="solid"/>
+                      <a:round/>
+                      <a:headEnd type="none" w="med" len="med"/>
+                      <a:tailEnd type="none" w="med" len="med"/>
+                    </a:lnR>
+                    <a:lnT w="12700" cap="flat" cmpd="sng" algn="ctr">
+                      <a:solidFill>
+                        <a:schemeClr val="tx1"/>
+                      </a:solidFill>
+                      <a:prstDash val="solid"/>
+                      <a:round/>
+                      <a:headEnd type="none" w="med" len="med"/>
+                      <a:tailEnd type="none" w="med" len="med"/>
+                    </a:lnT>
+                    <a:lnB w="12700" cap="flat" cmpd="sng" algn="ctr">
+                      <a:solidFill>
+                        <a:schemeClr val="tx1"/>
+                      </a:solidFill>
+                      <a:prstDash val="solid"/>
+                      <a:round/>
+                      <a:headEnd type="none" w="med" len="med"/>
+                      <a:tailEnd type="none" w="med" len="med"/>
+                    </a:lnB>
+                  </a:tcPr>
+                </a:tc>
+                <a:tc>
+                  <a:txBody>
+                    <a:bodyPr/>
+                    <a:lstStyle/>
+                    <a:p>
+                      <a:pPr algn="r" fontAlgn="b"/>
+                      <a:r>
+                        <a:rPr lang="en-US" sz="1400" u="none" strike="noStrike" dirty="0">
+                          <a:effectLst/>
+                        </a:rPr>
+                        <a:t>27.0%</a:t>
+                      </a:r>
+                      <a:endParaRPr lang="en-US" sz="1400" b="0" i="0" u="none" strike="noStrike" dirty="0">
+                        <a:solidFill>
+                          <a:srgbClr val="000000"/>
+                        </a:solidFill>
+                        <a:effectLst/>
+                        <a:latin typeface="Calibri" panose="020F0502020204030204" pitchFamily="34" charset="0"/>
+                      </a:endParaRPr>
+                    </a:p>
+                  </a:txBody>
+                  <a:tcPr marL="6350" marR="6350" marT="6350" marB="0" anchor="b">
+                    <a:lnL w="12700" cap="flat" cmpd="sng" algn="ctr">
+                      <a:solidFill>
+                        <a:schemeClr val="tx1"/>
+                      </a:solidFill>
+                      <a:prstDash val="solid"/>
+                      <a:round/>
+                      <a:headEnd type="none" w="med" len="med"/>
+                      <a:tailEnd type="none" w="med" len="med"/>
+                    </a:lnL>
+                    <a:lnR w="12700" cap="flat" cmpd="sng" algn="ctr">
+                      <a:solidFill>
+                        <a:schemeClr val="tx1"/>
+                      </a:solidFill>
+                      <a:prstDash val="solid"/>
+                      <a:round/>
+                      <a:headEnd type="none" w="med" len="med"/>
+                      <a:tailEnd type="none" w="med" len="med"/>
+                    </a:lnR>
+                    <a:lnT w="12700" cap="flat" cmpd="sng" algn="ctr">
+                      <a:solidFill>
+                        <a:schemeClr val="tx1"/>
+                      </a:solidFill>
+                      <a:prstDash val="solid"/>
+                      <a:round/>
+                      <a:headEnd type="none" w="med" len="med"/>
+                      <a:tailEnd type="none" w="med" len="med"/>
+                    </a:lnT>
+                    <a:lnB w="12700" cap="flat" cmpd="sng" algn="ctr">
+                      <a:solidFill>
+                        <a:schemeClr val="tx1"/>
+                      </a:solidFill>
+                      <a:prstDash val="solid"/>
+                      <a:round/>
+                      <a:headEnd type="none" w="med" len="med"/>
+                      <a:tailEnd type="none" w="med" len="med"/>
+                    </a:lnB>
+                  </a:tcPr>
+                </a:tc>
+                <a:tc>
+                  <a:txBody>
+                    <a:bodyPr/>
+                    <a:lstStyle/>
+                    <a:p>
+                      <a:pPr algn="r" fontAlgn="b"/>
+                      <a:r>
+                        <a:rPr lang="en-US" sz="1400" u="none" strike="noStrike" dirty="0">
+                          <a:effectLst/>
+                        </a:rPr>
+                        <a:t>3.1%</a:t>
+                      </a:r>
+                      <a:endParaRPr lang="en-US" sz="1400" b="0" i="0" u="none" strike="noStrike" dirty="0">
+                        <a:solidFill>
+                          <a:srgbClr val="000000"/>
+                        </a:solidFill>
+                        <a:effectLst/>
+                        <a:latin typeface="Calibri" panose="020F0502020204030204" pitchFamily="34" charset="0"/>
+                      </a:endParaRPr>
+                    </a:p>
+                  </a:txBody>
+                  <a:tcPr marL="6350" marR="6350" marT="6350" marB="0" anchor="b">
+                    <a:lnL w="12700" cap="flat" cmpd="sng" algn="ctr">
+                      <a:solidFill>
+                        <a:schemeClr val="tx1"/>
+                      </a:solidFill>
+                      <a:prstDash val="solid"/>
+                      <a:round/>
+                      <a:headEnd type="none" w="med" len="med"/>
+                      <a:tailEnd type="none" w="med" len="med"/>
+                    </a:lnL>
+                    <a:lnR w="12700" cap="flat" cmpd="sng" algn="ctr">
+                      <a:solidFill>
+                        <a:schemeClr val="tx1"/>
+                      </a:solidFill>
+                      <a:prstDash val="solid"/>
+                      <a:round/>
+                      <a:headEnd type="none" w="med" len="med"/>
+                      <a:tailEnd type="none" w="med" len="med"/>
+                    </a:lnR>
+                    <a:lnT w="12700" cap="flat" cmpd="sng" algn="ctr">
+                      <a:solidFill>
+                        <a:schemeClr val="tx1"/>
+                      </a:solidFill>
+                      <a:prstDash val="solid"/>
+                      <a:round/>
+                      <a:headEnd type="none" w="med" len="med"/>
+                      <a:tailEnd type="none" w="med" len="med"/>
+                    </a:lnT>
+                    <a:lnB w="12700" cap="flat" cmpd="sng" algn="ctr">
+                      <a:solidFill>
+                        <a:schemeClr val="tx1"/>
+                      </a:solidFill>
+                      <a:prstDash val="solid"/>
+                      <a:round/>
+                      <a:headEnd type="none" w="med" len="med"/>
+                      <a:tailEnd type="none" w="med" len="med"/>
+                    </a:lnB>
+                  </a:tcPr>
+                </a:tc>
+                <a:tc>
+                  <a:txBody>
+                    <a:bodyPr/>
+                    <a:lstStyle/>
+                    <a:p>
+                      <a:pPr algn="r" fontAlgn="b"/>
+                      <a:r>
+                        <a:rPr lang="en-US" sz="1400" u="none" strike="noStrike" dirty="0">
+                          <a:effectLst/>
+                        </a:rPr>
+                        <a:t>19.5%</a:t>
+                      </a:r>
+                      <a:endParaRPr lang="en-US" sz="1400" b="0" i="0" u="none" strike="noStrike" dirty="0">
+                        <a:solidFill>
+                          <a:srgbClr val="000000"/>
+                        </a:solidFill>
+                        <a:effectLst/>
+                        <a:latin typeface="Calibri" panose="020F0502020204030204" pitchFamily="34" charset="0"/>
+                      </a:endParaRPr>
+                    </a:p>
+                  </a:txBody>
+                  <a:tcPr marL="6350" marR="6350" marT="6350" marB="0" anchor="b">
+                    <a:lnL w="12700" cap="flat" cmpd="sng" algn="ctr">
+                      <a:solidFill>
+                        <a:schemeClr val="tx1"/>
+                      </a:solidFill>
+                      <a:prstDash val="solid"/>
+                      <a:round/>
+                      <a:headEnd type="none" w="med" len="med"/>
+                      <a:tailEnd type="none" w="med" len="med"/>
+                    </a:lnL>
+                    <a:lnR w="12700" cap="flat" cmpd="sng" algn="ctr">
+                      <a:solidFill>
+                        <a:schemeClr val="tx1"/>
+                      </a:solidFill>
+                      <a:prstDash val="solid"/>
+                      <a:round/>
+                      <a:headEnd type="none" w="med" len="med"/>
+                      <a:tailEnd type="none" w="med" len="med"/>
+                    </a:lnR>
+                    <a:lnT w="12700" cap="flat" cmpd="sng" algn="ctr">
+                      <a:solidFill>
+                        <a:schemeClr val="tx1"/>
+                      </a:solidFill>
+                      <a:prstDash val="solid"/>
+                      <a:round/>
+                      <a:headEnd type="none" w="med" len="med"/>
+                      <a:tailEnd type="none" w="med" len="med"/>
+                    </a:lnT>
+                    <a:lnB w="12700" cap="flat" cmpd="sng" algn="ctr">
+                      <a:solidFill>
+                        <a:schemeClr val="tx1"/>
+                      </a:solidFill>
+                      <a:prstDash val="solid"/>
+                      <a:round/>
+                      <a:headEnd type="none" w="med" len="med"/>
+                      <a:tailEnd type="none" w="med" len="med"/>
+                    </a:lnB>
+                  </a:tcPr>
+                </a:tc>
+                <a:tc>
+                  <a:txBody>
+                    <a:bodyPr/>
+                    <a:lstStyle/>
+                    <a:p>
+                      <a:pPr algn="r" fontAlgn="b"/>
+                      <a:r>
+                        <a:rPr lang="en-US" sz="1400" u="none" strike="noStrike" dirty="0">
+                          <a:effectLst/>
+                        </a:rPr>
+                        <a:t>7.7%</a:t>
+                      </a:r>
+                      <a:endParaRPr lang="en-US" sz="1400" b="0" i="0" u="none" strike="noStrike" dirty="0">
+                        <a:solidFill>
+                          <a:srgbClr val="000000"/>
+                        </a:solidFill>
+                        <a:effectLst/>
+                        <a:latin typeface="Calibri" panose="020F0502020204030204" pitchFamily="34" charset="0"/>
+                      </a:endParaRPr>
+                    </a:p>
+                  </a:txBody>
+                  <a:tcPr marL="6350" marR="6350" marT="6350" marB="0" anchor="b">
+                    <a:lnL w="12700" cap="flat" cmpd="sng" algn="ctr">
+                      <a:solidFill>
+                        <a:schemeClr val="tx1"/>
+                      </a:solidFill>
+                      <a:prstDash val="solid"/>
+                      <a:round/>
+                      <a:headEnd type="none" w="med" len="med"/>
+                      <a:tailEnd type="none" w="med" len="med"/>
+                    </a:lnL>
+                    <a:lnR w="12700" cap="flat" cmpd="sng" algn="ctr">
+                      <a:solidFill>
+                        <a:schemeClr val="tx1"/>
+                      </a:solidFill>
+                      <a:prstDash val="solid"/>
+                      <a:round/>
+                      <a:headEnd type="none" w="med" len="med"/>
+                      <a:tailEnd type="none" w="med" len="med"/>
+                    </a:lnR>
+                    <a:lnT w="12700" cap="flat" cmpd="sng" algn="ctr">
+                      <a:solidFill>
+                        <a:schemeClr val="tx1"/>
+                      </a:solidFill>
+                      <a:prstDash val="solid"/>
+                      <a:round/>
+                      <a:headEnd type="none" w="med" len="med"/>
+                      <a:tailEnd type="none" w="med" len="med"/>
+                    </a:lnT>
+                    <a:lnB w="12700" cap="flat" cmpd="sng" algn="ctr">
+                      <a:solidFill>
+                        <a:schemeClr val="tx1"/>
+                      </a:solidFill>
+                      <a:prstDash val="solid"/>
+                      <a:round/>
+                      <a:headEnd type="none" w="med" len="med"/>
+                      <a:tailEnd type="none" w="med" len="med"/>
+                    </a:lnB>
+                  </a:tcPr>
+                </a:tc>
+                <a:tc>
+                  <a:txBody>
+                    <a:bodyPr/>
+                    <a:lstStyle/>
+                    <a:p>
+                      <a:pPr algn="r" fontAlgn="b"/>
+                      <a:r>
+                        <a:rPr lang="en-US" sz="1400" u="none" strike="noStrike" dirty="0">
+                          <a:effectLst/>
+                        </a:rPr>
+                        <a:t>2</a:t>
+                      </a:r>
+                      <a:endParaRPr lang="en-US" sz="1400" b="0" i="0" u="none" strike="noStrike" dirty="0">
+                        <a:solidFill>
+                          <a:srgbClr val="000000"/>
+                        </a:solidFill>
+                        <a:effectLst/>
+                        <a:latin typeface="Calibri" panose="020F0502020204030204" pitchFamily="34" charset="0"/>
+                      </a:endParaRPr>
+                    </a:p>
+                  </a:txBody>
+                  <a:tcPr marL="6350" marR="6350" marT="6350" marB="0" anchor="b">
+                    <a:lnL w="12700" cap="flat" cmpd="sng" algn="ctr">
+                      <a:solidFill>
+                        <a:schemeClr val="tx1"/>
+                      </a:solidFill>
+                      <a:prstDash val="solid"/>
+                      <a:round/>
+                      <a:headEnd type="none" w="med" len="med"/>
+                      <a:tailEnd type="none" w="med" len="med"/>
+                    </a:lnL>
+                    <a:lnR w="12700" cap="flat" cmpd="sng" algn="ctr">
+                      <a:solidFill>
+                        <a:schemeClr val="tx1"/>
+                      </a:solidFill>
+                      <a:prstDash val="solid"/>
+                      <a:round/>
+                      <a:headEnd type="none" w="med" len="med"/>
+                      <a:tailEnd type="none" w="med" len="med"/>
+                    </a:lnR>
+                    <a:lnT w="12700" cap="flat" cmpd="sng" algn="ctr">
+                      <a:solidFill>
+                        <a:schemeClr val="tx1"/>
+                      </a:solidFill>
+                      <a:prstDash val="solid"/>
+                      <a:round/>
+                      <a:headEnd type="none" w="med" len="med"/>
+                      <a:tailEnd type="none" w="med" len="med"/>
+                    </a:lnT>
+                    <a:lnB w="12700" cap="flat" cmpd="sng" algn="ctr">
+                      <a:solidFill>
+                        <a:schemeClr val="tx1"/>
+                      </a:solidFill>
+                      <a:prstDash val="solid"/>
+                      <a:round/>
+                      <a:headEnd type="none" w="med" len="med"/>
+                      <a:tailEnd type="none" w="med" len="med"/>
+                    </a:lnB>
+                  </a:tcPr>
+                </a:tc>
+                <a:tc>
+                  <a:txBody>
+                    <a:bodyPr/>
+                    <a:lstStyle/>
+                    <a:p>
+                      <a:pPr algn="r" fontAlgn="b"/>
+                      <a:r>
+                        <a:rPr lang="en-US" sz="1400" b="0" i="0" u="none" strike="noStrike" dirty="0">
+                          <a:solidFill>
+                            <a:srgbClr val="000000"/>
+                          </a:solidFill>
+                          <a:effectLst/>
+                          <a:latin typeface="Calibri" panose="020F0502020204030204" pitchFamily="34" charset="0"/>
+                        </a:rPr>
+                        <a:t>7.6</a:t>
+                      </a:r>
+                    </a:p>
+                  </a:txBody>
+                  <a:tcPr marL="6350" marR="6350" marT="6350" marB="0" anchor="b">
+                    <a:lnL w="12700" cap="flat" cmpd="sng" algn="ctr">
+                      <a:solidFill>
+                        <a:schemeClr val="tx1"/>
+                      </a:solidFill>
+                      <a:prstDash val="solid"/>
+                      <a:round/>
+                      <a:headEnd type="none" w="med" len="med"/>
+                      <a:tailEnd type="none" w="med" len="med"/>
+                    </a:lnL>
+                    <a:lnR w="12700" cap="flat" cmpd="sng" algn="ctr">
+                      <a:solidFill>
+                        <a:schemeClr val="tx1"/>
+                      </a:solidFill>
+                      <a:prstDash val="solid"/>
+                      <a:round/>
+                      <a:headEnd type="none" w="med" len="med"/>
+                      <a:tailEnd type="none" w="med" len="med"/>
+                    </a:lnR>
+                    <a:lnT w="12700" cap="flat" cmpd="sng" algn="ctr">
+                      <a:solidFill>
+                        <a:schemeClr val="tx1"/>
+                      </a:solidFill>
+                      <a:prstDash val="solid"/>
+                      <a:round/>
+                      <a:headEnd type="none" w="med" len="med"/>
+                      <a:tailEnd type="none" w="med" len="med"/>
+                    </a:lnT>
+                    <a:lnB w="12700" cap="flat" cmpd="sng" algn="ctr">
+                      <a:solidFill>
+                        <a:schemeClr val="tx1"/>
+                      </a:solidFill>
+                      <a:prstDash val="solid"/>
+                      <a:round/>
+                      <a:headEnd type="none" w="med" len="med"/>
+                      <a:tailEnd type="none" w="med" len="med"/>
+                    </a:lnB>
+                  </a:tcPr>
+                </a:tc>
+                <a:extLst>
+                  <a:ext uri="{0D108BD9-81ED-4DB2-BD59-A6C34878D82A}">
+                    <a16:rowId xmlns:a16="http://schemas.microsoft.com/office/drawing/2014/main" val="495728268"/>
+                  </a:ext>
+                </a:extLst>
+              </a:tr>
+            </a:tbl>
+          </a:graphicData>
+        </a:graphic>
+      </p:graphicFrame>
+    </p:spTree>
+    <p:extLst>
+      <p:ext uri="{BB962C8B-B14F-4D97-AF65-F5344CB8AC3E}">
+        <p14:creationId xmlns:p14="http://schemas.microsoft.com/office/powerpoint/2010/main" val="837160724"/>
+      </p:ext>
+    </p:extLst>
+  </p:cSld>
+  <p:clrMapOvr>
+    <a:masterClrMapping/>
+  </p:clrMapOvr>
+</p:sld>
+</file>
+
+<file path=ppt/slides/slide16.xml><?xml version="1.0" encoding="utf-8"?>
+<p:sld xmlns:a="http://schemas.openxmlformats.org/drawingml/2006/main" xmlns:r="http://schemas.openxmlformats.org/officeDocument/2006/relationships" xmlns:p="http://schemas.openxmlformats.org/presentationml/2006/main">
+  <p:cSld>
+    <p:spTree>
+      <p:nvGrpSpPr>
+        <p:cNvPr id="1" name=""/>
+        <p:cNvGrpSpPr/>
+        <p:nvPr/>
+      </p:nvGrpSpPr>
+      <p:grpSpPr>
+        <a:xfrm>
+          <a:off x="0" y="0"/>
+          <a:ext cx="0" cy="0"/>
+          <a:chOff x="0" y="0"/>
+          <a:chExt cx="0" cy="0"/>
+        </a:xfrm>
+      </p:grpSpPr>
+      <p:sp>
+        <p:nvSpPr>
+          <p:cNvPr id="2" name="Title 1">
+            <a:extLst>
+              <a:ext uri="{FF2B5EF4-FFF2-40B4-BE49-F238E27FC236}">
+                <a16:creationId xmlns:a16="http://schemas.microsoft.com/office/drawing/2014/main" id="{C2097BC2-450F-4AC7-9F0B-DE87927BF323}"/>
+              </a:ext>
+            </a:extLst>
+          </p:cNvPr>
+          <p:cNvSpPr>
+            <a:spLocks noGrp="1"/>
+          </p:cNvSpPr>
+          <p:nvPr>
+            <p:ph type="title"/>
+          </p:nvPr>
+        </p:nvSpPr>
+        <p:spPr/>
+        <p:txBody>
+          <a:bodyPr/>
+          <a:lstStyle/>
+          <a:p>
+            <a:r>
+              <a:rPr lang="en-US" dirty="0"/>
               <a:t>In Summary</a:t>
             </a:r>
           </a:p>
@@ -11214,7 +11327,7 @@
 </p:sld>
 </file>
 
-<file path=ppt/slides/slide16.xml><?xml version="1.0" encoding="utf-8"?>
+<file path=ppt/slides/slide17.xml><?xml version="1.0" encoding="utf-8"?>
 <p:sld xmlns:a="http://schemas.openxmlformats.org/drawingml/2006/main" xmlns:r="http://schemas.openxmlformats.org/officeDocument/2006/relationships" xmlns:p="http://schemas.openxmlformats.org/presentationml/2006/main">
   <p:cSld>
     <p:bg>
@@ -11298,7 +11411,7 @@
           <a:lstStyle/>
           <a:p>
             <a:pPr algn="ctr"/>
-            <a:endParaRPr lang="en-US"/>
+            <a:endParaRPr lang="en-US" dirty="0"/>
           </a:p>
         </p:txBody>
       </p:sp>
